--- a/Versions/Cover.pptx
+++ b/Versions/Cover.pptx
@@ -4181,7 +4181,7 @@
           <a:p>
             <a:fld id="{7258B7A7-5AE5-4EE3-808F-A566F96DB4B7}" type="datetimeFigureOut">
               <a:rPr lang="en-US" smtClean="0"/>
-              <a:t>12/8/2019</a:t>
+              <a:t>2/17/2020</a:t>
             </a:fld>
             <a:endParaRPr lang="en-US"/>
           </a:p>
@@ -4351,7 +4351,7 @@
           <a:p>
             <a:fld id="{7258B7A7-5AE5-4EE3-808F-A566F96DB4B7}" type="datetimeFigureOut">
               <a:rPr lang="en-US" smtClean="0"/>
-              <a:t>12/8/2019</a:t>
+              <a:t>2/17/2020</a:t>
             </a:fld>
             <a:endParaRPr lang="en-US"/>
           </a:p>
@@ -4531,7 +4531,7 @@
           <a:p>
             <a:fld id="{7258B7A7-5AE5-4EE3-808F-A566F96DB4B7}" type="datetimeFigureOut">
               <a:rPr lang="en-US" smtClean="0"/>
-              <a:t>12/8/2019</a:t>
+              <a:t>2/17/2020</a:t>
             </a:fld>
             <a:endParaRPr lang="en-US"/>
           </a:p>
@@ -4701,7 +4701,7 @@
           <a:p>
             <a:fld id="{7258B7A7-5AE5-4EE3-808F-A566F96DB4B7}" type="datetimeFigureOut">
               <a:rPr lang="en-US" smtClean="0"/>
-              <a:t>12/8/2019</a:t>
+              <a:t>2/17/2020</a:t>
             </a:fld>
             <a:endParaRPr lang="en-US"/>
           </a:p>
@@ -4945,7 +4945,7 @@
           <a:p>
             <a:fld id="{7258B7A7-5AE5-4EE3-808F-A566F96DB4B7}" type="datetimeFigureOut">
               <a:rPr lang="en-US" smtClean="0"/>
-              <a:t>12/8/2019</a:t>
+              <a:t>2/17/2020</a:t>
             </a:fld>
             <a:endParaRPr lang="en-US"/>
           </a:p>
@@ -5177,7 +5177,7 @@
           <a:p>
             <a:fld id="{7258B7A7-5AE5-4EE3-808F-A566F96DB4B7}" type="datetimeFigureOut">
               <a:rPr lang="en-US" smtClean="0"/>
-              <a:t>12/8/2019</a:t>
+              <a:t>2/17/2020</a:t>
             </a:fld>
             <a:endParaRPr lang="en-US"/>
           </a:p>
@@ -5544,7 +5544,7 @@
           <a:p>
             <a:fld id="{7258B7A7-5AE5-4EE3-808F-A566F96DB4B7}" type="datetimeFigureOut">
               <a:rPr lang="en-US" smtClean="0"/>
-              <a:t>12/8/2019</a:t>
+              <a:t>2/17/2020</a:t>
             </a:fld>
             <a:endParaRPr lang="en-US"/>
           </a:p>
@@ -5662,7 +5662,7 @@
           <a:p>
             <a:fld id="{7258B7A7-5AE5-4EE3-808F-A566F96DB4B7}" type="datetimeFigureOut">
               <a:rPr lang="en-US" smtClean="0"/>
-              <a:t>12/8/2019</a:t>
+              <a:t>2/17/2020</a:t>
             </a:fld>
             <a:endParaRPr lang="en-US"/>
           </a:p>
@@ -5757,7 +5757,7 @@
           <a:p>
             <a:fld id="{7258B7A7-5AE5-4EE3-808F-A566F96DB4B7}" type="datetimeFigureOut">
               <a:rPr lang="en-US" smtClean="0"/>
-              <a:t>12/8/2019</a:t>
+              <a:t>2/17/2020</a:t>
             </a:fld>
             <a:endParaRPr lang="en-US"/>
           </a:p>
@@ -6034,7 +6034,7 @@
           <a:p>
             <a:fld id="{7258B7A7-5AE5-4EE3-808F-A566F96DB4B7}" type="datetimeFigureOut">
               <a:rPr lang="en-US" smtClean="0"/>
-              <a:t>12/8/2019</a:t>
+              <a:t>2/17/2020</a:t>
             </a:fld>
             <a:endParaRPr lang="en-US"/>
           </a:p>
@@ -6291,7 +6291,7 @@
           <a:p>
             <a:fld id="{7258B7A7-5AE5-4EE3-808F-A566F96DB4B7}" type="datetimeFigureOut">
               <a:rPr lang="en-US" smtClean="0"/>
-              <a:t>12/8/2019</a:t>
+              <a:t>2/17/2020</a:t>
             </a:fld>
             <a:endParaRPr lang="en-US"/>
           </a:p>
@@ -6504,7 +6504,7 @@
           <a:p>
             <a:fld id="{7258B7A7-5AE5-4EE3-808F-A566F96DB4B7}" type="datetimeFigureOut">
               <a:rPr lang="en-US" smtClean="0"/>
-              <a:t>12/8/2019</a:t>
+              <a:t>2/17/2020</a:t>
             </a:fld>
             <a:endParaRPr lang="en-US"/>
           </a:p>
@@ -7084,8 +7084,8 @@
         </p:nvSpPr>
         <p:spPr>
           <a:xfrm>
-            <a:off x="-150235" y="6837830"/>
-            <a:ext cx="7158470" cy="400110"/>
+            <a:off x="-1" y="6837830"/>
+            <a:ext cx="6858001" cy="400110"/>
           </a:xfrm>
           <a:prstGeom prst="rect">
             <a:avLst/>
@@ -7307,7 +7307,7 @@
         </p:nvSpPr>
         <p:spPr>
           <a:xfrm>
-            <a:off x="4489530" y="7871407"/>
+            <a:off x="4300428" y="8535651"/>
             <a:ext cx="2026196" cy="523220"/>
           </a:xfrm>
           <a:prstGeom prst="rect">
@@ -7362,7 +7362,7 @@
         </p:nvSpPr>
         <p:spPr>
           <a:xfrm>
-            <a:off x="4114941" y="8394627"/>
+            <a:off x="3941997" y="9028094"/>
             <a:ext cx="2743059" cy="400110"/>
           </a:xfrm>
           <a:prstGeom prst="rect">
@@ -7461,7 +7461,7 @@
         <p:spPr>
           <a:xfrm>
             <a:off x="5876364" y="0"/>
-            <a:ext cx="1963271" cy="2312894"/>
+            <a:ext cx="1963271" cy="3878126"/>
           </a:xfrm>
           <a:prstGeom prst="flowChartMerge">
             <a:avLst/>
@@ -7471,6 +7471,9 @@
               <a:lumMod val="25000"/>
             </a:schemeClr>
           </a:solidFill>
+          <a:ln>
+            <a:noFill/>
+          </a:ln>
         </p:spPr>
         <p:style>
           <a:lnRef idx="2">
@@ -7494,6 +7497,66 @@
           <a:p>
             <a:pPr algn="ctr"/>
             <a:endParaRPr lang="en-US" dirty="0"/>
+          </a:p>
+        </p:txBody>
+      </p:sp>
+      <p:sp>
+        <p:nvSpPr>
+          <p:cNvPr id="5" name="Rectangle 4">
+            <a:extLst>
+              <a:ext uri="{FF2B5EF4-FFF2-40B4-BE49-F238E27FC236}">
+                <a16:creationId xmlns:a16="http://schemas.microsoft.com/office/drawing/2014/main" id="{9402F6B5-8357-41A1-9634-15BDB3ED4B2F}"/>
+              </a:ext>
+            </a:extLst>
+          </p:cNvPr>
+          <p:cNvSpPr/>
+          <p:nvPr/>
+        </p:nvSpPr>
+        <p:spPr>
+          <a:xfrm rot="2636136">
+            <a:off x="-564701" y="8858815"/>
+            <a:ext cx="2823882" cy="400110"/>
+          </a:xfrm>
+          <a:prstGeom prst="rect">
+            <a:avLst/>
+          </a:prstGeom>
+          <a:ln w="76200">
+            <a:solidFill>
+              <a:schemeClr val="accent5">
+                <a:lumMod val="75000"/>
+              </a:schemeClr>
+            </a:solidFill>
+          </a:ln>
+        </p:spPr>
+        <p:style>
+          <a:lnRef idx="2">
+            <a:schemeClr val="accent4">
+              <a:shade val="50000"/>
+            </a:schemeClr>
+          </a:lnRef>
+          <a:fillRef idx="1">
+            <a:schemeClr val="accent4"/>
+          </a:fillRef>
+          <a:effectRef idx="0">
+            <a:schemeClr val="accent4"/>
+          </a:effectRef>
+          <a:fontRef idx="minor">
+            <a:schemeClr val="lt1"/>
+          </a:fontRef>
+        </p:style>
+        <p:txBody>
+          <a:bodyPr rtlCol="0" anchor="ctr"/>
+          <a:lstStyle/>
+          <a:p>
+            <a:pPr algn="ctr"/>
+            <a:r>
+              <a:rPr lang="en-US" sz="2400" b="1" dirty="0" err="1"/>
+              <a:t>.Net</a:t>
+            </a:r>
+            <a:r>
+              <a:rPr lang="en-US" sz="2400" b="1" dirty="0"/>
+              <a:t> Core 3.1</a:t>
+            </a:r>
           </a:p>
         </p:txBody>
       </p:sp>

--- a/Versions/Cover.pptx
+++ b/Versions/Cover.pptx
@@ -4181,7 +4181,7 @@
           <a:p>
             <a:fld id="{7258B7A7-5AE5-4EE3-808F-A566F96DB4B7}" type="datetimeFigureOut">
               <a:rPr lang="en-US" smtClean="0"/>
-              <a:t>2/17/2020</a:t>
+              <a:t>6/6/2020</a:t>
             </a:fld>
             <a:endParaRPr lang="en-US"/>
           </a:p>
@@ -4351,7 +4351,7 @@
           <a:p>
             <a:fld id="{7258B7A7-5AE5-4EE3-808F-A566F96DB4B7}" type="datetimeFigureOut">
               <a:rPr lang="en-US" smtClean="0"/>
-              <a:t>2/17/2020</a:t>
+              <a:t>6/6/2020</a:t>
             </a:fld>
             <a:endParaRPr lang="en-US"/>
           </a:p>
@@ -4531,7 +4531,7 @@
           <a:p>
             <a:fld id="{7258B7A7-5AE5-4EE3-808F-A566F96DB4B7}" type="datetimeFigureOut">
               <a:rPr lang="en-US" smtClean="0"/>
-              <a:t>2/17/2020</a:t>
+              <a:t>6/6/2020</a:t>
             </a:fld>
             <a:endParaRPr lang="en-US"/>
           </a:p>
@@ -4701,7 +4701,7 @@
           <a:p>
             <a:fld id="{7258B7A7-5AE5-4EE3-808F-A566F96DB4B7}" type="datetimeFigureOut">
               <a:rPr lang="en-US" smtClean="0"/>
-              <a:t>2/17/2020</a:t>
+              <a:t>6/6/2020</a:t>
             </a:fld>
             <a:endParaRPr lang="en-US"/>
           </a:p>
@@ -4945,7 +4945,7 @@
           <a:p>
             <a:fld id="{7258B7A7-5AE5-4EE3-808F-A566F96DB4B7}" type="datetimeFigureOut">
               <a:rPr lang="en-US" smtClean="0"/>
-              <a:t>2/17/2020</a:t>
+              <a:t>6/6/2020</a:t>
             </a:fld>
             <a:endParaRPr lang="en-US"/>
           </a:p>
@@ -5177,7 +5177,7 @@
           <a:p>
             <a:fld id="{7258B7A7-5AE5-4EE3-808F-A566F96DB4B7}" type="datetimeFigureOut">
               <a:rPr lang="en-US" smtClean="0"/>
-              <a:t>2/17/2020</a:t>
+              <a:t>6/6/2020</a:t>
             </a:fld>
             <a:endParaRPr lang="en-US"/>
           </a:p>
@@ -5544,7 +5544,7 @@
           <a:p>
             <a:fld id="{7258B7A7-5AE5-4EE3-808F-A566F96DB4B7}" type="datetimeFigureOut">
               <a:rPr lang="en-US" smtClean="0"/>
-              <a:t>2/17/2020</a:t>
+              <a:t>6/6/2020</a:t>
             </a:fld>
             <a:endParaRPr lang="en-US"/>
           </a:p>
@@ -5662,7 +5662,7 @@
           <a:p>
             <a:fld id="{7258B7A7-5AE5-4EE3-808F-A566F96DB4B7}" type="datetimeFigureOut">
               <a:rPr lang="en-US" smtClean="0"/>
-              <a:t>2/17/2020</a:t>
+              <a:t>6/6/2020</a:t>
             </a:fld>
             <a:endParaRPr lang="en-US"/>
           </a:p>
@@ -5757,7 +5757,7 @@
           <a:p>
             <a:fld id="{7258B7A7-5AE5-4EE3-808F-A566F96DB4B7}" type="datetimeFigureOut">
               <a:rPr lang="en-US" smtClean="0"/>
-              <a:t>2/17/2020</a:t>
+              <a:t>6/6/2020</a:t>
             </a:fld>
             <a:endParaRPr lang="en-US"/>
           </a:p>
@@ -6034,7 +6034,7 @@
           <a:p>
             <a:fld id="{7258B7A7-5AE5-4EE3-808F-A566F96DB4B7}" type="datetimeFigureOut">
               <a:rPr lang="en-US" smtClean="0"/>
-              <a:t>2/17/2020</a:t>
+              <a:t>6/6/2020</a:t>
             </a:fld>
             <a:endParaRPr lang="en-US"/>
           </a:p>
@@ -6291,7 +6291,7 @@
           <a:p>
             <a:fld id="{7258B7A7-5AE5-4EE3-808F-A566F96DB4B7}" type="datetimeFigureOut">
               <a:rPr lang="en-US" smtClean="0"/>
-              <a:t>2/17/2020</a:t>
+              <a:t>6/6/2020</a:t>
             </a:fld>
             <a:endParaRPr lang="en-US"/>
           </a:p>
@@ -6504,7 +6504,7 @@
           <a:p>
             <a:fld id="{7258B7A7-5AE5-4EE3-808F-A566F96DB4B7}" type="datetimeFigureOut">
               <a:rPr lang="en-US" smtClean="0"/>
-              <a:t>2/17/2020</a:t>
+              <a:t>6/6/2020</a:t>
             </a:fld>
             <a:endParaRPr lang="en-US"/>
           </a:p>
@@ -7085,7 +7085,7 @@
         <p:spPr>
           <a:xfrm>
             <a:off x="-1" y="6837830"/>
-            <a:ext cx="6858001" cy="400110"/>
+            <a:ext cx="6858001" cy="707886"/>
           </a:xfrm>
           <a:prstGeom prst="rect">
             <a:avLst/>
@@ -7113,39 +7113,7 @@
                   </a:outerShdw>
                 </a:effectLst>
               </a:rPr>
-              <a:t>Microservice Architecture using </a:t>
-            </a:r>
-            <a:r>
-              <a:rPr lang="en-US" sz="2000" b="0" cap="none" spc="0" dirty="0" err="1">
-                <a:ln w="0"/>
-                <a:solidFill>
-                  <a:schemeClr val="tx1"/>
-                </a:solidFill>
-                <a:effectLst>
-                  <a:outerShdw blurRad="38100" dist="19050" dir="2700000" algn="tl" rotWithShape="0">
-                    <a:schemeClr val="dk1">
-                      <a:alpha val="40000"/>
-                    </a:schemeClr>
-                  </a:outerShdw>
-                </a:effectLst>
-              </a:rPr>
-              <a:t>.Net</a:t>
-            </a:r>
-            <a:r>
-              <a:rPr lang="en-US" sz="2000" b="0" cap="none" spc="0" dirty="0">
-                <a:ln w="0"/>
-                <a:solidFill>
-                  <a:schemeClr val="tx1"/>
-                </a:solidFill>
-                <a:effectLst>
-                  <a:outerShdw blurRad="38100" dist="19050" dir="2700000" algn="tl" rotWithShape="0">
-                    <a:schemeClr val="dk1">
-                      <a:alpha val="40000"/>
-                    </a:schemeClr>
-                  </a:outerShdw>
-                </a:effectLst>
-              </a:rPr>
-              <a:t> Containerized Apps</a:t>
+              <a:t>Microservice Architecture Using Best Practices of Design Patterns</a:t>
             </a:r>
           </a:p>
         </p:txBody>
@@ -7307,8 +7275,8 @@
         </p:nvSpPr>
         <p:spPr>
           <a:xfrm>
-            <a:off x="4300428" y="8535651"/>
-            <a:ext cx="2026196" cy="523220"/>
+            <a:off x="4035395" y="8658760"/>
+            <a:ext cx="1518621" cy="400110"/>
           </a:xfrm>
           <a:prstGeom prst="rect">
             <a:avLst/>
@@ -7323,7 +7291,7 @@
           <a:p>
             <a:pPr algn="ctr"/>
             <a:r>
-              <a:rPr lang="en-US" sz="2800" b="1" cap="none" spc="50" dirty="0">
+              <a:rPr lang="en-US" sz="2000" b="1" cap="none" spc="50" dirty="0">
                 <a:ln w="9525" cmpd="sng">
                   <a:solidFill>
                     <a:schemeClr val="accent1"/>
@@ -7362,7 +7330,7 @@
         </p:nvSpPr>
         <p:spPr>
           <a:xfrm>
-            <a:off x="3941997" y="9028094"/>
+            <a:off x="4035395" y="8354454"/>
             <a:ext cx="2743059" cy="400110"/>
           </a:xfrm>
           <a:prstGeom prst="rect">
@@ -7550,12 +7518,63 @@
           <a:p>
             <a:pPr algn="ctr"/>
             <a:r>
-              <a:rPr lang="en-US" sz="2400" b="1" dirty="0" err="1"/>
-              <a:t>.Net</a:t>
+              <a:rPr lang="en-US" sz="2400" b="1" dirty="0"/>
+              <a:t>Version 1.0</a:t>
             </a:r>
+          </a:p>
+        </p:txBody>
+      </p:sp>
+      <p:sp>
+        <p:nvSpPr>
+          <p:cNvPr id="16" name="Rectangle 15">
+            <a:extLst>
+              <a:ext uri="{FF2B5EF4-FFF2-40B4-BE49-F238E27FC236}">
+                <a16:creationId xmlns:a16="http://schemas.microsoft.com/office/drawing/2014/main" id="{C8F9C986-E62B-4EFB-A0E6-C263467DD244}"/>
+              </a:ext>
+            </a:extLst>
+          </p:cNvPr>
+          <p:cNvSpPr/>
+          <p:nvPr/>
+        </p:nvSpPr>
+        <p:spPr>
+          <a:xfrm>
+            <a:off x="4035395" y="8963066"/>
+            <a:ext cx="1681872" cy="400110"/>
+          </a:xfrm>
+          <a:prstGeom prst="rect">
+            <a:avLst/>
+          </a:prstGeom>
+          <a:noFill/>
+        </p:spPr>
+        <p:txBody>
+          <a:bodyPr wrap="none" lIns="91440" tIns="45720" rIns="91440" bIns="45720">
+            <a:spAutoFit/>
+          </a:bodyPr>
+          <a:lstStyle/>
+          <a:p>
+            <a:pPr algn="ctr"/>
             <a:r>
-              <a:rPr lang="en-US" sz="2400" b="1" dirty="0"/>
-              <a:t> Core 3.1</a:t>
+              <a:rPr lang="en-US" sz="2000" b="1" cap="none" spc="50" dirty="0">
+                <a:ln w="9525" cmpd="sng">
+                  <a:solidFill>
+                    <a:schemeClr val="accent1"/>
+                  </a:solidFill>
+                  <a:prstDash val="solid"/>
+                </a:ln>
+                <a:solidFill>
+                  <a:srgbClr val="70AD47">
+                    <a:tint val="1000"/>
+                  </a:srgbClr>
+                </a:solidFill>
+                <a:effectLst>
+                  <a:glow rad="38100">
+                    <a:schemeClr val="accent1">
+                      <a:alpha val="40000"/>
+                    </a:schemeClr>
+                  </a:glow>
+                </a:effectLst>
+              </a:rPr>
+              <a:t>Ahmed Khalil</a:t>
             </a:r>
           </a:p>
         </p:txBody>

--- a/Versions/Cover.pptx
+++ b/Versions/Cover.pptx
@@ -6,6 +6,7 @@
   </p:sldMasterIdLst>
   <p:sldIdLst>
     <p:sldId id="256" r:id="rId2"/>
+    <p:sldId id="257" r:id="rId3"/>
   </p:sldIdLst>
   <p:sldSz cx="6858000" cy="9906000" type="A4"/>
   <p:notesSz cx="6858000" cy="9144000"/>
@@ -243,7 +244,7 @@
           <a:p>
             <a:fld id="{7258B7A7-5AE5-4EE3-808F-A566F96DB4B7}" type="datetimeFigureOut">
               <a:rPr lang="en-US" smtClean="0"/>
-              <a:t>6/14/2020</a:t>
+              <a:t>6/17/2020</a:t>
             </a:fld>
             <a:endParaRPr lang="en-US"/>
           </a:p>
@@ -413,7 +414,7 @@
           <a:p>
             <a:fld id="{7258B7A7-5AE5-4EE3-808F-A566F96DB4B7}" type="datetimeFigureOut">
               <a:rPr lang="en-US" smtClean="0"/>
-              <a:t>6/14/2020</a:t>
+              <a:t>6/17/2020</a:t>
             </a:fld>
             <a:endParaRPr lang="en-US"/>
           </a:p>
@@ -593,7 +594,7 @@
           <a:p>
             <a:fld id="{7258B7A7-5AE5-4EE3-808F-A566F96DB4B7}" type="datetimeFigureOut">
               <a:rPr lang="en-US" smtClean="0"/>
-              <a:t>6/14/2020</a:t>
+              <a:t>6/17/2020</a:t>
             </a:fld>
             <a:endParaRPr lang="en-US"/>
           </a:p>
@@ -763,7 +764,7 @@
           <a:p>
             <a:fld id="{7258B7A7-5AE5-4EE3-808F-A566F96DB4B7}" type="datetimeFigureOut">
               <a:rPr lang="en-US" smtClean="0"/>
-              <a:t>6/14/2020</a:t>
+              <a:t>6/17/2020</a:t>
             </a:fld>
             <a:endParaRPr lang="en-US"/>
           </a:p>
@@ -1007,7 +1008,7 @@
           <a:p>
             <a:fld id="{7258B7A7-5AE5-4EE3-808F-A566F96DB4B7}" type="datetimeFigureOut">
               <a:rPr lang="en-US" smtClean="0"/>
-              <a:t>6/14/2020</a:t>
+              <a:t>6/17/2020</a:t>
             </a:fld>
             <a:endParaRPr lang="en-US"/>
           </a:p>
@@ -1239,7 +1240,7 @@
           <a:p>
             <a:fld id="{7258B7A7-5AE5-4EE3-808F-A566F96DB4B7}" type="datetimeFigureOut">
               <a:rPr lang="en-US" smtClean="0"/>
-              <a:t>6/14/2020</a:t>
+              <a:t>6/17/2020</a:t>
             </a:fld>
             <a:endParaRPr lang="en-US"/>
           </a:p>
@@ -1606,7 +1607,7 @@
           <a:p>
             <a:fld id="{7258B7A7-5AE5-4EE3-808F-A566F96DB4B7}" type="datetimeFigureOut">
               <a:rPr lang="en-US" smtClean="0"/>
-              <a:t>6/14/2020</a:t>
+              <a:t>6/17/2020</a:t>
             </a:fld>
             <a:endParaRPr lang="en-US"/>
           </a:p>
@@ -1724,7 +1725,7 @@
           <a:p>
             <a:fld id="{7258B7A7-5AE5-4EE3-808F-A566F96DB4B7}" type="datetimeFigureOut">
               <a:rPr lang="en-US" smtClean="0"/>
-              <a:t>6/14/2020</a:t>
+              <a:t>6/17/2020</a:t>
             </a:fld>
             <a:endParaRPr lang="en-US"/>
           </a:p>
@@ -1819,7 +1820,7 @@
           <a:p>
             <a:fld id="{7258B7A7-5AE5-4EE3-808F-A566F96DB4B7}" type="datetimeFigureOut">
               <a:rPr lang="en-US" smtClean="0"/>
-              <a:t>6/14/2020</a:t>
+              <a:t>6/17/2020</a:t>
             </a:fld>
             <a:endParaRPr lang="en-US"/>
           </a:p>
@@ -2096,7 +2097,7 @@
           <a:p>
             <a:fld id="{7258B7A7-5AE5-4EE3-808F-A566F96DB4B7}" type="datetimeFigureOut">
               <a:rPr lang="en-US" smtClean="0"/>
-              <a:t>6/14/2020</a:t>
+              <a:t>6/17/2020</a:t>
             </a:fld>
             <a:endParaRPr lang="en-US"/>
           </a:p>
@@ -2353,7 +2354,7 @@
           <a:p>
             <a:fld id="{7258B7A7-5AE5-4EE3-808F-A566F96DB4B7}" type="datetimeFigureOut">
               <a:rPr lang="en-US" smtClean="0"/>
-              <a:t>6/14/2020</a:t>
+              <a:t>6/17/2020</a:t>
             </a:fld>
             <a:endParaRPr lang="en-US"/>
           </a:p>
@@ -2566,7 +2567,7 @@
           <a:p>
             <a:fld id="{7258B7A7-5AE5-4EE3-808F-A566F96DB4B7}" type="datetimeFigureOut">
               <a:rPr lang="en-US" smtClean="0"/>
-              <a:t>6/14/2020</a:t>
+              <a:t>6/17/2020</a:t>
             </a:fld>
             <a:endParaRPr lang="en-US"/>
           </a:p>
@@ -3222,7 +3223,7 @@
         </p:nvSpPr>
         <p:spPr>
           <a:xfrm>
-            <a:off x="4035395" y="9058870"/>
+            <a:off x="3934127" y="8990226"/>
             <a:ext cx="1518621" cy="400110"/>
           </a:xfrm>
           <a:prstGeom prst="rect">
@@ -3277,7 +3278,7 @@
         </p:nvSpPr>
         <p:spPr>
           <a:xfrm>
-            <a:off x="3967716" y="8754564"/>
+            <a:off x="3866448" y="8685920"/>
             <a:ext cx="2878417" cy="400110"/>
           </a:xfrm>
           <a:prstGeom prst="rect">
@@ -3383,127 +3384,6 @@
                 </a:effectLst>
               </a:rPr>
               <a:t>Razik</a:t>
-            </a:r>
-            <a:endParaRPr lang="en-US" sz="2000" b="1" cap="none" spc="50" dirty="0">
-              <a:ln w="9525" cmpd="sng">
-                <a:solidFill>
-                  <a:schemeClr val="accent1"/>
-                </a:solidFill>
-                <a:prstDash val="solid"/>
-              </a:ln>
-              <a:solidFill>
-                <a:srgbClr val="70AD47">
-                  <a:tint val="1000"/>
-                </a:srgbClr>
-              </a:solidFill>
-              <a:effectLst>
-                <a:glow rad="38100">
-                  <a:schemeClr val="accent1">
-                    <a:alpha val="40000"/>
-                  </a:schemeClr>
-                </a:glow>
-              </a:effectLst>
-            </a:endParaRPr>
-          </a:p>
-        </p:txBody>
-      </p:sp>
-      <p:sp>
-        <p:nvSpPr>
-          <p:cNvPr id="17" name="Rectangle 16">
-            <a:extLst>
-              <a:ext uri="{FF2B5EF4-FFF2-40B4-BE49-F238E27FC236}">
-                <a16:creationId xmlns:a16="http://schemas.microsoft.com/office/drawing/2014/main" id="{40ED309B-E777-4609-B7C0-ED753C978481}"/>
-              </a:ext>
-            </a:extLst>
-          </p:cNvPr>
-          <p:cNvSpPr/>
-          <p:nvPr/>
-        </p:nvSpPr>
-        <p:spPr>
-          <a:xfrm>
-            <a:off x="3998495" y="8450258"/>
-            <a:ext cx="2465419" cy="400110"/>
-          </a:xfrm>
-          <a:prstGeom prst="rect">
-            <a:avLst/>
-          </a:prstGeom>
-          <a:noFill/>
-        </p:spPr>
-        <p:txBody>
-          <a:bodyPr wrap="none" lIns="91440" tIns="45720" rIns="91440" bIns="45720">
-            <a:spAutoFit/>
-          </a:bodyPr>
-          <a:lstStyle/>
-          <a:p>
-            <a:pPr algn="ctr"/>
-            <a:r>
-              <a:rPr lang="en-US" sz="2000" b="1" cap="none" spc="50" dirty="0" err="1">
-                <a:ln w="9525" cmpd="sng">
-                  <a:solidFill>
-                    <a:schemeClr val="accent1"/>
-                  </a:solidFill>
-                  <a:prstDash val="solid"/>
-                </a:ln>
-                <a:solidFill>
-                  <a:srgbClr val="70AD47">
-                    <a:tint val="1000"/>
-                  </a:srgbClr>
-                </a:solidFill>
-                <a:effectLst>
-                  <a:glow rad="38100">
-                    <a:schemeClr val="accent1">
-                      <a:alpha val="40000"/>
-                    </a:schemeClr>
-                  </a:glow>
-                </a:effectLst>
-              </a:rPr>
-              <a:t>Prof.Hazem</a:t>
-            </a:r>
-            <a:r>
-              <a:rPr lang="en-US" sz="2000" b="1" cap="none" spc="50" dirty="0">
-                <a:ln w="9525" cmpd="sng">
-                  <a:solidFill>
-                    <a:schemeClr val="accent1"/>
-                  </a:solidFill>
-                  <a:prstDash val="solid"/>
-                </a:ln>
-                <a:solidFill>
-                  <a:srgbClr val="70AD47">
-                    <a:tint val="1000"/>
-                  </a:srgbClr>
-                </a:solidFill>
-                <a:effectLst>
-                  <a:glow rad="38100">
-                    <a:schemeClr val="accent1">
-                      <a:alpha val="40000"/>
-                    </a:schemeClr>
-                  </a:glow>
-                </a:effectLst>
-              </a:rPr>
-              <a:t> El-</a:t>
-            </a:r>
-            <a:r>
-              <a:rPr lang="en-US" sz="2000" b="1" cap="none" spc="50" dirty="0" err="1">
-                <a:ln w="9525" cmpd="sng">
-                  <a:solidFill>
-                    <a:schemeClr val="accent1"/>
-                  </a:solidFill>
-                  <a:prstDash val="solid"/>
-                </a:ln>
-                <a:solidFill>
-                  <a:srgbClr val="70AD47">
-                    <a:tint val="1000"/>
-                  </a:srgbClr>
-                </a:solidFill>
-                <a:effectLst>
-                  <a:glow rad="38100">
-                    <a:schemeClr val="accent1">
-                      <a:alpha val="40000"/>
-                    </a:schemeClr>
-                  </a:glow>
-                </a:effectLst>
-              </a:rPr>
-              <a:t>Bakry</a:t>
             </a:r>
             <a:endParaRPr lang="en-US" sz="2000" b="1" cap="none" spc="50" dirty="0">
               <a:ln w="9525" cmpd="sng">
@@ -3643,6 +3523,600 @@
     <p:extLst>
       <p:ext uri="{BB962C8B-B14F-4D97-AF65-F5344CB8AC3E}">
         <p14:creationId xmlns:p14="http://schemas.microsoft.com/office/powerpoint/2010/main" val="819938449"/>
+      </p:ext>
+    </p:extLst>
+  </p:cSld>
+  <p:clrMapOvr>
+    <a:masterClrMapping/>
+  </p:clrMapOvr>
+</p:sld>
+</file>
+
+<file path=ppt/slides/slide2.xml><?xml version="1.0" encoding="utf-8"?>
+<p:sld xmlns:a="http://schemas.openxmlformats.org/drawingml/2006/main" xmlns:r="http://schemas.openxmlformats.org/officeDocument/2006/relationships" xmlns:p="http://schemas.openxmlformats.org/presentationml/2006/main">
+  <p:cSld>
+    <p:spTree>
+      <p:nvGrpSpPr>
+        <p:cNvPr id="1" name=""/>
+        <p:cNvGrpSpPr/>
+        <p:nvPr/>
+      </p:nvGrpSpPr>
+      <p:grpSpPr>
+        <a:xfrm>
+          <a:off x="0" y="0"/>
+          <a:ext cx="0" cy="0"/>
+          <a:chOff x="0" y="0"/>
+          <a:chExt cx="0" cy="0"/>
+        </a:xfrm>
+      </p:grpSpPr>
+      <p:pic>
+        <p:nvPicPr>
+          <p:cNvPr id="14" name="Picture 13">
+            <a:extLst>
+              <a:ext uri="{FF2B5EF4-FFF2-40B4-BE49-F238E27FC236}">
+                <a16:creationId xmlns:a16="http://schemas.microsoft.com/office/drawing/2014/main" id="{91309924-5A42-45BA-BCF8-6A0647D20BA6}"/>
+              </a:ext>
+            </a:extLst>
+          </p:cNvPr>
+          <p:cNvPicPr>
+            <a:picLocks noChangeAspect="1"/>
+          </p:cNvPicPr>
+          <p:nvPr/>
+        </p:nvPicPr>
+        <p:blipFill>
+          <a:blip r:embed="rId2">
+            <a:extLst>
+              <a:ext uri="{28A0092B-C50C-407E-A947-70E740481C1C}">
+                <a14:useLocalDpi xmlns:a14="http://schemas.microsoft.com/office/drawing/2010/main" val="0"/>
+              </a:ext>
+            </a:extLst>
+          </a:blip>
+          <a:stretch>
+            <a:fillRect/>
+          </a:stretch>
+        </p:blipFill>
+        <p:spPr>
+          <a:xfrm>
+            <a:off x="-1" y="2763998"/>
+            <a:ext cx="7147503" cy="2871981"/>
+          </a:xfrm>
+          <a:prstGeom prst="rect">
+            <a:avLst/>
+          </a:prstGeom>
+        </p:spPr>
+      </p:pic>
+      <p:sp>
+        <p:nvSpPr>
+          <p:cNvPr id="6" name="Rectangle 5">
+            <a:extLst>
+              <a:ext uri="{FF2B5EF4-FFF2-40B4-BE49-F238E27FC236}">
+                <a16:creationId xmlns:a16="http://schemas.microsoft.com/office/drawing/2014/main" id="{69A9C603-E6CE-49E5-87FD-B2E2CCCBDAC0}"/>
+              </a:ext>
+            </a:extLst>
+          </p:cNvPr>
+          <p:cNvSpPr/>
+          <p:nvPr/>
+        </p:nvSpPr>
+        <p:spPr>
+          <a:xfrm>
+            <a:off x="-1" y="6837830"/>
+            <a:ext cx="6858001" cy="400110"/>
+          </a:xfrm>
+          <a:prstGeom prst="rect">
+            <a:avLst/>
+          </a:prstGeom>
+          <a:noFill/>
+        </p:spPr>
+        <p:txBody>
+          <a:bodyPr wrap="square" lIns="91440" tIns="45720" rIns="91440" bIns="45720">
+            <a:spAutoFit/>
+          </a:bodyPr>
+          <a:lstStyle/>
+          <a:p>
+            <a:pPr algn="ctr"/>
+            <a:r>
+              <a:rPr lang="ar-EG" sz="2000" b="0" cap="none" spc="0" dirty="0">
+                <a:ln w="0"/>
+                <a:solidFill>
+                  <a:schemeClr val="tx1"/>
+                </a:solidFill>
+                <a:effectLst>
+                  <a:outerShdw blurRad="38100" dist="19050" dir="2700000" algn="tl" rotWithShape="0">
+                    <a:schemeClr val="dk1">
+                      <a:alpha val="40000"/>
+                    </a:schemeClr>
+                  </a:outerShdw>
+                </a:effectLst>
+              </a:rPr>
+              <a:t>مشروع التخرج منشئ ل</a:t>
+            </a:r>
+            <a:r>
+              <a:rPr lang="ar-EG" sz="2000" dirty="0">
+                <a:ln w="0"/>
+                <a:effectLst>
+                  <a:outerShdw blurRad="38100" dist="19050" dir="2700000" algn="tl" rotWithShape="0">
+                    <a:schemeClr val="dk1">
+                      <a:alpha val="40000"/>
+                    </a:schemeClr>
+                  </a:outerShdw>
+                </a:effectLst>
+              </a:rPr>
+              <a:t>قسم نظم المعلومات</a:t>
+            </a:r>
+            <a:endParaRPr lang="en-US" sz="2000" b="0" cap="none" spc="0" dirty="0">
+              <a:ln w="0"/>
+              <a:solidFill>
+                <a:schemeClr val="tx1"/>
+              </a:solidFill>
+              <a:effectLst>
+                <a:outerShdw blurRad="38100" dist="19050" dir="2700000" algn="tl" rotWithShape="0">
+                  <a:schemeClr val="dk1">
+                    <a:alpha val="40000"/>
+                  </a:schemeClr>
+                </a:outerShdw>
+              </a:effectLst>
+            </a:endParaRPr>
+          </a:p>
+        </p:txBody>
+      </p:sp>
+      <p:sp>
+        <p:nvSpPr>
+          <p:cNvPr id="9" name="Rectangle 8">
+            <a:extLst>
+              <a:ext uri="{FF2B5EF4-FFF2-40B4-BE49-F238E27FC236}">
+                <a16:creationId xmlns:a16="http://schemas.microsoft.com/office/drawing/2014/main" id="{96649079-2919-42D1-BE35-C91A1B8F8194}"/>
+              </a:ext>
+            </a:extLst>
+          </p:cNvPr>
+          <p:cNvSpPr/>
+          <p:nvPr/>
+        </p:nvSpPr>
+        <p:spPr>
+          <a:xfrm>
+            <a:off x="172944" y="5175837"/>
+            <a:ext cx="6512112" cy="1200329"/>
+          </a:xfrm>
+          <a:prstGeom prst="rect">
+            <a:avLst/>
+          </a:prstGeom>
+          <a:noFill/>
+        </p:spPr>
+        <p:txBody>
+          <a:bodyPr wrap="square" lIns="91440" tIns="45720" rIns="91440" bIns="45720">
+            <a:spAutoFit/>
+          </a:bodyPr>
+          <a:lstStyle/>
+          <a:p>
+            <a:pPr algn="ctr"/>
+            <a:r>
+              <a:rPr lang="ar-EG" sz="2800" b="1" dirty="0"/>
+              <a:t>النظام </a:t>
+            </a:r>
+            <a:r>
+              <a:rPr lang="ar-EG" sz="2800" b="1" dirty="0" err="1"/>
+              <a:t>التافعلى</a:t>
+            </a:r>
+            <a:r>
+              <a:rPr lang="ar-EG" sz="2800" b="1" dirty="0"/>
+              <a:t> </a:t>
+            </a:r>
+            <a:r>
+              <a:rPr lang="ar-EG" sz="2800" b="1" dirty="0" err="1"/>
+              <a:t>التعليمى</a:t>
+            </a:r>
+            <a:r>
+              <a:rPr lang="ar-EG" sz="2800" b="1" dirty="0"/>
+              <a:t> لخدمات الطلاب باستخدام هياكل الخدمات الدقيقة</a:t>
+            </a:r>
+            <a:r>
+              <a:rPr lang="en-US" sz="4400" b="0" cap="none" spc="0" dirty="0">
+                <a:ln w="0"/>
+                <a:solidFill>
+                  <a:schemeClr val="tx1"/>
+                </a:solidFill>
+                <a:effectLst>
+                  <a:outerShdw blurRad="38100" dist="19050" dir="2700000" algn="tl" rotWithShape="0">
+                    <a:schemeClr val="dk1">
+                      <a:alpha val="40000"/>
+                    </a:schemeClr>
+                  </a:outerShdw>
+                </a:effectLst>
+              </a:rPr>
+              <a:t> </a:t>
+            </a:r>
+          </a:p>
+        </p:txBody>
+      </p:sp>
+      <p:pic>
+        <p:nvPicPr>
+          <p:cNvPr id="8" name="Picture 7">
+            <a:extLst>
+              <a:ext uri="{FF2B5EF4-FFF2-40B4-BE49-F238E27FC236}">
+                <a16:creationId xmlns:a16="http://schemas.microsoft.com/office/drawing/2014/main" id="{1A423CD4-BE45-46E8-8A0C-FF92638B0CED}"/>
+              </a:ext>
+            </a:extLst>
+          </p:cNvPr>
+          <p:cNvPicPr>
+            <a:picLocks noChangeAspect="1"/>
+          </p:cNvPicPr>
+          <p:nvPr/>
+        </p:nvPicPr>
+        <p:blipFill>
+          <a:blip r:embed="rId3">
+            <a:extLst>
+              <a:ext uri="{BEBA8EAE-BF5A-486C-A8C5-ECC9F3942E4B}">
+                <a14:imgProps xmlns:a14="http://schemas.microsoft.com/office/drawing/2010/main">
+                  <a14:imgLayer r:embed="rId4">
+                    <a14:imgEffect>
+                      <a14:backgroundRemoval t="4036" b="93274" l="5310" r="95575">
+                        <a14:foregroundMark x1="34513" y1="20628" x2="34513" y2="20628"/>
+                        <a14:foregroundMark x1="34513" y1="21525" x2="34513" y2="21525"/>
+                        <a14:foregroundMark x1="34513" y1="21525" x2="34513" y2="21525"/>
+                        <a14:foregroundMark x1="23009" y1="31390" x2="33628" y2="26009"/>
+                        <a14:foregroundMark x1="46903" y1="10762" x2="21681" y2="35874"/>
+                        <a14:foregroundMark x1="67257" y1="9865" x2="38053" y2="10314"/>
+                        <a14:foregroundMark x1="38053" y1="10314" x2="16814" y2="21076"/>
+                        <a14:foregroundMark x1="16814" y1="21076" x2="14602" y2="37668"/>
+                        <a14:foregroundMark x1="14159" y1="30942" x2="9292" y2="59641"/>
+                        <a14:foregroundMark x1="9292" y1="59641" x2="14602" y2="68610"/>
+                        <a14:foregroundMark x1="15929" y1="53812" x2="16814" y2="79821"/>
+                        <a14:foregroundMark x1="16814" y1="79821" x2="44248" y2="86547"/>
+                        <a14:foregroundMark x1="69027" y1="88341" x2="83186" y2="66368"/>
+                        <a14:foregroundMark x1="83186" y1="66368" x2="86726" y2="39910"/>
+                        <a14:foregroundMark x1="73451" y1="85202" x2="28319" y2="85202"/>
+                        <a14:foregroundMark x1="30973" y1="88789" x2="58850" y2="93274"/>
+                        <a14:foregroundMark x1="87611" y1="29148" x2="90708" y2="52915"/>
+                        <a14:foregroundMark x1="90708" y1="52915" x2="87168" y2="75336"/>
+                        <a14:foregroundMark x1="87168" y1="75336" x2="68142" y2="89238"/>
+                        <a14:foregroundMark x1="68142" y1="89238" x2="44248" y2="93274"/>
+                        <a14:foregroundMark x1="92035" y1="64574" x2="92035" y2="37668"/>
+                        <a14:foregroundMark x1="28761" y1="77578" x2="13717" y2="59641"/>
+                        <a14:foregroundMark x1="13717" y1="59641" x2="13274" y2="58296"/>
+                        <a14:foregroundMark x1="6195" y1="60090" x2="5752" y2="47534"/>
+                        <a14:foregroundMark x1="48673" y1="4484" x2="48673" y2="4484"/>
+                        <a14:foregroundMark x1="88496" y1="61435" x2="84956" y2="61435"/>
+                        <a14:foregroundMark x1="94690" y1="44395" x2="95575" y2="51570"/>
+                        <a14:backgroundMark x1="14602" y1="9865" x2="14602" y2="9865"/>
+                        <a14:backgroundMark x1="14602" y1="9865" x2="14602" y2="9865"/>
+                        <a14:backgroundMark x1="14602" y1="9865" x2="14602" y2="9865"/>
+                        <a14:backgroundMark x1="14602" y1="9865" x2="9292" y2="14798"/>
+                        <a14:backgroundMark x1="11504" y1="9417" x2="11504" y2="9417"/>
+                        <a14:backgroundMark x1="11504" y1="9417" x2="8061" y2="19885"/>
+                      </a14:backgroundRemoval>
+                    </a14:imgEffect>
+                  </a14:imgLayer>
+                </a14:imgProps>
+              </a:ext>
+              <a:ext uri="{28A0092B-C50C-407E-A947-70E740481C1C}">
+                <a14:useLocalDpi xmlns:a14="http://schemas.microsoft.com/office/drawing/2010/main" val="0"/>
+              </a:ext>
+            </a:extLst>
+          </a:blip>
+          <a:stretch>
+            <a:fillRect/>
+          </a:stretch>
+        </p:blipFill>
+        <p:spPr>
+          <a:xfrm>
+            <a:off x="5619965" y="132239"/>
+            <a:ext cx="1065091" cy="1050952"/>
+          </a:xfrm>
+          <a:prstGeom prst="rect">
+            <a:avLst/>
+          </a:prstGeom>
+        </p:spPr>
+      </p:pic>
+      <p:sp>
+        <p:nvSpPr>
+          <p:cNvPr id="10" name="Rectangle 9">
+            <a:extLst>
+              <a:ext uri="{FF2B5EF4-FFF2-40B4-BE49-F238E27FC236}">
+                <a16:creationId xmlns:a16="http://schemas.microsoft.com/office/drawing/2014/main" id="{A4C6B1EA-ABF4-4E23-BED8-F7B08ABB38A5}"/>
+              </a:ext>
+            </a:extLst>
+          </p:cNvPr>
+          <p:cNvSpPr/>
+          <p:nvPr/>
+        </p:nvSpPr>
+        <p:spPr>
+          <a:xfrm>
+            <a:off x="1172527" y="8757226"/>
+            <a:ext cx="1446422" cy="400110"/>
+          </a:xfrm>
+          <a:prstGeom prst="rect">
+            <a:avLst/>
+          </a:prstGeom>
+          <a:noFill/>
+        </p:spPr>
+        <p:txBody>
+          <a:bodyPr wrap="none" lIns="91440" tIns="45720" rIns="91440" bIns="45720">
+            <a:spAutoFit/>
+          </a:bodyPr>
+          <a:lstStyle/>
+          <a:p>
+            <a:pPr algn="ctr"/>
+            <a:r>
+              <a:rPr lang="en-US" sz="2000" b="1" spc="50" dirty="0" err="1">
+                <a:ln w="9525" cmpd="sng">
+                  <a:solidFill>
+                    <a:schemeClr val="accent1"/>
+                  </a:solidFill>
+                  <a:prstDash val="solid"/>
+                </a:ln>
+                <a:solidFill>
+                  <a:srgbClr val="70AD47">
+                    <a:tint val="1000"/>
+                  </a:srgbClr>
+                </a:solidFill>
+                <a:effectLst>
+                  <a:glow rad="38100">
+                    <a:schemeClr val="accent1">
+                      <a:alpha val="40000"/>
+                    </a:schemeClr>
+                  </a:glow>
+                </a:effectLst>
+              </a:rPr>
+              <a:t>Tavss</a:t>
+            </a:r>
+            <a:r>
+              <a:rPr lang="en-US" sz="2000" b="1" spc="50" dirty="0">
+                <a:ln w="9525" cmpd="sng">
+                  <a:solidFill>
+                    <a:schemeClr val="accent1"/>
+                  </a:solidFill>
+                  <a:prstDash val="solid"/>
+                </a:ln>
+                <a:solidFill>
+                  <a:srgbClr val="70AD47">
+                    <a:tint val="1000"/>
+                  </a:srgbClr>
+                </a:solidFill>
+                <a:effectLst>
+                  <a:glow rad="38100">
+                    <a:schemeClr val="accent1">
+                      <a:alpha val="40000"/>
+                    </a:schemeClr>
+                  </a:glow>
+                </a:effectLst>
+              </a:rPr>
+              <a:t> </a:t>
+            </a:r>
+            <a:r>
+              <a:rPr lang="ar-EG" sz="2000" b="1" spc="50" dirty="0">
+                <a:ln w="9525" cmpd="sng">
+                  <a:solidFill>
+                    <a:schemeClr val="accent1"/>
+                  </a:solidFill>
+                  <a:prstDash val="solid"/>
+                </a:ln>
+                <a:solidFill>
+                  <a:srgbClr val="70AD47">
+                    <a:tint val="1000"/>
+                  </a:srgbClr>
+                </a:solidFill>
+                <a:effectLst>
+                  <a:glow rad="38100">
+                    <a:schemeClr val="accent1">
+                      <a:alpha val="40000"/>
+                    </a:schemeClr>
+                  </a:glow>
+                </a:effectLst>
+              </a:rPr>
+              <a:t>فريق: </a:t>
+            </a:r>
+            <a:endParaRPr lang="en-US" sz="2000" b="1" cap="none" spc="50" dirty="0">
+              <a:ln w="9525" cmpd="sng">
+                <a:solidFill>
+                  <a:schemeClr val="accent1"/>
+                </a:solidFill>
+                <a:prstDash val="solid"/>
+              </a:ln>
+              <a:solidFill>
+                <a:srgbClr val="70AD47">
+                  <a:tint val="1000"/>
+                </a:srgbClr>
+              </a:solidFill>
+              <a:effectLst>
+                <a:glow rad="38100">
+                  <a:schemeClr val="accent1">
+                    <a:alpha val="40000"/>
+                  </a:schemeClr>
+                </a:glow>
+              </a:effectLst>
+            </a:endParaRPr>
+          </a:p>
+        </p:txBody>
+      </p:sp>
+      <p:sp>
+        <p:nvSpPr>
+          <p:cNvPr id="15" name="Rectangle 14">
+            <a:extLst>
+              <a:ext uri="{FF2B5EF4-FFF2-40B4-BE49-F238E27FC236}">
+                <a16:creationId xmlns:a16="http://schemas.microsoft.com/office/drawing/2014/main" id="{72C76AE4-A2D7-407A-8EFE-187C405A4B82}"/>
+              </a:ext>
+            </a:extLst>
+          </p:cNvPr>
+          <p:cNvSpPr/>
+          <p:nvPr/>
+        </p:nvSpPr>
+        <p:spPr>
+          <a:xfrm>
+            <a:off x="273039" y="8452920"/>
+            <a:ext cx="2387192" cy="400110"/>
+          </a:xfrm>
+          <a:prstGeom prst="rect">
+            <a:avLst/>
+          </a:prstGeom>
+          <a:noFill/>
+        </p:spPr>
+        <p:txBody>
+          <a:bodyPr wrap="none" lIns="91440" tIns="45720" rIns="91440" bIns="45720">
+            <a:spAutoFit/>
+          </a:bodyPr>
+          <a:lstStyle/>
+          <a:p>
+            <a:pPr algn="ctr"/>
+            <a:r>
+              <a:rPr lang="ar-EG" sz="2000" b="1" spc="50" dirty="0">
+                <a:ln w="9525" cmpd="sng">
+                  <a:solidFill>
+                    <a:schemeClr val="accent1"/>
+                  </a:solidFill>
+                  <a:prstDash val="solid"/>
+                </a:ln>
+                <a:solidFill>
+                  <a:srgbClr val="70AD47">
+                    <a:tint val="1000"/>
+                  </a:srgbClr>
+                </a:solidFill>
+                <a:effectLst>
+                  <a:glow rad="38100">
+                    <a:schemeClr val="accent1">
+                      <a:alpha val="40000"/>
+                    </a:schemeClr>
+                  </a:glow>
+                </a:effectLst>
+              </a:rPr>
+              <a:t>دكتور: سمير عبد الرازق</a:t>
+            </a:r>
+            <a:endParaRPr lang="en-US" sz="2000" b="1" cap="none" spc="50" dirty="0">
+              <a:ln w="9525" cmpd="sng">
+                <a:solidFill>
+                  <a:schemeClr val="accent1"/>
+                </a:solidFill>
+                <a:prstDash val="solid"/>
+              </a:ln>
+              <a:solidFill>
+                <a:srgbClr val="70AD47">
+                  <a:tint val="1000"/>
+                </a:srgbClr>
+              </a:solidFill>
+              <a:effectLst>
+                <a:glow rad="38100">
+                  <a:schemeClr val="accent1">
+                    <a:alpha val="40000"/>
+                  </a:schemeClr>
+                </a:glow>
+              </a:effectLst>
+            </a:endParaRPr>
+          </a:p>
+        </p:txBody>
+      </p:sp>
+      <p:sp>
+        <p:nvSpPr>
+          <p:cNvPr id="7" name="Isosceles Triangle 6">
+            <a:extLst>
+              <a:ext uri="{FF2B5EF4-FFF2-40B4-BE49-F238E27FC236}">
+                <a16:creationId xmlns:a16="http://schemas.microsoft.com/office/drawing/2014/main" id="{B15346EF-3420-4175-9C28-DFACB6F5901F}"/>
+              </a:ext>
+            </a:extLst>
+          </p:cNvPr>
+          <p:cNvSpPr/>
+          <p:nvPr/>
+        </p:nvSpPr>
+        <p:spPr>
+          <a:xfrm rot="10800000">
+            <a:off x="-2309885" y="-14426"/>
+            <a:ext cx="4619767" cy="4744589"/>
+          </a:xfrm>
+          <a:prstGeom prst="triangle">
+            <a:avLst>
+              <a:gd name="adj" fmla="val 50000"/>
+            </a:avLst>
+          </a:prstGeom>
+          <a:solidFill>
+            <a:schemeClr val="bg2">
+              <a:lumMod val="50000"/>
+            </a:schemeClr>
+          </a:solidFill>
+          <a:ln>
+            <a:solidFill>
+              <a:schemeClr val="bg1"/>
+            </a:solidFill>
+          </a:ln>
+        </p:spPr>
+        <p:style>
+          <a:lnRef idx="2">
+            <a:schemeClr val="accent1">
+              <a:shade val="50000"/>
+            </a:schemeClr>
+          </a:lnRef>
+          <a:fillRef idx="1">
+            <a:schemeClr val="accent1"/>
+          </a:fillRef>
+          <a:effectRef idx="0">
+            <a:schemeClr val="accent1"/>
+          </a:effectRef>
+          <a:fontRef idx="minor">
+            <a:schemeClr val="lt1"/>
+          </a:fontRef>
+        </p:style>
+        <p:txBody>
+          <a:bodyPr rtlCol="0" anchor="ctr"/>
+          <a:lstStyle/>
+          <a:p>
+            <a:pPr algn="ctr"/>
+            <a:endParaRPr lang="en-US" dirty="0"/>
+          </a:p>
+        </p:txBody>
+      </p:sp>
+      <p:pic>
+        <p:nvPicPr>
+          <p:cNvPr id="18" name="Picture 4">
+            <a:extLst>
+              <a:ext uri="{FF2B5EF4-FFF2-40B4-BE49-F238E27FC236}">
+                <a16:creationId xmlns:a16="http://schemas.microsoft.com/office/drawing/2014/main" id="{1665245D-2668-465B-A0A4-B171D7248462}"/>
+              </a:ext>
+            </a:extLst>
+          </p:cNvPr>
+          <p:cNvPicPr>
+            <a:picLocks noChangeAspect="1" noChangeArrowheads="1"/>
+          </p:cNvPicPr>
+          <p:nvPr/>
+        </p:nvPicPr>
+        <p:blipFill rotWithShape="1">
+          <a:blip r:embed="rId5">
+            <a:extLst>
+              <a:ext uri="{28A0092B-C50C-407E-A947-70E740481C1C}">
+                <a14:useLocalDpi xmlns:a14="http://schemas.microsoft.com/office/drawing/2010/main" val="0"/>
+              </a:ext>
+            </a:extLst>
+          </a:blip>
+          <a:srcRect b="18222"/>
+          <a:stretch/>
+        </p:blipFill>
+        <p:spPr bwMode="auto">
+          <a:xfrm>
+            <a:off x="-196504" y="132239"/>
+            <a:ext cx="2280862" cy="1183491"/>
+          </a:xfrm>
+          <a:prstGeom prst="rect">
+            <a:avLst/>
+          </a:prstGeom>
+          <a:noFill/>
+          <a:effectLst>
+            <a:glow rad="228600">
+              <a:schemeClr val="accent5">
+                <a:satMod val="175000"/>
+                <a:alpha val="40000"/>
+              </a:schemeClr>
+            </a:glow>
+          </a:effectLst>
+          <a:extLst>
+            <a:ext uri="{909E8E84-426E-40DD-AFC4-6F175D3DCCD1}">
+              <a14:hiddenFill xmlns:a14="http://schemas.microsoft.com/office/drawing/2010/main">
+                <a:solidFill>
+                  <a:srgbClr val="FFFFFF"/>
+                </a:solidFill>
+              </a14:hiddenFill>
+            </a:ext>
+          </a:extLst>
+        </p:spPr>
+      </p:pic>
+    </p:spTree>
+    <p:extLst>
+      <p:ext uri="{BB962C8B-B14F-4D97-AF65-F5344CB8AC3E}">
+        <p14:creationId xmlns:p14="http://schemas.microsoft.com/office/powerpoint/2010/main" val="2340658756"/>
       </p:ext>
     </p:extLst>
   </p:cSld>

--- a/Versions/Cover.pptx
+++ b/Versions/Cover.pptx
@@ -244,7 +244,7 @@
           <a:p>
             <a:fld id="{7258B7A7-5AE5-4EE3-808F-A566F96DB4B7}" type="datetimeFigureOut">
               <a:rPr lang="en-US" smtClean="0"/>
-              <a:t>6/17/2020</a:t>
+              <a:t>6/18/2020</a:t>
             </a:fld>
             <a:endParaRPr lang="en-US"/>
           </a:p>
@@ -414,7 +414,7 @@
           <a:p>
             <a:fld id="{7258B7A7-5AE5-4EE3-808F-A566F96DB4B7}" type="datetimeFigureOut">
               <a:rPr lang="en-US" smtClean="0"/>
-              <a:t>6/17/2020</a:t>
+              <a:t>6/18/2020</a:t>
             </a:fld>
             <a:endParaRPr lang="en-US"/>
           </a:p>
@@ -594,7 +594,7 @@
           <a:p>
             <a:fld id="{7258B7A7-5AE5-4EE3-808F-A566F96DB4B7}" type="datetimeFigureOut">
               <a:rPr lang="en-US" smtClean="0"/>
-              <a:t>6/17/2020</a:t>
+              <a:t>6/18/2020</a:t>
             </a:fld>
             <a:endParaRPr lang="en-US"/>
           </a:p>
@@ -764,7 +764,7 @@
           <a:p>
             <a:fld id="{7258B7A7-5AE5-4EE3-808F-A566F96DB4B7}" type="datetimeFigureOut">
               <a:rPr lang="en-US" smtClean="0"/>
-              <a:t>6/17/2020</a:t>
+              <a:t>6/18/2020</a:t>
             </a:fld>
             <a:endParaRPr lang="en-US"/>
           </a:p>
@@ -1008,7 +1008,7 @@
           <a:p>
             <a:fld id="{7258B7A7-5AE5-4EE3-808F-A566F96DB4B7}" type="datetimeFigureOut">
               <a:rPr lang="en-US" smtClean="0"/>
-              <a:t>6/17/2020</a:t>
+              <a:t>6/18/2020</a:t>
             </a:fld>
             <a:endParaRPr lang="en-US"/>
           </a:p>
@@ -1240,7 +1240,7 @@
           <a:p>
             <a:fld id="{7258B7A7-5AE5-4EE3-808F-A566F96DB4B7}" type="datetimeFigureOut">
               <a:rPr lang="en-US" smtClean="0"/>
-              <a:t>6/17/2020</a:t>
+              <a:t>6/18/2020</a:t>
             </a:fld>
             <a:endParaRPr lang="en-US"/>
           </a:p>
@@ -1607,7 +1607,7 @@
           <a:p>
             <a:fld id="{7258B7A7-5AE5-4EE3-808F-A566F96DB4B7}" type="datetimeFigureOut">
               <a:rPr lang="en-US" smtClean="0"/>
-              <a:t>6/17/2020</a:t>
+              <a:t>6/18/2020</a:t>
             </a:fld>
             <a:endParaRPr lang="en-US"/>
           </a:p>
@@ -1725,7 +1725,7 @@
           <a:p>
             <a:fld id="{7258B7A7-5AE5-4EE3-808F-A566F96DB4B7}" type="datetimeFigureOut">
               <a:rPr lang="en-US" smtClean="0"/>
-              <a:t>6/17/2020</a:t>
+              <a:t>6/18/2020</a:t>
             </a:fld>
             <a:endParaRPr lang="en-US"/>
           </a:p>
@@ -1820,7 +1820,7 @@
           <a:p>
             <a:fld id="{7258B7A7-5AE5-4EE3-808F-A566F96DB4B7}" type="datetimeFigureOut">
               <a:rPr lang="en-US" smtClean="0"/>
-              <a:t>6/17/2020</a:t>
+              <a:t>6/18/2020</a:t>
             </a:fld>
             <a:endParaRPr lang="en-US"/>
           </a:p>
@@ -2097,7 +2097,7 @@
           <a:p>
             <a:fld id="{7258B7A7-5AE5-4EE3-808F-A566F96DB4B7}" type="datetimeFigureOut">
               <a:rPr lang="en-US" smtClean="0"/>
-              <a:t>6/17/2020</a:t>
+              <a:t>6/18/2020</a:t>
             </a:fld>
             <a:endParaRPr lang="en-US"/>
           </a:p>
@@ -2354,7 +2354,7 @@
           <a:p>
             <a:fld id="{7258B7A7-5AE5-4EE3-808F-A566F96DB4B7}" type="datetimeFigureOut">
               <a:rPr lang="en-US" smtClean="0"/>
-              <a:t>6/17/2020</a:t>
+              <a:t>6/18/2020</a:t>
             </a:fld>
             <a:endParaRPr lang="en-US"/>
           </a:p>
@@ -2567,7 +2567,7 @@
           <a:p>
             <a:fld id="{7258B7A7-5AE5-4EE3-808F-A566F96DB4B7}" type="datetimeFigureOut">
               <a:rPr lang="en-US" smtClean="0"/>
-              <a:t>6/17/2020</a:t>
+              <a:t>6/18/2020</a:t>
             </a:fld>
             <a:endParaRPr lang="en-US"/>
           </a:p>
@@ -3690,23 +3690,7 @@
             <a:pPr algn="ctr"/>
             <a:r>
               <a:rPr lang="ar-EG" sz="2800" b="1" dirty="0"/>
-              <a:t>النظام </a:t>
-            </a:r>
-            <a:r>
-              <a:rPr lang="ar-EG" sz="2800" b="1" dirty="0" err="1"/>
-              <a:t>التافعلى</a:t>
-            </a:r>
-            <a:r>
-              <a:rPr lang="ar-EG" sz="2800" b="1" dirty="0"/>
-              <a:t> </a:t>
-            </a:r>
-            <a:r>
-              <a:rPr lang="ar-EG" sz="2800" b="1" dirty="0" err="1"/>
-              <a:t>التعليمى</a:t>
-            </a:r>
-            <a:r>
-              <a:rPr lang="ar-EG" sz="2800" b="1" dirty="0"/>
-              <a:t> لخدمات الطلاب باستخدام هياكل الخدمات الدقيقة</a:t>
+              <a:t>النظام التفاعلي التعليمي لخدمات الطلاب باستخدام هياكل الخدمات الدقيقة</a:t>
             </a:r>
             <a:r>
               <a:rPr lang="en-US" sz="4400" b="0" cap="none" spc="0" dirty="0">

--- a/Versions/Cover.pptx
+++ b/Versions/Cover.pptx
@@ -7,6 +7,15 @@
   <p:sldIdLst>
     <p:sldId id="256" r:id="rId2"/>
     <p:sldId id="257" r:id="rId3"/>
+    <p:sldId id="259" r:id="rId4"/>
+    <p:sldId id="262" r:id="rId5"/>
+    <p:sldId id="263" r:id="rId6"/>
+    <p:sldId id="264" r:id="rId7"/>
+    <p:sldId id="266" r:id="rId8"/>
+    <p:sldId id="265" r:id="rId9"/>
+    <p:sldId id="260" r:id="rId10"/>
+    <p:sldId id="261" r:id="rId11"/>
+    <p:sldId id="258" r:id="rId12"/>
   </p:sldIdLst>
   <p:sldSz cx="6858000" cy="9906000" type="A4"/>
   <p:notesSz cx="6858000" cy="9144000"/>
@@ -244,7 +253,7 @@
           <a:p>
             <a:fld id="{7258B7A7-5AE5-4EE3-808F-A566F96DB4B7}" type="datetimeFigureOut">
               <a:rPr lang="en-US" smtClean="0"/>
-              <a:t>6/18/2020</a:t>
+              <a:t>6/25/2020</a:t>
             </a:fld>
             <a:endParaRPr lang="en-US"/>
           </a:p>
@@ -414,7 +423,7 @@
           <a:p>
             <a:fld id="{7258B7A7-5AE5-4EE3-808F-A566F96DB4B7}" type="datetimeFigureOut">
               <a:rPr lang="en-US" smtClean="0"/>
-              <a:t>6/18/2020</a:t>
+              <a:t>6/25/2020</a:t>
             </a:fld>
             <a:endParaRPr lang="en-US"/>
           </a:p>
@@ -594,7 +603,7 @@
           <a:p>
             <a:fld id="{7258B7A7-5AE5-4EE3-808F-A566F96DB4B7}" type="datetimeFigureOut">
               <a:rPr lang="en-US" smtClean="0"/>
-              <a:t>6/18/2020</a:t>
+              <a:t>6/25/2020</a:t>
             </a:fld>
             <a:endParaRPr lang="en-US"/>
           </a:p>
@@ -764,7 +773,7 @@
           <a:p>
             <a:fld id="{7258B7A7-5AE5-4EE3-808F-A566F96DB4B7}" type="datetimeFigureOut">
               <a:rPr lang="en-US" smtClean="0"/>
-              <a:t>6/18/2020</a:t>
+              <a:t>6/25/2020</a:t>
             </a:fld>
             <a:endParaRPr lang="en-US"/>
           </a:p>
@@ -1008,7 +1017,7 @@
           <a:p>
             <a:fld id="{7258B7A7-5AE5-4EE3-808F-A566F96DB4B7}" type="datetimeFigureOut">
               <a:rPr lang="en-US" smtClean="0"/>
-              <a:t>6/18/2020</a:t>
+              <a:t>6/25/2020</a:t>
             </a:fld>
             <a:endParaRPr lang="en-US"/>
           </a:p>
@@ -1240,7 +1249,7 @@
           <a:p>
             <a:fld id="{7258B7A7-5AE5-4EE3-808F-A566F96DB4B7}" type="datetimeFigureOut">
               <a:rPr lang="en-US" smtClean="0"/>
-              <a:t>6/18/2020</a:t>
+              <a:t>6/25/2020</a:t>
             </a:fld>
             <a:endParaRPr lang="en-US"/>
           </a:p>
@@ -1607,7 +1616,7 @@
           <a:p>
             <a:fld id="{7258B7A7-5AE5-4EE3-808F-A566F96DB4B7}" type="datetimeFigureOut">
               <a:rPr lang="en-US" smtClean="0"/>
-              <a:t>6/18/2020</a:t>
+              <a:t>6/25/2020</a:t>
             </a:fld>
             <a:endParaRPr lang="en-US"/>
           </a:p>
@@ -1725,7 +1734,7 @@
           <a:p>
             <a:fld id="{7258B7A7-5AE5-4EE3-808F-A566F96DB4B7}" type="datetimeFigureOut">
               <a:rPr lang="en-US" smtClean="0"/>
-              <a:t>6/18/2020</a:t>
+              <a:t>6/25/2020</a:t>
             </a:fld>
             <a:endParaRPr lang="en-US"/>
           </a:p>
@@ -1820,7 +1829,7 @@
           <a:p>
             <a:fld id="{7258B7A7-5AE5-4EE3-808F-A566F96DB4B7}" type="datetimeFigureOut">
               <a:rPr lang="en-US" smtClean="0"/>
-              <a:t>6/18/2020</a:t>
+              <a:t>6/25/2020</a:t>
             </a:fld>
             <a:endParaRPr lang="en-US"/>
           </a:p>
@@ -2097,7 +2106,7 @@
           <a:p>
             <a:fld id="{7258B7A7-5AE5-4EE3-808F-A566F96DB4B7}" type="datetimeFigureOut">
               <a:rPr lang="en-US" smtClean="0"/>
-              <a:t>6/18/2020</a:t>
+              <a:t>6/25/2020</a:t>
             </a:fld>
             <a:endParaRPr lang="en-US"/>
           </a:p>
@@ -2354,7 +2363,7 @@
           <a:p>
             <a:fld id="{7258B7A7-5AE5-4EE3-808F-A566F96DB4B7}" type="datetimeFigureOut">
               <a:rPr lang="en-US" smtClean="0"/>
-              <a:t>6/18/2020</a:t>
+              <a:t>6/25/2020</a:t>
             </a:fld>
             <a:endParaRPr lang="en-US"/>
           </a:p>
@@ -2567,7 +2576,7 @@
           <a:p>
             <a:fld id="{7258B7A7-5AE5-4EE3-808F-A566F96DB4B7}" type="datetimeFigureOut">
               <a:rPr lang="en-US" smtClean="0"/>
-              <a:t>6/18/2020</a:t>
+              <a:t>6/25/2020</a:t>
             </a:fld>
             <a:endParaRPr lang="en-US"/>
           </a:p>
@@ -3532,9 +3541,18 @@
 </p:sld>
 </file>
 
-<file path=ppt/slides/slide2.xml><?xml version="1.0" encoding="utf-8"?>
+<file path=ppt/slides/slide10.xml><?xml version="1.0" encoding="utf-8"?>
 <p:sld xmlns:a="http://schemas.openxmlformats.org/drawingml/2006/main" xmlns:r="http://schemas.openxmlformats.org/officeDocument/2006/relationships" xmlns:p="http://schemas.openxmlformats.org/presentationml/2006/main">
   <p:cSld>
+    <p:bg>
+      <p:bgPr>
+        <a:blipFill>
+          <a:blip r:embed="rId2"/>
+          <a:tile tx="0" ty="0" sx="100000" sy="100000" flip="none" algn="tl"/>
+        </a:blipFill>
+        <a:effectLst/>
+      </p:bgPr>
+    </p:bg>
     <p:spTree>
       <p:nvGrpSpPr>
         <p:cNvPr id="1" name=""/>
@@ -3549,48 +3567,12 @@
           <a:chExt cx="0" cy="0"/>
         </a:xfrm>
       </p:grpSpPr>
-      <p:pic>
-        <p:nvPicPr>
-          <p:cNvPr id="14" name="Picture 13">
+      <p:sp>
+        <p:nvSpPr>
+          <p:cNvPr id="9" name="Rectangle 8">
             <a:extLst>
               <a:ext uri="{FF2B5EF4-FFF2-40B4-BE49-F238E27FC236}">
-                <a16:creationId xmlns:a16="http://schemas.microsoft.com/office/drawing/2014/main" id="{91309924-5A42-45BA-BCF8-6A0647D20BA6}"/>
-              </a:ext>
-            </a:extLst>
-          </p:cNvPr>
-          <p:cNvPicPr>
-            <a:picLocks noChangeAspect="1"/>
-          </p:cNvPicPr>
-          <p:nvPr/>
-        </p:nvPicPr>
-        <p:blipFill>
-          <a:blip r:embed="rId2">
-            <a:extLst>
-              <a:ext uri="{28A0092B-C50C-407E-A947-70E740481C1C}">
-                <a14:useLocalDpi xmlns:a14="http://schemas.microsoft.com/office/drawing/2010/main" val="0"/>
-              </a:ext>
-            </a:extLst>
-          </a:blip>
-          <a:stretch>
-            <a:fillRect/>
-          </a:stretch>
-        </p:blipFill>
-        <p:spPr>
-          <a:xfrm>
-            <a:off x="-1" y="2763998"/>
-            <a:ext cx="7147503" cy="2871981"/>
-          </a:xfrm>
-          <a:prstGeom prst="rect">
-            <a:avLst/>
-          </a:prstGeom>
-        </p:spPr>
-      </p:pic>
-      <p:sp>
-        <p:nvSpPr>
-          <p:cNvPr id="6" name="Rectangle 5">
-            <a:extLst>
-              <a:ext uri="{FF2B5EF4-FFF2-40B4-BE49-F238E27FC236}">
-                <a16:creationId xmlns:a16="http://schemas.microsoft.com/office/drawing/2014/main" id="{69A9C603-E6CE-49E5-87FD-B2E2CCCBDAC0}"/>
+                <a16:creationId xmlns:a16="http://schemas.microsoft.com/office/drawing/2014/main" id="{96649079-2919-42D1-BE35-C91A1B8F8194}"/>
               </a:ext>
             </a:extLst>
           </p:cNvPr>
@@ -3599,8 +3581,8 @@
         </p:nvSpPr>
         <p:spPr>
           <a:xfrm>
-            <a:off x="-1" y="6837830"/>
-            <a:ext cx="6858001" cy="400110"/>
+            <a:off x="232753" y="2460010"/>
+            <a:ext cx="6512112" cy="2585323"/>
           </a:xfrm>
           <a:prstGeom prst="rect">
             <a:avLst/>
@@ -3613,25 +3595,8 @@
           </a:bodyPr>
           <a:lstStyle/>
           <a:p>
-            <a:pPr algn="ctr"/>
-            <a:r>
-              <a:rPr lang="ar-EG" sz="2000" b="0" cap="none" spc="0" dirty="0">
-                <a:ln w="0"/>
-                <a:solidFill>
-                  <a:schemeClr val="tx1"/>
-                </a:solidFill>
-                <a:effectLst>
-                  <a:outerShdw blurRad="38100" dist="19050" dir="2700000" algn="tl" rotWithShape="0">
-                    <a:schemeClr val="dk1">
-                      <a:alpha val="40000"/>
-                    </a:schemeClr>
-                  </a:outerShdw>
-                </a:effectLst>
-              </a:rPr>
-              <a:t>مشروع التخرج منشئ ل</a:t>
-            </a:r>
-            <a:r>
-              <a:rPr lang="ar-EG" sz="2000" dirty="0">
+            <a:r>
+              <a:rPr lang="en-US" sz="4000" b="1" dirty="0">
                 <a:ln w="0"/>
                 <a:effectLst>
                   <a:outerShdw blurRad="38100" dist="19050" dir="2700000" algn="tl" rotWithShape="0">
@@ -3641,59 +3606,69 @@
                   </a:outerShdw>
                 </a:effectLst>
               </a:rPr>
-              <a:t>قسم نظم المعلومات</a:t>
-            </a:r>
-            <a:endParaRPr lang="en-US" sz="2000" b="0" cap="none" spc="0" dirty="0">
-              <a:ln w="0"/>
-              <a:solidFill>
-                <a:schemeClr val="tx1"/>
-              </a:solidFill>
-              <a:effectLst>
-                <a:outerShdw blurRad="38100" dist="19050" dir="2700000" algn="tl" rotWithShape="0">
-                  <a:schemeClr val="dk1">
-                    <a:alpha val="40000"/>
-                  </a:schemeClr>
-                </a:outerShdw>
-              </a:effectLst>
-            </a:endParaRPr>
-          </a:p>
-        </p:txBody>
-      </p:sp>
-      <p:sp>
-        <p:nvSpPr>
-          <p:cNvPr id="9" name="Rectangle 8">
-            <a:extLst>
-              <a:ext uri="{FF2B5EF4-FFF2-40B4-BE49-F238E27FC236}">
-                <a16:creationId xmlns:a16="http://schemas.microsoft.com/office/drawing/2014/main" id="{96649079-2919-42D1-BE35-C91A1B8F8194}"/>
-              </a:ext>
-            </a:extLst>
-          </p:cNvPr>
-          <p:cNvSpPr/>
-          <p:nvPr/>
-        </p:nvSpPr>
-        <p:spPr>
-          <a:xfrm>
-            <a:off x="172944" y="5175837"/>
-            <a:ext cx="6512112" cy="1200329"/>
-          </a:xfrm>
-          <a:prstGeom prst="rect">
-            <a:avLst/>
-          </a:prstGeom>
-          <a:noFill/>
-        </p:spPr>
-        <p:txBody>
-          <a:bodyPr wrap="square" lIns="91440" tIns="45720" rIns="91440" bIns="45720">
-            <a:spAutoFit/>
-          </a:bodyPr>
-          <a:lstStyle/>
+              <a:t>Interactive</a:t>
+            </a:r>
+          </a:p>
+          <a:p>
+            <a:r>
+              <a:rPr lang="en-US" sz="5400" b="1" dirty="0">
+                <a:ln w="0"/>
+                <a:effectLst>
+                  <a:outerShdw blurRad="38100" dist="19050" dir="2700000" algn="tl" rotWithShape="0">
+                    <a:schemeClr val="dk1">
+                      <a:alpha val="40000"/>
+                    </a:schemeClr>
+                  </a:outerShdw>
+                </a:effectLst>
+              </a:rPr>
+              <a:t>Microservices</a:t>
+            </a:r>
+            <a:r>
+              <a:rPr lang="en-US" sz="3200" b="1" dirty="0">
+                <a:ln w="0"/>
+                <a:effectLst>
+                  <a:outerShdw blurRad="38100" dist="19050" dir="2700000" algn="tl" rotWithShape="0">
+                    <a:schemeClr val="dk1">
+                      <a:alpha val="40000"/>
+                    </a:schemeClr>
+                  </a:outerShdw>
+                </a:effectLst>
+              </a:rPr>
+              <a:t> </a:t>
+            </a:r>
+          </a:p>
+          <a:p>
+            <a:r>
+              <a:rPr lang="en-US" sz="3200" b="1" dirty="0">
+                <a:ln w="0"/>
+                <a:effectLst>
+                  <a:outerShdw blurRad="38100" dist="19050" dir="2700000" algn="tl" rotWithShape="0">
+                    <a:schemeClr val="dk1">
+                      <a:alpha val="40000"/>
+                    </a:schemeClr>
+                  </a:outerShdw>
+                </a:effectLst>
+              </a:rPr>
+              <a:t>System for </a:t>
+            </a:r>
+            <a:r>
+              <a:rPr lang="en-US" sz="3600" b="1" dirty="0">
+                <a:ln w="0"/>
+                <a:effectLst>
+                  <a:outerShdw blurRad="38100" dist="19050" dir="2700000" algn="tl" rotWithShape="0">
+                    <a:schemeClr val="dk1">
+                      <a:alpha val="40000"/>
+                    </a:schemeClr>
+                  </a:outerShdw>
+                </a:effectLst>
+              </a:rPr>
+              <a:t>student services</a:t>
+            </a:r>
+          </a:p>
           <a:p>
             <a:pPr algn="ctr"/>
             <a:r>
-              <a:rPr lang="ar-EG" sz="2800" b="1" dirty="0"/>
-              <a:t>النظام التفاعلي التعليمي لخدمات الطلاب باستخدام هياكل الخدمات الدقيقة</a:t>
-            </a:r>
-            <a:r>
-              <a:rPr lang="en-US" sz="4400" b="0" cap="none" spc="0" dirty="0">
+              <a:rPr lang="en-US" sz="3200" b="0" cap="none" spc="0" dirty="0">
                 <a:ln w="0"/>
                 <a:solidFill>
                   <a:schemeClr val="tx1"/>
@@ -3782,6 +3757,458 @@
         </p:blipFill>
         <p:spPr>
           <a:xfrm>
+            <a:off x="280521" y="294493"/>
+            <a:ext cx="1065091" cy="1050952"/>
+          </a:xfrm>
+          <a:prstGeom prst="rect">
+            <a:avLst/>
+          </a:prstGeom>
+        </p:spPr>
+      </p:pic>
+      <p:sp>
+        <p:nvSpPr>
+          <p:cNvPr id="15" name="Rectangle 14">
+            <a:extLst>
+              <a:ext uri="{FF2B5EF4-FFF2-40B4-BE49-F238E27FC236}">
+                <a16:creationId xmlns:a16="http://schemas.microsoft.com/office/drawing/2014/main" id="{72C76AE4-A2D7-407A-8EFE-187C405A4B82}"/>
+              </a:ext>
+            </a:extLst>
+          </p:cNvPr>
+          <p:cNvSpPr/>
+          <p:nvPr/>
+        </p:nvSpPr>
+        <p:spPr>
+          <a:xfrm>
+            <a:off x="1629902" y="7535233"/>
+            <a:ext cx="3717814" cy="892552"/>
+          </a:xfrm>
+          <a:prstGeom prst="rect">
+            <a:avLst/>
+          </a:prstGeom>
+          <a:noFill/>
+        </p:spPr>
+        <p:txBody>
+          <a:bodyPr wrap="none" lIns="91440" tIns="45720" rIns="91440" bIns="45720">
+            <a:spAutoFit/>
+          </a:bodyPr>
+          <a:lstStyle/>
+          <a:p>
+            <a:pPr algn="ctr"/>
+            <a:r>
+              <a:rPr lang="en-US" sz="2000" b="1" dirty="0">
+                <a:ln w="0"/>
+                <a:effectLst>
+                  <a:outerShdw blurRad="38100" dist="19050" dir="2700000" algn="tl" rotWithShape="0">
+                    <a:schemeClr val="dk1">
+                      <a:alpha val="40000"/>
+                    </a:schemeClr>
+                  </a:outerShdw>
+                </a:effectLst>
+              </a:rPr>
+              <a:t>Supervised by</a:t>
+            </a:r>
+          </a:p>
+          <a:p>
+            <a:pPr algn="ctr"/>
+            <a:r>
+              <a:rPr lang="en-US" sz="3200" b="1" dirty="0">
+                <a:ln w="0"/>
+                <a:effectLst>
+                  <a:outerShdw blurRad="38100" dist="19050" dir="2700000" algn="tl" rotWithShape="0">
+                    <a:schemeClr val="dk1">
+                      <a:alpha val="40000"/>
+                    </a:schemeClr>
+                  </a:outerShdw>
+                </a:effectLst>
+              </a:rPr>
+              <a:t>Dr. Samir </a:t>
+            </a:r>
+            <a:r>
+              <a:rPr lang="en-US" sz="3200" b="1" dirty="0" err="1">
+                <a:ln w="0"/>
+                <a:effectLst>
+                  <a:outerShdw blurRad="38100" dist="19050" dir="2700000" algn="tl" rotWithShape="0">
+                    <a:schemeClr val="dk1">
+                      <a:alpha val="40000"/>
+                    </a:schemeClr>
+                  </a:outerShdw>
+                </a:effectLst>
+              </a:rPr>
+              <a:t>Abdelrazek</a:t>
+            </a:r>
+            <a:endParaRPr lang="en-US" sz="3200" b="1" dirty="0">
+              <a:ln w="0"/>
+              <a:effectLst>
+                <a:outerShdw blurRad="38100" dist="19050" dir="2700000" algn="tl" rotWithShape="0">
+                  <a:schemeClr val="dk1">
+                    <a:alpha val="40000"/>
+                  </a:schemeClr>
+                </a:outerShdw>
+              </a:effectLst>
+            </a:endParaRPr>
+          </a:p>
+        </p:txBody>
+      </p:sp>
+      <p:pic>
+        <p:nvPicPr>
+          <p:cNvPr id="18" name="Picture 4">
+            <a:extLst>
+              <a:ext uri="{FF2B5EF4-FFF2-40B4-BE49-F238E27FC236}">
+                <a16:creationId xmlns:a16="http://schemas.microsoft.com/office/drawing/2014/main" id="{1665245D-2668-465B-A0A4-B171D7248462}"/>
+              </a:ext>
+            </a:extLst>
+          </p:cNvPr>
+          <p:cNvPicPr>
+            <a:picLocks noChangeAspect="1" noChangeArrowheads="1"/>
+          </p:cNvPicPr>
+          <p:nvPr/>
+        </p:nvPicPr>
+        <p:blipFill rotWithShape="1">
+          <a:blip r:embed="rId5">
+            <a:extLst>
+              <a:ext uri="{28A0092B-C50C-407E-A947-70E740481C1C}">
+                <a14:useLocalDpi xmlns:a14="http://schemas.microsoft.com/office/drawing/2010/main" val="0"/>
+              </a:ext>
+            </a:extLst>
+          </a:blip>
+          <a:srcRect b="18222"/>
+          <a:stretch/>
+        </p:blipFill>
+        <p:spPr bwMode="auto">
+          <a:xfrm>
+            <a:off x="4946437" y="228224"/>
+            <a:ext cx="2280862" cy="1183491"/>
+          </a:xfrm>
+          <a:prstGeom prst="rect">
+            <a:avLst/>
+          </a:prstGeom>
+          <a:noFill/>
+          <a:effectLst>
+            <a:glow rad="228600">
+              <a:schemeClr val="accent5">
+                <a:satMod val="175000"/>
+                <a:alpha val="40000"/>
+              </a:schemeClr>
+            </a:glow>
+          </a:effectLst>
+          <a:extLst>
+            <a:ext uri="{909E8E84-426E-40DD-AFC4-6F175D3DCCD1}">
+              <a14:hiddenFill xmlns:a14="http://schemas.microsoft.com/office/drawing/2010/main">
+                <a:solidFill>
+                  <a:srgbClr val="FFFFFF"/>
+                </a:solidFill>
+              </a14:hiddenFill>
+            </a:ext>
+          </a:extLst>
+        </p:spPr>
+      </p:pic>
+      <p:pic>
+        <p:nvPicPr>
+          <p:cNvPr id="3" name="Picture 2" descr="A close up of a logo&#10;&#10;Description automatically generated">
+            <a:extLst>
+              <a:ext uri="{FF2B5EF4-FFF2-40B4-BE49-F238E27FC236}">
+                <a16:creationId xmlns:a16="http://schemas.microsoft.com/office/drawing/2014/main" id="{A206C6D7-680E-4B01-B7AA-95408D6F608E}"/>
+              </a:ext>
+            </a:extLst>
+          </p:cNvPr>
+          <p:cNvPicPr>
+            <a:picLocks noChangeAspect="1"/>
+          </p:cNvPicPr>
+          <p:nvPr/>
+        </p:nvPicPr>
+        <p:blipFill>
+          <a:blip r:embed="rId6">
+            <a:extLst>
+              <a:ext uri="{28A0092B-C50C-407E-A947-70E740481C1C}">
+                <a14:useLocalDpi xmlns:a14="http://schemas.microsoft.com/office/drawing/2010/main" val="0"/>
+              </a:ext>
+            </a:extLst>
+          </a:blip>
+          <a:stretch>
+            <a:fillRect/>
+          </a:stretch>
+        </p:blipFill>
+        <p:spPr>
+          <a:xfrm>
+            <a:off x="269882" y="4638802"/>
+            <a:ext cx="4349799" cy="1100987"/>
+          </a:xfrm>
+          <a:prstGeom prst="rect">
+            <a:avLst/>
+          </a:prstGeom>
+          <a:effectLst>
+            <a:outerShdw blurRad="76200" dist="12700" dir="8100000" sy="-23000" kx="800400" algn="br" rotWithShape="0">
+              <a:prstClr val="black">
+                <a:alpha val="20000"/>
+              </a:prstClr>
+            </a:outerShdw>
+            <a:softEdge rad="0"/>
+          </a:effectLst>
+        </p:spPr>
+      </p:pic>
+    </p:spTree>
+    <p:extLst>
+      <p:ext uri="{BB962C8B-B14F-4D97-AF65-F5344CB8AC3E}">
+        <p14:creationId xmlns:p14="http://schemas.microsoft.com/office/powerpoint/2010/main" val="765288581"/>
+      </p:ext>
+    </p:extLst>
+  </p:cSld>
+  <p:clrMapOvr>
+    <a:masterClrMapping/>
+  </p:clrMapOvr>
+</p:sld>
+</file>
+
+<file path=ppt/slides/slide11.xml><?xml version="1.0" encoding="utf-8"?>
+<p:sld xmlns:a="http://schemas.openxmlformats.org/drawingml/2006/main" xmlns:r="http://schemas.openxmlformats.org/officeDocument/2006/relationships" xmlns:p="http://schemas.openxmlformats.org/presentationml/2006/main">
+  <p:cSld>
+    <p:spTree>
+      <p:nvGrpSpPr>
+        <p:cNvPr id="1" name=""/>
+        <p:cNvGrpSpPr/>
+        <p:nvPr/>
+      </p:nvGrpSpPr>
+      <p:grpSpPr>
+        <a:xfrm>
+          <a:off x="0" y="0"/>
+          <a:ext cx="0" cy="0"/>
+          <a:chOff x="0" y="0"/>
+          <a:chExt cx="0" cy="0"/>
+        </a:xfrm>
+      </p:grpSpPr>
+      <p:pic>
+        <p:nvPicPr>
+          <p:cNvPr id="14" name="Picture 13">
+            <a:extLst>
+              <a:ext uri="{FF2B5EF4-FFF2-40B4-BE49-F238E27FC236}">
+                <a16:creationId xmlns:a16="http://schemas.microsoft.com/office/drawing/2014/main" id="{91309924-5A42-45BA-BCF8-6A0647D20BA6}"/>
+              </a:ext>
+            </a:extLst>
+          </p:cNvPr>
+          <p:cNvPicPr>
+            <a:picLocks noChangeAspect="1"/>
+          </p:cNvPicPr>
+          <p:nvPr/>
+        </p:nvPicPr>
+        <p:blipFill>
+          <a:blip r:embed="rId2">
+            <a:extLst>
+              <a:ext uri="{28A0092B-C50C-407E-A947-70E740481C1C}">
+                <a14:useLocalDpi xmlns:a14="http://schemas.microsoft.com/office/drawing/2010/main" val="0"/>
+              </a:ext>
+            </a:extLst>
+          </a:blip>
+          <a:stretch>
+            <a:fillRect/>
+          </a:stretch>
+        </p:blipFill>
+        <p:spPr>
+          <a:xfrm>
+            <a:off x="-1" y="2763998"/>
+            <a:ext cx="7147503" cy="2871981"/>
+          </a:xfrm>
+          <a:prstGeom prst="rect">
+            <a:avLst/>
+          </a:prstGeom>
+        </p:spPr>
+      </p:pic>
+      <p:sp>
+        <p:nvSpPr>
+          <p:cNvPr id="6" name="Rectangle 5">
+            <a:extLst>
+              <a:ext uri="{FF2B5EF4-FFF2-40B4-BE49-F238E27FC236}">
+                <a16:creationId xmlns:a16="http://schemas.microsoft.com/office/drawing/2014/main" id="{69A9C603-E6CE-49E5-87FD-B2E2CCCBDAC0}"/>
+              </a:ext>
+            </a:extLst>
+          </p:cNvPr>
+          <p:cNvSpPr/>
+          <p:nvPr/>
+        </p:nvSpPr>
+        <p:spPr>
+          <a:xfrm>
+            <a:off x="-1" y="6837830"/>
+            <a:ext cx="6858001" cy="400110"/>
+          </a:xfrm>
+          <a:prstGeom prst="rect">
+            <a:avLst/>
+          </a:prstGeom>
+          <a:noFill/>
+        </p:spPr>
+        <p:txBody>
+          <a:bodyPr wrap="square" lIns="91440" tIns="45720" rIns="91440" bIns="45720">
+            <a:spAutoFit/>
+          </a:bodyPr>
+          <a:lstStyle/>
+          <a:p>
+            <a:pPr algn="ctr"/>
+            <a:r>
+              <a:rPr lang="ar-EG" sz="2000" b="0" cap="none" spc="0" dirty="0">
+                <a:ln w="0"/>
+                <a:solidFill>
+                  <a:schemeClr val="tx1"/>
+                </a:solidFill>
+                <a:effectLst>
+                  <a:outerShdw blurRad="38100" dist="19050" dir="2700000" algn="tl" rotWithShape="0">
+                    <a:schemeClr val="dk1">
+                      <a:alpha val="40000"/>
+                    </a:schemeClr>
+                  </a:outerShdw>
+                </a:effectLst>
+              </a:rPr>
+              <a:t>مشروع التخرج منشئ ل</a:t>
+            </a:r>
+            <a:r>
+              <a:rPr lang="ar-EG" sz="2000" dirty="0">
+                <a:ln w="0"/>
+                <a:effectLst>
+                  <a:outerShdw blurRad="38100" dist="19050" dir="2700000" algn="tl" rotWithShape="0">
+                    <a:schemeClr val="dk1">
+                      <a:alpha val="40000"/>
+                    </a:schemeClr>
+                  </a:outerShdw>
+                </a:effectLst>
+              </a:rPr>
+              <a:t>قسم نظم المعلومات</a:t>
+            </a:r>
+            <a:endParaRPr lang="en-US" sz="2000" b="0" cap="none" spc="0" dirty="0">
+              <a:ln w="0"/>
+              <a:solidFill>
+                <a:schemeClr val="tx1"/>
+              </a:solidFill>
+              <a:effectLst>
+                <a:outerShdw blurRad="38100" dist="19050" dir="2700000" algn="tl" rotWithShape="0">
+                  <a:schemeClr val="dk1">
+                    <a:alpha val="40000"/>
+                  </a:schemeClr>
+                </a:outerShdw>
+              </a:effectLst>
+            </a:endParaRPr>
+          </a:p>
+        </p:txBody>
+      </p:sp>
+      <p:sp>
+        <p:nvSpPr>
+          <p:cNvPr id="9" name="Rectangle 8">
+            <a:extLst>
+              <a:ext uri="{FF2B5EF4-FFF2-40B4-BE49-F238E27FC236}">
+                <a16:creationId xmlns:a16="http://schemas.microsoft.com/office/drawing/2014/main" id="{96649079-2919-42D1-BE35-C91A1B8F8194}"/>
+              </a:ext>
+            </a:extLst>
+          </p:cNvPr>
+          <p:cNvSpPr/>
+          <p:nvPr/>
+        </p:nvSpPr>
+        <p:spPr>
+          <a:xfrm>
+            <a:off x="172944" y="5175837"/>
+            <a:ext cx="6512112" cy="1200329"/>
+          </a:xfrm>
+          <a:prstGeom prst="rect">
+            <a:avLst/>
+          </a:prstGeom>
+          <a:noFill/>
+        </p:spPr>
+        <p:txBody>
+          <a:bodyPr wrap="square" lIns="91440" tIns="45720" rIns="91440" bIns="45720">
+            <a:spAutoFit/>
+          </a:bodyPr>
+          <a:lstStyle/>
+          <a:p>
+            <a:pPr algn="ctr"/>
+            <a:r>
+              <a:rPr lang="ar-EG" sz="2800" b="1" dirty="0"/>
+              <a:t>النظام التفاعلي التعليمي لخدمات الطلاب باستخدام هياكل الخدمات الدقيقة</a:t>
+            </a:r>
+            <a:r>
+              <a:rPr lang="en-US" sz="4400" b="0" cap="none" spc="0" dirty="0">
+                <a:ln w="0"/>
+                <a:solidFill>
+                  <a:schemeClr val="tx1"/>
+                </a:solidFill>
+                <a:effectLst>
+                  <a:outerShdw blurRad="38100" dist="19050" dir="2700000" algn="tl" rotWithShape="0">
+                    <a:schemeClr val="dk1">
+                      <a:alpha val="40000"/>
+                    </a:schemeClr>
+                  </a:outerShdw>
+                </a:effectLst>
+              </a:rPr>
+              <a:t> </a:t>
+            </a:r>
+          </a:p>
+        </p:txBody>
+      </p:sp>
+      <p:pic>
+        <p:nvPicPr>
+          <p:cNvPr id="8" name="Picture 7">
+            <a:extLst>
+              <a:ext uri="{FF2B5EF4-FFF2-40B4-BE49-F238E27FC236}">
+                <a16:creationId xmlns:a16="http://schemas.microsoft.com/office/drawing/2014/main" id="{1A423CD4-BE45-46E8-8A0C-FF92638B0CED}"/>
+              </a:ext>
+            </a:extLst>
+          </p:cNvPr>
+          <p:cNvPicPr>
+            <a:picLocks noChangeAspect="1"/>
+          </p:cNvPicPr>
+          <p:nvPr/>
+        </p:nvPicPr>
+        <p:blipFill>
+          <a:blip r:embed="rId3">
+            <a:extLst>
+              <a:ext uri="{BEBA8EAE-BF5A-486C-A8C5-ECC9F3942E4B}">
+                <a14:imgProps xmlns:a14="http://schemas.microsoft.com/office/drawing/2010/main">
+                  <a14:imgLayer r:embed="rId4">
+                    <a14:imgEffect>
+                      <a14:backgroundRemoval t="4036" b="93274" l="5310" r="95575">
+                        <a14:foregroundMark x1="34513" y1="20628" x2="34513" y2="20628"/>
+                        <a14:foregroundMark x1="34513" y1="21525" x2="34513" y2="21525"/>
+                        <a14:foregroundMark x1="34513" y1="21525" x2="34513" y2="21525"/>
+                        <a14:foregroundMark x1="23009" y1="31390" x2="33628" y2="26009"/>
+                        <a14:foregroundMark x1="46903" y1="10762" x2="21681" y2="35874"/>
+                        <a14:foregroundMark x1="67257" y1="9865" x2="38053" y2="10314"/>
+                        <a14:foregroundMark x1="38053" y1="10314" x2="16814" y2="21076"/>
+                        <a14:foregroundMark x1="16814" y1="21076" x2="14602" y2="37668"/>
+                        <a14:foregroundMark x1="14159" y1="30942" x2="9292" y2="59641"/>
+                        <a14:foregroundMark x1="9292" y1="59641" x2="14602" y2="68610"/>
+                        <a14:foregroundMark x1="15929" y1="53812" x2="16814" y2="79821"/>
+                        <a14:foregroundMark x1="16814" y1="79821" x2="44248" y2="86547"/>
+                        <a14:foregroundMark x1="69027" y1="88341" x2="83186" y2="66368"/>
+                        <a14:foregroundMark x1="83186" y1="66368" x2="86726" y2="39910"/>
+                        <a14:foregroundMark x1="73451" y1="85202" x2="28319" y2="85202"/>
+                        <a14:foregroundMark x1="30973" y1="88789" x2="58850" y2="93274"/>
+                        <a14:foregroundMark x1="87611" y1="29148" x2="90708" y2="52915"/>
+                        <a14:foregroundMark x1="90708" y1="52915" x2="87168" y2="75336"/>
+                        <a14:foregroundMark x1="87168" y1="75336" x2="68142" y2="89238"/>
+                        <a14:foregroundMark x1="68142" y1="89238" x2="44248" y2="93274"/>
+                        <a14:foregroundMark x1="92035" y1="64574" x2="92035" y2="37668"/>
+                        <a14:foregroundMark x1="28761" y1="77578" x2="13717" y2="59641"/>
+                        <a14:foregroundMark x1="13717" y1="59641" x2="13274" y2="58296"/>
+                        <a14:foregroundMark x1="6195" y1="60090" x2="5752" y2="47534"/>
+                        <a14:foregroundMark x1="48673" y1="4484" x2="48673" y2="4484"/>
+                        <a14:foregroundMark x1="88496" y1="61435" x2="84956" y2="61435"/>
+                        <a14:foregroundMark x1="94690" y1="44395" x2="95575" y2="51570"/>
+                        <a14:backgroundMark x1="14602" y1="9865" x2="14602" y2="9865"/>
+                        <a14:backgroundMark x1="14602" y1="9865" x2="14602" y2="9865"/>
+                        <a14:backgroundMark x1="14602" y1="9865" x2="14602" y2="9865"/>
+                        <a14:backgroundMark x1="14602" y1="9865" x2="9292" y2="14798"/>
+                        <a14:backgroundMark x1="11504" y1="9417" x2="11504" y2="9417"/>
+                        <a14:backgroundMark x1="11504" y1="9417" x2="8061" y2="19885"/>
+                      </a14:backgroundRemoval>
+                    </a14:imgEffect>
+                  </a14:imgLayer>
+                </a14:imgProps>
+              </a:ext>
+              <a:ext uri="{28A0092B-C50C-407E-A947-70E740481C1C}">
+                <a14:useLocalDpi xmlns:a14="http://schemas.microsoft.com/office/drawing/2010/main" val="0"/>
+              </a:ext>
+            </a:extLst>
+          </a:blip>
+          <a:stretch>
+            <a:fillRect/>
+          </a:stretch>
+        </p:blipFill>
+        <p:spPr>
+          <a:xfrm>
             <a:off x="5619965" y="132239"/>
             <a:ext cx="1065091" cy="1050952"/>
           </a:xfrm>
@@ -4100,7 +4527,3561 @@
     </p:spTree>
     <p:extLst>
       <p:ext uri="{BB962C8B-B14F-4D97-AF65-F5344CB8AC3E}">
+        <p14:creationId xmlns:p14="http://schemas.microsoft.com/office/powerpoint/2010/main" val="3991743051"/>
+      </p:ext>
+    </p:extLst>
+  </p:cSld>
+  <p:clrMapOvr>
+    <a:masterClrMapping/>
+  </p:clrMapOvr>
+</p:sld>
+</file>
+
+<file path=ppt/slides/slide2.xml><?xml version="1.0" encoding="utf-8"?>
+<p:sld xmlns:a="http://schemas.openxmlformats.org/drawingml/2006/main" xmlns:r="http://schemas.openxmlformats.org/officeDocument/2006/relationships" xmlns:p="http://schemas.openxmlformats.org/presentationml/2006/main">
+  <p:cSld>
+    <p:spTree>
+      <p:nvGrpSpPr>
+        <p:cNvPr id="1" name=""/>
+        <p:cNvGrpSpPr/>
+        <p:nvPr/>
+      </p:nvGrpSpPr>
+      <p:grpSpPr>
+        <a:xfrm>
+          <a:off x="0" y="0"/>
+          <a:ext cx="0" cy="0"/>
+          <a:chOff x="0" y="0"/>
+          <a:chExt cx="0" cy="0"/>
+        </a:xfrm>
+      </p:grpSpPr>
+      <p:pic>
+        <p:nvPicPr>
+          <p:cNvPr id="14" name="Picture 13">
+            <a:extLst>
+              <a:ext uri="{FF2B5EF4-FFF2-40B4-BE49-F238E27FC236}">
+                <a16:creationId xmlns:a16="http://schemas.microsoft.com/office/drawing/2014/main" id="{91309924-5A42-45BA-BCF8-6A0647D20BA6}"/>
+              </a:ext>
+            </a:extLst>
+          </p:cNvPr>
+          <p:cNvPicPr>
+            <a:picLocks noChangeAspect="1"/>
+          </p:cNvPicPr>
+          <p:nvPr/>
+        </p:nvPicPr>
+        <p:blipFill>
+          <a:blip r:embed="rId2">
+            <a:extLst>
+              <a:ext uri="{28A0092B-C50C-407E-A947-70E740481C1C}">
+                <a14:useLocalDpi xmlns:a14="http://schemas.microsoft.com/office/drawing/2010/main" val="0"/>
+              </a:ext>
+            </a:extLst>
+          </a:blip>
+          <a:stretch>
+            <a:fillRect/>
+          </a:stretch>
+        </p:blipFill>
+        <p:spPr>
+          <a:xfrm>
+            <a:off x="-1" y="2763998"/>
+            <a:ext cx="7147503" cy="2871981"/>
+          </a:xfrm>
+          <a:prstGeom prst="rect">
+            <a:avLst/>
+          </a:prstGeom>
+        </p:spPr>
+      </p:pic>
+      <p:sp>
+        <p:nvSpPr>
+          <p:cNvPr id="6" name="Rectangle 5">
+            <a:extLst>
+              <a:ext uri="{FF2B5EF4-FFF2-40B4-BE49-F238E27FC236}">
+                <a16:creationId xmlns:a16="http://schemas.microsoft.com/office/drawing/2014/main" id="{69A9C603-E6CE-49E5-87FD-B2E2CCCBDAC0}"/>
+              </a:ext>
+            </a:extLst>
+          </p:cNvPr>
+          <p:cNvSpPr/>
+          <p:nvPr/>
+        </p:nvSpPr>
+        <p:spPr>
+          <a:xfrm>
+            <a:off x="-1" y="6837830"/>
+            <a:ext cx="6858001" cy="400110"/>
+          </a:xfrm>
+          <a:prstGeom prst="rect">
+            <a:avLst/>
+          </a:prstGeom>
+          <a:noFill/>
+        </p:spPr>
+        <p:txBody>
+          <a:bodyPr wrap="square" lIns="91440" tIns="45720" rIns="91440" bIns="45720">
+            <a:spAutoFit/>
+          </a:bodyPr>
+          <a:lstStyle/>
+          <a:p>
+            <a:pPr algn="ctr"/>
+            <a:r>
+              <a:rPr lang="ar-EG" sz="2000" b="0" cap="none" spc="0" dirty="0">
+                <a:ln w="0"/>
+                <a:solidFill>
+                  <a:schemeClr val="tx1"/>
+                </a:solidFill>
+                <a:effectLst>
+                  <a:outerShdw blurRad="38100" dist="19050" dir="2700000" algn="tl" rotWithShape="0">
+                    <a:schemeClr val="dk1">
+                      <a:alpha val="40000"/>
+                    </a:schemeClr>
+                  </a:outerShdw>
+                </a:effectLst>
+              </a:rPr>
+              <a:t>مشروع التخرج منشئ ل</a:t>
+            </a:r>
+            <a:r>
+              <a:rPr lang="ar-EG" sz="2000" dirty="0">
+                <a:ln w="0"/>
+                <a:effectLst>
+                  <a:outerShdw blurRad="38100" dist="19050" dir="2700000" algn="tl" rotWithShape="0">
+                    <a:schemeClr val="dk1">
+                      <a:alpha val="40000"/>
+                    </a:schemeClr>
+                  </a:outerShdw>
+                </a:effectLst>
+              </a:rPr>
+              <a:t>قسم نظم المعلومات</a:t>
+            </a:r>
+            <a:endParaRPr lang="en-US" sz="2000" b="0" cap="none" spc="0" dirty="0">
+              <a:ln w="0"/>
+              <a:solidFill>
+                <a:schemeClr val="tx1"/>
+              </a:solidFill>
+              <a:effectLst>
+                <a:outerShdw blurRad="38100" dist="19050" dir="2700000" algn="tl" rotWithShape="0">
+                  <a:schemeClr val="dk1">
+                    <a:alpha val="40000"/>
+                  </a:schemeClr>
+                </a:outerShdw>
+              </a:effectLst>
+            </a:endParaRPr>
+          </a:p>
+        </p:txBody>
+      </p:sp>
+      <p:sp>
+        <p:nvSpPr>
+          <p:cNvPr id="9" name="Rectangle 8">
+            <a:extLst>
+              <a:ext uri="{FF2B5EF4-FFF2-40B4-BE49-F238E27FC236}">
+                <a16:creationId xmlns:a16="http://schemas.microsoft.com/office/drawing/2014/main" id="{96649079-2919-42D1-BE35-C91A1B8F8194}"/>
+              </a:ext>
+            </a:extLst>
+          </p:cNvPr>
+          <p:cNvSpPr/>
+          <p:nvPr/>
+        </p:nvSpPr>
+        <p:spPr>
+          <a:xfrm>
+            <a:off x="172944" y="5175837"/>
+            <a:ext cx="6512112" cy="1200329"/>
+          </a:xfrm>
+          <a:prstGeom prst="rect">
+            <a:avLst/>
+          </a:prstGeom>
+          <a:noFill/>
+        </p:spPr>
+        <p:txBody>
+          <a:bodyPr wrap="square" lIns="91440" tIns="45720" rIns="91440" bIns="45720">
+            <a:spAutoFit/>
+          </a:bodyPr>
+          <a:lstStyle/>
+          <a:p>
+            <a:pPr algn="ctr"/>
+            <a:r>
+              <a:rPr lang="ar-EG" sz="2800" b="1" dirty="0"/>
+              <a:t>النظام التفاعلي التعليمي لخدمات الطلاب باستخدام هياكل الخدمات الدقيقة</a:t>
+            </a:r>
+            <a:r>
+              <a:rPr lang="en-US" sz="4400" b="0" cap="none" spc="0" dirty="0">
+                <a:ln w="0"/>
+                <a:solidFill>
+                  <a:schemeClr val="tx1"/>
+                </a:solidFill>
+                <a:effectLst>
+                  <a:outerShdw blurRad="38100" dist="19050" dir="2700000" algn="tl" rotWithShape="0">
+                    <a:schemeClr val="dk1">
+                      <a:alpha val="40000"/>
+                    </a:schemeClr>
+                  </a:outerShdw>
+                </a:effectLst>
+              </a:rPr>
+              <a:t> </a:t>
+            </a:r>
+          </a:p>
+        </p:txBody>
+      </p:sp>
+      <p:pic>
+        <p:nvPicPr>
+          <p:cNvPr id="8" name="Picture 7">
+            <a:extLst>
+              <a:ext uri="{FF2B5EF4-FFF2-40B4-BE49-F238E27FC236}">
+                <a16:creationId xmlns:a16="http://schemas.microsoft.com/office/drawing/2014/main" id="{1A423CD4-BE45-46E8-8A0C-FF92638B0CED}"/>
+              </a:ext>
+            </a:extLst>
+          </p:cNvPr>
+          <p:cNvPicPr>
+            <a:picLocks noChangeAspect="1"/>
+          </p:cNvPicPr>
+          <p:nvPr/>
+        </p:nvPicPr>
+        <p:blipFill>
+          <a:blip r:embed="rId3">
+            <a:extLst>
+              <a:ext uri="{BEBA8EAE-BF5A-486C-A8C5-ECC9F3942E4B}">
+                <a14:imgProps xmlns:a14="http://schemas.microsoft.com/office/drawing/2010/main">
+                  <a14:imgLayer r:embed="rId4">
+                    <a14:imgEffect>
+                      <a14:backgroundRemoval t="4036" b="93274" l="5310" r="95575">
+                        <a14:foregroundMark x1="34513" y1="20628" x2="34513" y2="20628"/>
+                        <a14:foregroundMark x1="34513" y1="21525" x2="34513" y2="21525"/>
+                        <a14:foregroundMark x1="34513" y1="21525" x2="34513" y2="21525"/>
+                        <a14:foregroundMark x1="23009" y1="31390" x2="33628" y2="26009"/>
+                        <a14:foregroundMark x1="46903" y1="10762" x2="21681" y2="35874"/>
+                        <a14:foregroundMark x1="67257" y1="9865" x2="38053" y2="10314"/>
+                        <a14:foregroundMark x1="38053" y1="10314" x2="16814" y2="21076"/>
+                        <a14:foregroundMark x1="16814" y1="21076" x2="14602" y2="37668"/>
+                        <a14:foregroundMark x1="14159" y1="30942" x2="9292" y2="59641"/>
+                        <a14:foregroundMark x1="9292" y1="59641" x2="14602" y2="68610"/>
+                        <a14:foregroundMark x1="15929" y1="53812" x2="16814" y2="79821"/>
+                        <a14:foregroundMark x1="16814" y1="79821" x2="44248" y2="86547"/>
+                        <a14:foregroundMark x1="69027" y1="88341" x2="83186" y2="66368"/>
+                        <a14:foregroundMark x1="83186" y1="66368" x2="86726" y2="39910"/>
+                        <a14:foregroundMark x1="73451" y1="85202" x2="28319" y2="85202"/>
+                        <a14:foregroundMark x1="30973" y1="88789" x2="58850" y2="93274"/>
+                        <a14:foregroundMark x1="87611" y1="29148" x2="90708" y2="52915"/>
+                        <a14:foregroundMark x1="90708" y1="52915" x2="87168" y2="75336"/>
+                        <a14:foregroundMark x1="87168" y1="75336" x2="68142" y2="89238"/>
+                        <a14:foregroundMark x1="68142" y1="89238" x2="44248" y2="93274"/>
+                        <a14:foregroundMark x1="92035" y1="64574" x2="92035" y2="37668"/>
+                        <a14:foregroundMark x1="28761" y1="77578" x2="13717" y2="59641"/>
+                        <a14:foregroundMark x1="13717" y1="59641" x2="13274" y2="58296"/>
+                        <a14:foregroundMark x1="6195" y1="60090" x2="5752" y2="47534"/>
+                        <a14:foregroundMark x1="48673" y1="4484" x2="48673" y2="4484"/>
+                        <a14:foregroundMark x1="88496" y1="61435" x2="84956" y2="61435"/>
+                        <a14:foregroundMark x1="94690" y1="44395" x2="95575" y2="51570"/>
+                        <a14:backgroundMark x1="14602" y1="9865" x2="14602" y2="9865"/>
+                        <a14:backgroundMark x1="14602" y1="9865" x2="14602" y2="9865"/>
+                        <a14:backgroundMark x1="14602" y1="9865" x2="14602" y2="9865"/>
+                        <a14:backgroundMark x1="14602" y1="9865" x2="9292" y2="14798"/>
+                        <a14:backgroundMark x1="11504" y1="9417" x2="11504" y2="9417"/>
+                        <a14:backgroundMark x1="11504" y1="9417" x2="8061" y2="19885"/>
+                      </a14:backgroundRemoval>
+                    </a14:imgEffect>
+                  </a14:imgLayer>
+                </a14:imgProps>
+              </a:ext>
+              <a:ext uri="{28A0092B-C50C-407E-A947-70E740481C1C}">
+                <a14:useLocalDpi xmlns:a14="http://schemas.microsoft.com/office/drawing/2010/main" val="0"/>
+              </a:ext>
+            </a:extLst>
+          </a:blip>
+          <a:stretch>
+            <a:fillRect/>
+          </a:stretch>
+        </p:blipFill>
+        <p:spPr>
+          <a:xfrm>
+            <a:off x="5619965" y="132239"/>
+            <a:ext cx="1065091" cy="1050952"/>
+          </a:xfrm>
+          <a:prstGeom prst="rect">
+            <a:avLst/>
+          </a:prstGeom>
+        </p:spPr>
+      </p:pic>
+      <p:sp>
+        <p:nvSpPr>
+          <p:cNvPr id="10" name="Rectangle 9">
+            <a:extLst>
+              <a:ext uri="{FF2B5EF4-FFF2-40B4-BE49-F238E27FC236}">
+                <a16:creationId xmlns:a16="http://schemas.microsoft.com/office/drawing/2014/main" id="{A4C6B1EA-ABF4-4E23-BED8-F7B08ABB38A5}"/>
+              </a:ext>
+            </a:extLst>
+          </p:cNvPr>
+          <p:cNvSpPr/>
+          <p:nvPr/>
+        </p:nvSpPr>
+        <p:spPr>
+          <a:xfrm>
+            <a:off x="1172527" y="8757226"/>
+            <a:ext cx="1446422" cy="400110"/>
+          </a:xfrm>
+          <a:prstGeom prst="rect">
+            <a:avLst/>
+          </a:prstGeom>
+          <a:noFill/>
+        </p:spPr>
+        <p:txBody>
+          <a:bodyPr wrap="none" lIns="91440" tIns="45720" rIns="91440" bIns="45720">
+            <a:spAutoFit/>
+          </a:bodyPr>
+          <a:lstStyle/>
+          <a:p>
+            <a:pPr algn="ctr"/>
+            <a:r>
+              <a:rPr lang="en-US" sz="2000" b="1" spc="50" dirty="0" err="1">
+                <a:ln w="9525" cmpd="sng">
+                  <a:solidFill>
+                    <a:schemeClr val="accent1"/>
+                  </a:solidFill>
+                  <a:prstDash val="solid"/>
+                </a:ln>
+                <a:solidFill>
+                  <a:srgbClr val="70AD47">
+                    <a:tint val="1000"/>
+                  </a:srgbClr>
+                </a:solidFill>
+                <a:effectLst>
+                  <a:glow rad="38100">
+                    <a:schemeClr val="accent1">
+                      <a:alpha val="40000"/>
+                    </a:schemeClr>
+                  </a:glow>
+                </a:effectLst>
+              </a:rPr>
+              <a:t>Tavss</a:t>
+            </a:r>
+            <a:r>
+              <a:rPr lang="en-US" sz="2000" b="1" spc="50" dirty="0">
+                <a:ln w="9525" cmpd="sng">
+                  <a:solidFill>
+                    <a:schemeClr val="accent1"/>
+                  </a:solidFill>
+                  <a:prstDash val="solid"/>
+                </a:ln>
+                <a:solidFill>
+                  <a:srgbClr val="70AD47">
+                    <a:tint val="1000"/>
+                  </a:srgbClr>
+                </a:solidFill>
+                <a:effectLst>
+                  <a:glow rad="38100">
+                    <a:schemeClr val="accent1">
+                      <a:alpha val="40000"/>
+                    </a:schemeClr>
+                  </a:glow>
+                </a:effectLst>
+              </a:rPr>
+              <a:t> </a:t>
+            </a:r>
+            <a:r>
+              <a:rPr lang="ar-EG" sz="2000" b="1" spc="50" dirty="0">
+                <a:ln w="9525" cmpd="sng">
+                  <a:solidFill>
+                    <a:schemeClr val="accent1"/>
+                  </a:solidFill>
+                  <a:prstDash val="solid"/>
+                </a:ln>
+                <a:solidFill>
+                  <a:srgbClr val="70AD47">
+                    <a:tint val="1000"/>
+                  </a:srgbClr>
+                </a:solidFill>
+                <a:effectLst>
+                  <a:glow rad="38100">
+                    <a:schemeClr val="accent1">
+                      <a:alpha val="40000"/>
+                    </a:schemeClr>
+                  </a:glow>
+                </a:effectLst>
+              </a:rPr>
+              <a:t>فريق: </a:t>
+            </a:r>
+            <a:endParaRPr lang="en-US" sz="2000" b="1" cap="none" spc="50" dirty="0">
+              <a:ln w="9525" cmpd="sng">
+                <a:solidFill>
+                  <a:schemeClr val="accent1"/>
+                </a:solidFill>
+                <a:prstDash val="solid"/>
+              </a:ln>
+              <a:solidFill>
+                <a:srgbClr val="70AD47">
+                  <a:tint val="1000"/>
+                </a:srgbClr>
+              </a:solidFill>
+              <a:effectLst>
+                <a:glow rad="38100">
+                  <a:schemeClr val="accent1">
+                    <a:alpha val="40000"/>
+                  </a:schemeClr>
+                </a:glow>
+              </a:effectLst>
+            </a:endParaRPr>
+          </a:p>
+        </p:txBody>
+      </p:sp>
+      <p:sp>
+        <p:nvSpPr>
+          <p:cNvPr id="15" name="Rectangle 14">
+            <a:extLst>
+              <a:ext uri="{FF2B5EF4-FFF2-40B4-BE49-F238E27FC236}">
+                <a16:creationId xmlns:a16="http://schemas.microsoft.com/office/drawing/2014/main" id="{72C76AE4-A2D7-407A-8EFE-187C405A4B82}"/>
+              </a:ext>
+            </a:extLst>
+          </p:cNvPr>
+          <p:cNvSpPr/>
+          <p:nvPr/>
+        </p:nvSpPr>
+        <p:spPr>
+          <a:xfrm>
+            <a:off x="273039" y="8452920"/>
+            <a:ext cx="2387192" cy="400110"/>
+          </a:xfrm>
+          <a:prstGeom prst="rect">
+            <a:avLst/>
+          </a:prstGeom>
+          <a:noFill/>
+        </p:spPr>
+        <p:txBody>
+          <a:bodyPr wrap="none" lIns="91440" tIns="45720" rIns="91440" bIns="45720">
+            <a:spAutoFit/>
+          </a:bodyPr>
+          <a:lstStyle/>
+          <a:p>
+            <a:pPr algn="ctr"/>
+            <a:r>
+              <a:rPr lang="ar-EG" sz="2000" b="1" spc="50" dirty="0">
+                <a:ln w="9525" cmpd="sng">
+                  <a:solidFill>
+                    <a:schemeClr val="accent1"/>
+                  </a:solidFill>
+                  <a:prstDash val="solid"/>
+                </a:ln>
+                <a:solidFill>
+                  <a:srgbClr val="70AD47">
+                    <a:tint val="1000"/>
+                  </a:srgbClr>
+                </a:solidFill>
+                <a:effectLst>
+                  <a:glow rad="38100">
+                    <a:schemeClr val="accent1">
+                      <a:alpha val="40000"/>
+                    </a:schemeClr>
+                  </a:glow>
+                </a:effectLst>
+              </a:rPr>
+              <a:t>دكتور: سمير عبد الرازق</a:t>
+            </a:r>
+            <a:endParaRPr lang="en-US" sz="2000" b="1" cap="none" spc="50" dirty="0">
+              <a:ln w="9525" cmpd="sng">
+                <a:solidFill>
+                  <a:schemeClr val="accent1"/>
+                </a:solidFill>
+                <a:prstDash val="solid"/>
+              </a:ln>
+              <a:solidFill>
+                <a:srgbClr val="70AD47">
+                  <a:tint val="1000"/>
+                </a:srgbClr>
+              </a:solidFill>
+              <a:effectLst>
+                <a:glow rad="38100">
+                  <a:schemeClr val="accent1">
+                    <a:alpha val="40000"/>
+                  </a:schemeClr>
+                </a:glow>
+              </a:effectLst>
+            </a:endParaRPr>
+          </a:p>
+        </p:txBody>
+      </p:sp>
+      <p:sp>
+        <p:nvSpPr>
+          <p:cNvPr id="7" name="Isosceles Triangle 6">
+            <a:extLst>
+              <a:ext uri="{FF2B5EF4-FFF2-40B4-BE49-F238E27FC236}">
+                <a16:creationId xmlns:a16="http://schemas.microsoft.com/office/drawing/2014/main" id="{B15346EF-3420-4175-9C28-DFACB6F5901F}"/>
+              </a:ext>
+            </a:extLst>
+          </p:cNvPr>
+          <p:cNvSpPr/>
+          <p:nvPr/>
+        </p:nvSpPr>
+        <p:spPr>
+          <a:xfrm rot="10800000">
+            <a:off x="-2309885" y="-14426"/>
+            <a:ext cx="4619767" cy="4744589"/>
+          </a:xfrm>
+          <a:prstGeom prst="triangle">
+            <a:avLst>
+              <a:gd name="adj" fmla="val 50000"/>
+            </a:avLst>
+          </a:prstGeom>
+          <a:solidFill>
+            <a:schemeClr val="bg2">
+              <a:lumMod val="50000"/>
+            </a:schemeClr>
+          </a:solidFill>
+          <a:ln>
+            <a:solidFill>
+              <a:schemeClr val="bg1"/>
+            </a:solidFill>
+          </a:ln>
+        </p:spPr>
+        <p:style>
+          <a:lnRef idx="2">
+            <a:schemeClr val="accent1">
+              <a:shade val="50000"/>
+            </a:schemeClr>
+          </a:lnRef>
+          <a:fillRef idx="1">
+            <a:schemeClr val="accent1"/>
+          </a:fillRef>
+          <a:effectRef idx="0">
+            <a:schemeClr val="accent1"/>
+          </a:effectRef>
+          <a:fontRef idx="minor">
+            <a:schemeClr val="lt1"/>
+          </a:fontRef>
+        </p:style>
+        <p:txBody>
+          <a:bodyPr rtlCol="0" anchor="ctr"/>
+          <a:lstStyle/>
+          <a:p>
+            <a:pPr algn="ctr"/>
+            <a:endParaRPr lang="en-US" dirty="0"/>
+          </a:p>
+        </p:txBody>
+      </p:sp>
+      <p:pic>
+        <p:nvPicPr>
+          <p:cNvPr id="18" name="Picture 4">
+            <a:extLst>
+              <a:ext uri="{FF2B5EF4-FFF2-40B4-BE49-F238E27FC236}">
+                <a16:creationId xmlns:a16="http://schemas.microsoft.com/office/drawing/2014/main" id="{1665245D-2668-465B-A0A4-B171D7248462}"/>
+              </a:ext>
+            </a:extLst>
+          </p:cNvPr>
+          <p:cNvPicPr>
+            <a:picLocks noChangeAspect="1" noChangeArrowheads="1"/>
+          </p:cNvPicPr>
+          <p:nvPr/>
+        </p:nvPicPr>
+        <p:blipFill rotWithShape="1">
+          <a:blip r:embed="rId5">
+            <a:extLst>
+              <a:ext uri="{28A0092B-C50C-407E-A947-70E740481C1C}">
+                <a14:useLocalDpi xmlns:a14="http://schemas.microsoft.com/office/drawing/2010/main" val="0"/>
+              </a:ext>
+            </a:extLst>
+          </a:blip>
+          <a:srcRect b="18222"/>
+          <a:stretch/>
+        </p:blipFill>
+        <p:spPr bwMode="auto">
+          <a:xfrm>
+            <a:off x="-196504" y="132239"/>
+            <a:ext cx="2280862" cy="1183491"/>
+          </a:xfrm>
+          <a:prstGeom prst="rect">
+            <a:avLst/>
+          </a:prstGeom>
+          <a:noFill/>
+          <a:effectLst>
+            <a:glow rad="228600">
+              <a:schemeClr val="accent5">
+                <a:satMod val="175000"/>
+                <a:alpha val="40000"/>
+              </a:schemeClr>
+            </a:glow>
+          </a:effectLst>
+          <a:extLst>
+            <a:ext uri="{909E8E84-426E-40DD-AFC4-6F175D3DCCD1}">
+              <a14:hiddenFill xmlns:a14="http://schemas.microsoft.com/office/drawing/2010/main">
+                <a:solidFill>
+                  <a:srgbClr val="FFFFFF"/>
+                </a:solidFill>
+              </a14:hiddenFill>
+            </a:ext>
+          </a:extLst>
+        </p:spPr>
+      </p:pic>
+    </p:spTree>
+    <p:extLst>
+      <p:ext uri="{BB962C8B-B14F-4D97-AF65-F5344CB8AC3E}">
         <p14:creationId xmlns:p14="http://schemas.microsoft.com/office/powerpoint/2010/main" val="2340658756"/>
+      </p:ext>
+    </p:extLst>
+  </p:cSld>
+  <p:clrMapOvr>
+    <a:masterClrMapping/>
+  </p:clrMapOvr>
+</p:sld>
+</file>
+
+<file path=ppt/slides/slide3.xml><?xml version="1.0" encoding="utf-8"?>
+<p:sld xmlns:a="http://schemas.openxmlformats.org/drawingml/2006/main" xmlns:r="http://schemas.openxmlformats.org/officeDocument/2006/relationships" xmlns:p="http://schemas.openxmlformats.org/presentationml/2006/main">
+  <p:cSld>
+    <p:bg>
+      <p:bgPr>
+        <a:gradFill flip="none" rotWithShape="1">
+          <a:gsLst>
+            <a:gs pos="0">
+              <a:schemeClr val="accent1">
+                <a:lumMod val="5000"/>
+                <a:lumOff val="95000"/>
+              </a:schemeClr>
+            </a:gs>
+            <a:gs pos="28000">
+              <a:schemeClr val="bg1">
+                <a:lumMod val="50000"/>
+                <a:lumOff val="50000"/>
+              </a:schemeClr>
+            </a:gs>
+            <a:gs pos="60000">
+              <a:schemeClr val="bg1">
+                <a:lumMod val="75000"/>
+                <a:lumOff val="25000"/>
+              </a:schemeClr>
+            </a:gs>
+            <a:gs pos="100000">
+              <a:schemeClr val="bg1">
+                <a:lumMod val="95000"/>
+                <a:lumOff val="5000"/>
+              </a:schemeClr>
+            </a:gs>
+          </a:gsLst>
+          <a:lin ang="8100000" scaled="1"/>
+          <a:tileRect/>
+        </a:gradFill>
+        <a:effectLst/>
+      </p:bgPr>
+    </p:bg>
+    <p:spTree>
+      <p:nvGrpSpPr>
+        <p:cNvPr id="1" name=""/>
+        <p:cNvGrpSpPr/>
+        <p:nvPr/>
+      </p:nvGrpSpPr>
+      <p:grpSpPr>
+        <a:xfrm>
+          <a:off x="0" y="0"/>
+          <a:ext cx="0" cy="0"/>
+          <a:chOff x="0" y="0"/>
+          <a:chExt cx="0" cy="0"/>
+        </a:xfrm>
+      </p:grpSpPr>
+      <p:sp>
+        <p:nvSpPr>
+          <p:cNvPr id="9" name="Rectangle 8">
+            <a:extLst>
+              <a:ext uri="{FF2B5EF4-FFF2-40B4-BE49-F238E27FC236}">
+                <a16:creationId xmlns:a16="http://schemas.microsoft.com/office/drawing/2014/main" id="{96649079-2919-42D1-BE35-C91A1B8F8194}"/>
+              </a:ext>
+            </a:extLst>
+          </p:cNvPr>
+          <p:cNvSpPr/>
+          <p:nvPr/>
+        </p:nvSpPr>
+        <p:spPr>
+          <a:xfrm>
+            <a:off x="232753" y="2460010"/>
+            <a:ext cx="6512112" cy="2585323"/>
+          </a:xfrm>
+          <a:prstGeom prst="rect">
+            <a:avLst/>
+          </a:prstGeom>
+          <a:noFill/>
+        </p:spPr>
+        <p:txBody>
+          <a:bodyPr wrap="square" lIns="91440" tIns="45720" rIns="91440" bIns="45720">
+            <a:spAutoFit/>
+          </a:bodyPr>
+          <a:lstStyle/>
+          <a:p>
+            <a:r>
+              <a:rPr lang="en-US" sz="4000" b="1" dirty="0">
+                <a:ln w="0"/>
+                <a:effectLst>
+                  <a:outerShdw blurRad="38100" dist="19050" dir="2700000" algn="tl" rotWithShape="0">
+                    <a:schemeClr val="dk1">
+                      <a:alpha val="40000"/>
+                    </a:schemeClr>
+                  </a:outerShdw>
+                </a:effectLst>
+              </a:rPr>
+              <a:t>Interactive</a:t>
+            </a:r>
+          </a:p>
+          <a:p>
+            <a:r>
+              <a:rPr lang="en-US" sz="5400" b="1" dirty="0">
+                <a:ln w="0"/>
+                <a:effectLst>
+                  <a:outerShdw blurRad="38100" dist="19050" dir="2700000" algn="tl" rotWithShape="0">
+                    <a:schemeClr val="dk1">
+                      <a:alpha val="40000"/>
+                    </a:schemeClr>
+                  </a:outerShdw>
+                </a:effectLst>
+              </a:rPr>
+              <a:t>Microservices</a:t>
+            </a:r>
+            <a:r>
+              <a:rPr lang="en-US" sz="3200" b="1" dirty="0">
+                <a:ln w="0"/>
+                <a:effectLst>
+                  <a:outerShdw blurRad="38100" dist="19050" dir="2700000" algn="tl" rotWithShape="0">
+                    <a:schemeClr val="dk1">
+                      <a:alpha val="40000"/>
+                    </a:schemeClr>
+                  </a:outerShdw>
+                </a:effectLst>
+              </a:rPr>
+              <a:t> </a:t>
+            </a:r>
+          </a:p>
+          <a:p>
+            <a:r>
+              <a:rPr lang="en-US" sz="3200" b="1" dirty="0">
+                <a:ln w="0"/>
+                <a:effectLst>
+                  <a:outerShdw blurRad="38100" dist="19050" dir="2700000" algn="tl" rotWithShape="0">
+                    <a:schemeClr val="dk1">
+                      <a:alpha val="40000"/>
+                    </a:schemeClr>
+                  </a:outerShdw>
+                </a:effectLst>
+              </a:rPr>
+              <a:t>System for </a:t>
+            </a:r>
+            <a:r>
+              <a:rPr lang="en-US" sz="3600" b="1" dirty="0">
+                <a:ln w="0"/>
+                <a:effectLst>
+                  <a:outerShdw blurRad="38100" dist="19050" dir="2700000" algn="tl" rotWithShape="0">
+                    <a:schemeClr val="dk1">
+                      <a:alpha val="40000"/>
+                    </a:schemeClr>
+                  </a:outerShdw>
+                </a:effectLst>
+              </a:rPr>
+              <a:t>student services</a:t>
+            </a:r>
+          </a:p>
+          <a:p>
+            <a:pPr algn="ctr"/>
+            <a:r>
+              <a:rPr lang="en-US" sz="3200" b="0" cap="none" spc="0" dirty="0">
+                <a:ln w="0"/>
+                <a:solidFill>
+                  <a:schemeClr val="tx1"/>
+                </a:solidFill>
+                <a:effectLst>
+                  <a:outerShdw blurRad="38100" dist="19050" dir="2700000" algn="tl" rotWithShape="0">
+                    <a:schemeClr val="dk1">
+                      <a:alpha val="40000"/>
+                    </a:schemeClr>
+                  </a:outerShdw>
+                </a:effectLst>
+              </a:rPr>
+              <a:t> </a:t>
+            </a:r>
+          </a:p>
+        </p:txBody>
+      </p:sp>
+      <p:pic>
+        <p:nvPicPr>
+          <p:cNvPr id="8" name="Picture 7">
+            <a:extLst>
+              <a:ext uri="{FF2B5EF4-FFF2-40B4-BE49-F238E27FC236}">
+                <a16:creationId xmlns:a16="http://schemas.microsoft.com/office/drawing/2014/main" id="{1A423CD4-BE45-46E8-8A0C-FF92638B0CED}"/>
+              </a:ext>
+            </a:extLst>
+          </p:cNvPr>
+          <p:cNvPicPr>
+            <a:picLocks noChangeAspect="1"/>
+          </p:cNvPicPr>
+          <p:nvPr/>
+        </p:nvPicPr>
+        <p:blipFill>
+          <a:blip r:embed="rId2">
+            <a:extLst>
+              <a:ext uri="{BEBA8EAE-BF5A-486C-A8C5-ECC9F3942E4B}">
+                <a14:imgProps xmlns:a14="http://schemas.microsoft.com/office/drawing/2010/main">
+                  <a14:imgLayer r:embed="rId3">
+                    <a14:imgEffect>
+                      <a14:backgroundRemoval t="4036" b="93274" l="5310" r="95575">
+                        <a14:foregroundMark x1="34513" y1="20628" x2="34513" y2="20628"/>
+                        <a14:foregroundMark x1="34513" y1="21525" x2="34513" y2="21525"/>
+                        <a14:foregroundMark x1="34513" y1="21525" x2="34513" y2="21525"/>
+                        <a14:foregroundMark x1="23009" y1="31390" x2="33628" y2="26009"/>
+                        <a14:foregroundMark x1="46903" y1="10762" x2="21681" y2="35874"/>
+                        <a14:foregroundMark x1="67257" y1="9865" x2="38053" y2="10314"/>
+                        <a14:foregroundMark x1="38053" y1="10314" x2="16814" y2="21076"/>
+                        <a14:foregroundMark x1="16814" y1="21076" x2="14602" y2="37668"/>
+                        <a14:foregroundMark x1="14159" y1="30942" x2="9292" y2="59641"/>
+                        <a14:foregroundMark x1="9292" y1="59641" x2="14602" y2="68610"/>
+                        <a14:foregroundMark x1="15929" y1="53812" x2="16814" y2="79821"/>
+                        <a14:foregroundMark x1="16814" y1="79821" x2="44248" y2="86547"/>
+                        <a14:foregroundMark x1="69027" y1="88341" x2="83186" y2="66368"/>
+                        <a14:foregroundMark x1="83186" y1="66368" x2="86726" y2="39910"/>
+                        <a14:foregroundMark x1="73451" y1="85202" x2="28319" y2="85202"/>
+                        <a14:foregroundMark x1="30973" y1="88789" x2="58850" y2="93274"/>
+                        <a14:foregroundMark x1="87611" y1="29148" x2="90708" y2="52915"/>
+                        <a14:foregroundMark x1="90708" y1="52915" x2="87168" y2="75336"/>
+                        <a14:foregroundMark x1="87168" y1="75336" x2="68142" y2="89238"/>
+                        <a14:foregroundMark x1="68142" y1="89238" x2="44248" y2="93274"/>
+                        <a14:foregroundMark x1="92035" y1="64574" x2="92035" y2="37668"/>
+                        <a14:foregroundMark x1="28761" y1="77578" x2="13717" y2="59641"/>
+                        <a14:foregroundMark x1="13717" y1="59641" x2="13274" y2="58296"/>
+                        <a14:foregroundMark x1="6195" y1="60090" x2="5752" y2="47534"/>
+                        <a14:foregroundMark x1="48673" y1="4484" x2="48673" y2="4484"/>
+                        <a14:foregroundMark x1="88496" y1="61435" x2="84956" y2="61435"/>
+                        <a14:foregroundMark x1="94690" y1="44395" x2="95575" y2="51570"/>
+                        <a14:backgroundMark x1="14602" y1="9865" x2="14602" y2="9865"/>
+                        <a14:backgroundMark x1="14602" y1="9865" x2="14602" y2="9865"/>
+                        <a14:backgroundMark x1="14602" y1="9865" x2="14602" y2="9865"/>
+                        <a14:backgroundMark x1="14602" y1="9865" x2="9292" y2="14798"/>
+                        <a14:backgroundMark x1="11504" y1="9417" x2="11504" y2="9417"/>
+                        <a14:backgroundMark x1="11504" y1="9417" x2="8061" y2="19885"/>
+                      </a14:backgroundRemoval>
+                    </a14:imgEffect>
+                  </a14:imgLayer>
+                </a14:imgProps>
+              </a:ext>
+              <a:ext uri="{28A0092B-C50C-407E-A947-70E740481C1C}">
+                <a14:useLocalDpi xmlns:a14="http://schemas.microsoft.com/office/drawing/2010/main" val="0"/>
+              </a:ext>
+            </a:extLst>
+          </a:blip>
+          <a:stretch>
+            <a:fillRect/>
+          </a:stretch>
+        </p:blipFill>
+        <p:spPr>
+          <a:xfrm>
+            <a:off x="280521" y="294493"/>
+            <a:ext cx="1065091" cy="1050952"/>
+          </a:xfrm>
+          <a:prstGeom prst="rect">
+            <a:avLst/>
+          </a:prstGeom>
+        </p:spPr>
+      </p:pic>
+      <p:sp>
+        <p:nvSpPr>
+          <p:cNvPr id="15" name="Rectangle 14">
+            <a:extLst>
+              <a:ext uri="{FF2B5EF4-FFF2-40B4-BE49-F238E27FC236}">
+                <a16:creationId xmlns:a16="http://schemas.microsoft.com/office/drawing/2014/main" id="{72C76AE4-A2D7-407A-8EFE-187C405A4B82}"/>
+              </a:ext>
+            </a:extLst>
+          </p:cNvPr>
+          <p:cNvSpPr/>
+          <p:nvPr/>
+        </p:nvSpPr>
+        <p:spPr>
+          <a:xfrm>
+            <a:off x="1629902" y="7535233"/>
+            <a:ext cx="3717814" cy="892552"/>
+          </a:xfrm>
+          <a:prstGeom prst="rect">
+            <a:avLst/>
+          </a:prstGeom>
+          <a:noFill/>
+        </p:spPr>
+        <p:txBody>
+          <a:bodyPr wrap="none" lIns="91440" tIns="45720" rIns="91440" bIns="45720">
+            <a:spAutoFit/>
+          </a:bodyPr>
+          <a:lstStyle/>
+          <a:p>
+            <a:pPr algn="ctr"/>
+            <a:r>
+              <a:rPr lang="en-US" sz="2000" b="1" dirty="0">
+                <a:ln w="0"/>
+                <a:effectLst>
+                  <a:outerShdw blurRad="38100" dist="19050" dir="2700000" algn="tl" rotWithShape="0">
+                    <a:schemeClr val="dk1">
+                      <a:alpha val="40000"/>
+                    </a:schemeClr>
+                  </a:outerShdw>
+                </a:effectLst>
+              </a:rPr>
+              <a:t>Supervised by</a:t>
+            </a:r>
+          </a:p>
+          <a:p>
+            <a:pPr algn="ctr"/>
+            <a:r>
+              <a:rPr lang="en-US" sz="3200" b="1" dirty="0">
+                <a:ln w="0"/>
+                <a:effectLst>
+                  <a:outerShdw blurRad="38100" dist="19050" dir="2700000" algn="tl" rotWithShape="0">
+                    <a:schemeClr val="dk1">
+                      <a:alpha val="40000"/>
+                    </a:schemeClr>
+                  </a:outerShdw>
+                </a:effectLst>
+              </a:rPr>
+              <a:t>Dr. Samir </a:t>
+            </a:r>
+            <a:r>
+              <a:rPr lang="en-US" sz="3200" b="1" dirty="0" err="1">
+                <a:ln w="0"/>
+                <a:effectLst>
+                  <a:outerShdw blurRad="38100" dist="19050" dir="2700000" algn="tl" rotWithShape="0">
+                    <a:schemeClr val="dk1">
+                      <a:alpha val="40000"/>
+                    </a:schemeClr>
+                  </a:outerShdw>
+                </a:effectLst>
+              </a:rPr>
+              <a:t>Abdelrazek</a:t>
+            </a:r>
+            <a:endParaRPr lang="en-US" sz="3200" b="1" dirty="0">
+              <a:ln w="0"/>
+              <a:effectLst>
+                <a:outerShdw blurRad="38100" dist="19050" dir="2700000" algn="tl" rotWithShape="0">
+                  <a:schemeClr val="dk1">
+                    <a:alpha val="40000"/>
+                  </a:schemeClr>
+                </a:outerShdw>
+              </a:effectLst>
+            </a:endParaRPr>
+          </a:p>
+        </p:txBody>
+      </p:sp>
+      <p:pic>
+        <p:nvPicPr>
+          <p:cNvPr id="18" name="Picture 4">
+            <a:extLst>
+              <a:ext uri="{FF2B5EF4-FFF2-40B4-BE49-F238E27FC236}">
+                <a16:creationId xmlns:a16="http://schemas.microsoft.com/office/drawing/2014/main" id="{1665245D-2668-465B-A0A4-B171D7248462}"/>
+              </a:ext>
+            </a:extLst>
+          </p:cNvPr>
+          <p:cNvPicPr>
+            <a:picLocks noChangeAspect="1" noChangeArrowheads="1"/>
+          </p:cNvPicPr>
+          <p:nvPr/>
+        </p:nvPicPr>
+        <p:blipFill rotWithShape="1">
+          <a:blip r:embed="rId4">
+            <a:extLst>
+              <a:ext uri="{28A0092B-C50C-407E-A947-70E740481C1C}">
+                <a14:useLocalDpi xmlns:a14="http://schemas.microsoft.com/office/drawing/2010/main" val="0"/>
+              </a:ext>
+            </a:extLst>
+          </a:blip>
+          <a:srcRect b="18222"/>
+          <a:stretch/>
+        </p:blipFill>
+        <p:spPr bwMode="auto">
+          <a:xfrm>
+            <a:off x="4946437" y="228224"/>
+            <a:ext cx="2280862" cy="1183491"/>
+          </a:xfrm>
+          <a:prstGeom prst="rect">
+            <a:avLst/>
+          </a:prstGeom>
+          <a:noFill/>
+          <a:effectLst>
+            <a:glow rad="228600">
+              <a:schemeClr val="accent5">
+                <a:satMod val="175000"/>
+                <a:alpha val="40000"/>
+              </a:schemeClr>
+            </a:glow>
+          </a:effectLst>
+          <a:extLst>
+            <a:ext uri="{909E8E84-426E-40DD-AFC4-6F175D3DCCD1}">
+              <a14:hiddenFill xmlns:a14="http://schemas.microsoft.com/office/drawing/2010/main">
+                <a:solidFill>
+                  <a:srgbClr val="FFFFFF"/>
+                </a:solidFill>
+              </a14:hiddenFill>
+            </a:ext>
+          </a:extLst>
+        </p:spPr>
+      </p:pic>
+      <p:pic>
+        <p:nvPicPr>
+          <p:cNvPr id="3" name="Picture 2" descr="A close up of a logo&#10;&#10;Description automatically generated">
+            <a:extLst>
+              <a:ext uri="{FF2B5EF4-FFF2-40B4-BE49-F238E27FC236}">
+                <a16:creationId xmlns:a16="http://schemas.microsoft.com/office/drawing/2014/main" id="{A206C6D7-680E-4B01-B7AA-95408D6F608E}"/>
+              </a:ext>
+            </a:extLst>
+          </p:cNvPr>
+          <p:cNvPicPr>
+            <a:picLocks noChangeAspect="1"/>
+          </p:cNvPicPr>
+          <p:nvPr/>
+        </p:nvPicPr>
+        <p:blipFill>
+          <a:blip r:embed="rId5">
+            <a:extLst>
+              <a:ext uri="{28A0092B-C50C-407E-A947-70E740481C1C}">
+                <a14:useLocalDpi xmlns:a14="http://schemas.microsoft.com/office/drawing/2010/main" val="0"/>
+              </a:ext>
+            </a:extLst>
+          </a:blip>
+          <a:stretch>
+            <a:fillRect/>
+          </a:stretch>
+        </p:blipFill>
+        <p:spPr>
+          <a:xfrm>
+            <a:off x="280521" y="4670266"/>
+            <a:ext cx="4349799" cy="1100987"/>
+          </a:xfrm>
+          <a:prstGeom prst="rect">
+            <a:avLst/>
+          </a:prstGeom>
+        </p:spPr>
+      </p:pic>
+    </p:spTree>
+    <p:extLst>
+      <p:ext uri="{BB962C8B-B14F-4D97-AF65-F5344CB8AC3E}">
+        <p14:creationId xmlns:p14="http://schemas.microsoft.com/office/powerpoint/2010/main" val="2256775722"/>
+      </p:ext>
+    </p:extLst>
+  </p:cSld>
+  <p:clrMapOvr>
+    <a:masterClrMapping/>
+  </p:clrMapOvr>
+</p:sld>
+</file>
+
+<file path=ppt/slides/slide4.xml><?xml version="1.0" encoding="utf-8"?>
+<p:sld xmlns:a="http://schemas.openxmlformats.org/drawingml/2006/main" xmlns:r="http://schemas.openxmlformats.org/officeDocument/2006/relationships" xmlns:p="http://schemas.openxmlformats.org/presentationml/2006/main">
+  <p:cSld>
+    <p:bg>
+      <p:bgPr>
+        <a:blipFill dpi="0" rotWithShape="1">
+          <a:blip r:embed="rId2">
+            <a:alphaModFix amt="58000"/>
+            <a:lum/>
+          </a:blip>
+          <a:srcRect/>
+          <a:stretch>
+            <a:fillRect l="-31000" r="-31000"/>
+          </a:stretch>
+        </a:blipFill>
+        <a:effectLst/>
+      </p:bgPr>
+    </p:bg>
+    <p:spTree>
+      <p:nvGrpSpPr>
+        <p:cNvPr id="1" name=""/>
+        <p:cNvGrpSpPr/>
+        <p:nvPr/>
+      </p:nvGrpSpPr>
+      <p:grpSpPr>
+        <a:xfrm>
+          <a:off x="0" y="0"/>
+          <a:ext cx="0" cy="0"/>
+          <a:chOff x="0" y="0"/>
+          <a:chExt cx="0" cy="0"/>
+        </a:xfrm>
+      </p:grpSpPr>
+      <p:sp>
+        <p:nvSpPr>
+          <p:cNvPr id="9" name="Rectangle 8">
+            <a:extLst>
+              <a:ext uri="{FF2B5EF4-FFF2-40B4-BE49-F238E27FC236}">
+                <a16:creationId xmlns:a16="http://schemas.microsoft.com/office/drawing/2014/main" id="{96649079-2919-42D1-BE35-C91A1B8F8194}"/>
+              </a:ext>
+            </a:extLst>
+          </p:cNvPr>
+          <p:cNvSpPr/>
+          <p:nvPr/>
+        </p:nvSpPr>
+        <p:spPr>
+          <a:xfrm>
+            <a:off x="232753" y="2460010"/>
+            <a:ext cx="6512112" cy="2585323"/>
+          </a:xfrm>
+          <a:prstGeom prst="rect">
+            <a:avLst/>
+          </a:prstGeom>
+          <a:noFill/>
+        </p:spPr>
+        <p:txBody>
+          <a:bodyPr wrap="square" lIns="91440" tIns="45720" rIns="91440" bIns="45720">
+            <a:spAutoFit/>
+          </a:bodyPr>
+          <a:lstStyle/>
+          <a:p>
+            <a:pPr algn="ctr"/>
+            <a:r>
+              <a:rPr lang="en-US" sz="4000" b="1" dirty="0">
+                <a:ln w="0"/>
+                <a:solidFill>
+                  <a:schemeClr val="bg1"/>
+                </a:solidFill>
+                <a:effectLst>
+                  <a:outerShdw blurRad="38100" dist="19050" dir="2700000" algn="tl" rotWithShape="0">
+                    <a:schemeClr val="dk1">
+                      <a:alpha val="40000"/>
+                    </a:schemeClr>
+                  </a:outerShdw>
+                </a:effectLst>
+              </a:rPr>
+              <a:t>Interactive</a:t>
+            </a:r>
+          </a:p>
+          <a:p>
+            <a:pPr algn="ctr"/>
+            <a:r>
+              <a:rPr lang="en-US" sz="5400" b="1" dirty="0">
+                <a:ln w="0"/>
+                <a:solidFill>
+                  <a:schemeClr val="bg1"/>
+                </a:solidFill>
+                <a:effectLst>
+                  <a:outerShdw blurRad="38100" dist="19050" dir="2700000" algn="tl" rotWithShape="0">
+                    <a:schemeClr val="dk1">
+                      <a:alpha val="40000"/>
+                    </a:schemeClr>
+                  </a:outerShdw>
+                </a:effectLst>
+              </a:rPr>
+              <a:t>Microservices</a:t>
+            </a:r>
+            <a:r>
+              <a:rPr lang="en-US" sz="3200" b="1" dirty="0">
+                <a:ln w="0"/>
+                <a:solidFill>
+                  <a:schemeClr val="bg1"/>
+                </a:solidFill>
+                <a:effectLst>
+                  <a:outerShdw blurRad="38100" dist="19050" dir="2700000" algn="tl" rotWithShape="0">
+                    <a:schemeClr val="dk1">
+                      <a:alpha val="40000"/>
+                    </a:schemeClr>
+                  </a:outerShdw>
+                </a:effectLst>
+              </a:rPr>
+              <a:t> </a:t>
+            </a:r>
+          </a:p>
+          <a:p>
+            <a:pPr algn="ctr"/>
+            <a:r>
+              <a:rPr lang="en-US" sz="3200" b="1" dirty="0">
+                <a:ln w="0"/>
+                <a:solidFill>
+                  <a:schemeClr val="bg1"/>
+                </a:solidFill>
+                <a:effectLst>
+                  <a:outerShdw blurRad="38100" dist="19050" dir="2700000" algn="tl" rotWithShape="0">
+                    <a:schemeClr val="dk1">
+                      <a:alpha val="40000"/>
+                    </a:schemeClr>
+                  </a:outerShdw>
+                </a:effectLst>
+              </a:rPr>
+              <a:t>System for </a:t>
+            </a:r>
+            <a:r>
+              <a:rPr lang="en-US" sz="3600" b="1" dirty="0">
+                <a:ln w="0"/>
+                <a:solidFill>
+                  <a:schemeClr val="bg1"/>
+                </a:solidFill>
+                <a:effectLst>
+                  <a:outerShdw blurRad="38100" dist="19050" dir="2700000" algn="tl" rotWithShape="0">
+                    <a:schemeClr val="dk1">
+                      <a:alpha val="40000"/>
+                    </a:schemeClr>
+                  </a:outerShdw>
+                </a:effectLst>
+              </a:rPr>
+              <a:t>student services</a:t>
+            </a:r>
+          </a:p>
+          <a:p>
+            <a:pPr algn="ctr"/>
+            <a:r>
+              <a:rPr lang="en-US" sz="3200" b="0" cap="none" spc="0" dirty="0">
+                <a:ln w="0"/>
+                <a:solidFill>
+                  <a:schemeClr val="tx1"/>
+                </a:solidFill>
+                <a:effectLst>
+                  <a:outerShdw blurRad="38100" dist="19050" dir="2700000" algn="tl" rotWithShape="0">
+                    <a:schemeClr val="dk1">
+                      <a:alpha val="40000"/>
+                    </a:schemeClr>
+                  </a:outerShdw>
+                </a:effectLst>
+              </a:rPr>
+              <a:t> </a:t>
+            </a:r>
+          </a:p>
+        </p:txBody>
+      </p:sp>
+      <p:pic>
+        <p:nvPicPr>
+          <p:cNvPr id="8" name="Picture 7">
+            <a:extLst>
+              <a:ext uri="{FF2B5EF4-FFF2-40B4-BE49-F238E27FC236}">
+                <a16:creationId xmlns:a16="http://schemas.microsoft.com/office/drawing/2014/main" id="{1A423CD4-BE45-46E8-8A0C-FF92638B0CED}"/>
+              </a:ext>
+            </a:extLst>
+          </p:cNvPr>
+          <p:cNvPicPr>
+            <a:picLocks noChangeAspect="1"/>
+          </p:cNvPicPr>
+          <p:nvPr/>
+        </p:nvPicPr>
+        <p:blipFill>
+          <a:blip r:embed="rId3">
+            <a:extLst>
+              <a:ext uri="{BEBA8EAE-BF5A-486C-A8C5-ECC9F3942E4B}">
+                <a14:imgProps xmlns:a14="http://schemas.microsoft.com/office/drawing/2010/main">
+                  <a14:imgLayer r:embed="rId4">
+                    <a14:imgEffect>
+                      <a14:backgroundRemoval t="4036" b="93274" l="5310" r="95575">
+                        <a14:foregroundMark x1="34513" y1="20628" x2="34513" y2="20628"/>
+                        <a14:foregroundMark x1="34513" y1="21525" x2="34513" y2="21525"/>
+                        <a14:foregroundMark x1="34513" y1="21525" x2="34513" y2="21525"/>
+                        <a14:foregroundMark x1="23009" y1="31390" x2="33628" y2="26009"/>
+                        <a14:foregroundMark x1="46903" y1="10762" x2="21681" y2="35874"/>
+                        <a14:foregroundMark x1="67257" y1="9865" x2="38053" y2="10314"/>
+                        <a14:foregroundMark x1="38053" y1="10314" x2="16814" y2="21076"/>
+                        <a14:foregroundMark x1="16814" y1="21076" x2="14602" y2="37668"/>
+                        <a14:foregroundMark x1="14159" y1="30942" x2="9292" y2="59641"/>
+                        <a14:foregroundMark x1="9292" y1="59641" x2="14602" y2="68610"/>
+                        <a14:foregroundMark x1="15929" y1="53812" x2="16814" y2="79821"/>
+                        <a14:foregroundMark x1="16814" y1="79821" x2="44248" y2="86547"/>
+                        <a14:foregroundMark x1="69027" y1="88341" x2="83186" y2="66368"/>
+                        <a14:foregroundMark x1="83186" y1="66368" x2="86726" y2="39910"/>
+                        <a14:foregroundMark x1="73451" y1="85202" x2="28319" y2="85202"/>
+                        <a14:foregroundMark x1="30973" y1="88789" x2="58850" y2="93274"/>
+                        <a14:foregroundMark x1="87611" y1="29148" x2="90708" y2="52915"/>
+                        <a14:foregroundMark x1="90708" y1="52915" x2="87168" y2="75336"/>
+                        <a14:foregroundMark x1="87168" y1="75336" x2="68142" y2="89238"/>
+                        <a14:foregroundMark x1="68142" y1="89238" x2="44248" y2="93274"/>
+                        <a14:foregroundMark x1="92035" y1="64574" x2="92035" y2="37668"/>
+                        <a14:foregroundMark x1="28761" y1="77578" x2="13717" y2="59641"/>
+                        <a14:foregroundMark x1="13717" y1="59641" x2="13274" y2="58296"/>
+                        <a14:foregroundMark x1="6195" y1="60090" x2="5752" y2="47534"/>
+                        <a14:foregroundMark x1="48673" y1="4484" x2="48673" y2="4484"/>
+                        <a14:foregroundMark x1="88496" y1="61435" x2="84956" y2="61435"/>
+                        <a14:foregroundMark x1="94690" y1="44395" x2="95575" y2="51570"/>
+                        <a14:backgroundMark x1="14602" y1="9865" x2="14602" y2="9865"/>
+                        <a14:backgroundMark x1="14602" y1="9865" x2="14602" y2="9865"/>
+                        <a14:backgroundMark x1="14602" y1="9865" x2="14602" y2="9865"/>
+                        <a14:backgroundMark x1="14602" y1="9865" x2="9292" y2="14798"/>
+                        <a14:backgroundMark x1="11504" y1="9417" x2="11504" y2="9417"/>
+                        <a14:backgroundMark x1="11504" y1="9417" x2="8061" y2="19885"/>
+                      </a14:backgroundRemoval>
+                    </a14:imgEffect>
+                  </a14:imgLayer>
+                </a14:imgProps>
+              </a:ext>
+              <a:ext uri="{28A0092B-C50C-407E-A947-70E740481C1C}">
+                <a14:useLocalDpi xmlns:a14="http://schemas.microsoft.com/office/drawing/2010/main" val="0"/>
+              </a:ext>
+            </a:extLst>
+          </a:blip>
+          <a:stretch>
+            <a:fillRect/>
+          </a:stretch>
+        </p:blipFill>
+        <p:spPr>
+          <a:xfrm>
+            <a:off x="280521" y="294493"/>
+            <a:ext cx="1065091" cy="1050952"/>
+          </a:xfrm>
+          <a:prstGeom prst="rect">
+            <a:avLst/>
+          </a:prstGeom>
+        </p:spPr>
+      </p:pic>
+      <p:sp>
+        <p:nvSpPr>
+          <p:cNvPr id="15" name="Rectangle 14">
+            <a:extLst>
+              <a:ext uri="{FF2B5EF4-FFF2-40B4-BE49-F238E27FC236}">
+                <a16:creationId xmlns:a16="http://schemas.microsoft.com/office/drawing/2014/main" id="{72C76AE4-A2D7-407A-8EFE-187C405A4B82}"/>
+              </a:ext>
+            </a:extLst>
+          </p:cNvPr>
+          <p:cNvSpPr/>
+          <p:nvPr/>
+        </p:nvSpPr>
+        <p:spPr>
+          <a:xfrm>
+            <a:off x="1345612" y="8634592"/>
+            <a:ext cx="3717814" cy="892552"/>
+          </a:xfrm>
+          <a:prstGeom prst="rect">
+            <a:avLst/>
+          </a:prstGeom>
+          <a:noFill/>
+        </p:spPr>
+        <p:txBody>
+          <a:bodyPr wrap="none" lIns="91440" tIns="45720" rIns="91440" bIns="45720">
+            <a:spAutoFit/>
+          </a:bodyPr>
+          <a:lstStyle/>
+          <a:p>
+            <a:pPr algn="ctr"/>
+            <a:r>
+              <a:rPr lang="en-US" sz="2000" b="1" dirty="0">
+                <a:ln w="0"/>
+                <a:effectLst>
+                  <a:outerShdw blurRad="38100" dist="19050" dir="2700000" algn="tl" rotWithShape="0">
+                    <a:schemeClr val="dk1">
+                      <a:alpha val="40000"/>
+                    </a:schemeClr>
+                  </a:outerShdw>
+                </a:effectLst>
+              </a:rPr>
+              <a:t>Supervised by</a:t>
+            </a:r>
+          </a:p>
+          <a:p>
+            <a:pPr algn="ctr"/>
+            <a:r>
+              <a:rPr lang="en-US" sz="3200" b="1" dirty="0">
+                <a:ln w="0"/>
+                <a:effectLst>
+                  <a:outerShdw blurRad="38100" dist="19050" dir="2700000" algn="tl" rotWithShape="0">
+                    <a:schemeClr val="dk1">
+                      <a:alpha val="40000"/>
+                    </a:schemeClr>
+                  </a:outerShdw>
+                </a:effectLst>
+              </a:rPr>
+              <a:t>Dr. Samir </a:t>
+            </a:r>
+            <a:r>
+              <a:rPr lang="en-US" sz="3200" b="1" dirty="0" err="1">
+                <a:ln w="0"/>
+                <a:effectLst>
+                  <a:outerShdw blurRad="38100" dist="19050" dir="2700000" algn="tl" rotWithShape="0">
+                    <a:schemeClr val="dk1">
+                      <a:alpha val="40000"/>
+                    </a:schemeClr>
+                  </a:outerShdw>
+                </a:effectLst>
+              </a:rPr>
+              <a:t>Abdelrazek</a:t>
+            </a:r>
+            <a:endParaRPr lang="en-US" sz="3200" b="1" dirty="0">
+              <a:ln w="0"/>
+              <a:effectLst>
+                <a:outerShdw blurRad="38100" dist="19050" dir="2700000" algn="tl" rotWithShape="0">
+                  <a:schemeClr val="dk1">
+                    <a:alpha val="40000"/>
+                  </a:schemeClr>
+                </a:outerShdw>
+              </a:effectLst>
+            </a:endParaRPr>
+          </a:p>
+        </p:txBody>
+      </p:sp>
+      <p:pic>
+        <p:nvPicPr>
+          <p:cNvPr id="18" name="Picture 4">
+            <a:extLst>
+              <a:ext uri="{FF2B5EF4-FFF2-40B4-BE49-F238E27FC236}">
+                <a16:creationId xmlns:a16="http://schemas.microsoft.com/office/drawing/2014/main" id="{1665245D-2668-465B-A0A4-B171D7248462}"/>
+              </a:ext>
+            </a:extLst>
+          </p:cNvPr>
+          <p:cNvPicPr>
+            <a:picLocks noChangeAspect="1" noChangeArrowheads="1"/>
+          </p:cNvPicPr>
+          <p:nvPr/>
+        </p:nvPicPr>
+        <p:blipFill rotWithShape="1">
+          <a:blip r:embed="rId5">
+            <a:extLst>
+              <a:ext uri="{28A0092B-C50C-407E-A947-70E740481C1C}">
+                <a14:useLocalDpi xmlns:a14="http://schemas.microsoft.com/office/drawing/2010/main" val="0"/>
+              </a:ext>
+            </a:extLst>
+          </a:blip>
+          <a:srcRect b="18222"/>
+          <a:stretch/>
+        </p:blipFill>
+        <p:spPr bwMode="auto">
+          <a:xfrm>
+            <a:off x="4946437" y="228224"/>
+            <a:ext cx="2280862" cy="1183491"/>
+          </a:xfrm>
+          <a:prstGeom prst="rect">
+            <a:avLst/>
+          </a:prstGeom>
+          <a:noFill/>
+          <a:effectLst>
+            <a:glow rad="228600">
+              <a:schemeClr val="accent5">
+                <a:satMod val="175000"/>
+                <a:alpha val="40000"/>
+              </a:schemeClr>
+            </a:glow>
+          </a:effectLst>
+          <a:extLst>
+            <a:ext uri="{909E8E84-426E-40DD-AFC4-6F175D3DCCD1}">
+              <a14:hiddenFill xmlns:a14="http://schemas.microsoft.com/office/drawing/2010/main">
+                <a:solidFill>
+                  <a:srgbClr val="FFFFFF"/>
+                </a:solidFill>
+              </a14:hiddenFill>
+            </a:ext>
+          </a:extLst>
+        </p:spPr>
+      </p:pic>
+      <p:pic>
+        <p:nvPicPr>
+          <p:cNvPr id="3" name="Picture 2" descr="A close up of a logo&#10;&#10;Description automatically generated">
+            <a:extLst>
+              <a:ext uri="{FF2B5EF4-FFF2-40B4-BE49-F238E27FC236}">
+                <a16:creationId xmlns:a16="http://schemas.microsoft.com/office/drawing/2014/main" id="{A206C6D7-680E-4B01-B7AA-95408D6F608E}"/>
+              </a:ext>
+            </a:extLst>
+          </p:cNvPr>
+          <p:cNvPicPr>
+            <a:picLocks noChangeAspect="1"/>
+          </p:cNvPicPr>
+          <p:nvPr/>
+        </p:nvPicPr>
+        <p:blipFill>
+          <a:blip r:embed="rId6">
+            <a:extLst>
+              <a:ext uri="{28A0092B-C50C-407E-A947-70E740481C1C}">
+                <a14:useLocalDpi xmlns:a14="http://schemas.microsoft.com/office/drawing/2010/main" val="0"/>
+              </a:ext>
+            </a:extLst>
+          </a:blip>
+          <a:stretch>
+            <a:fillRect/>
+          </a:stretch>
+        </p:blipFill>
+        <p:spPr>
+          <a:xfrm>
+            <a:off x="1254100" y="4776651"/>
+            <a:ext cx="4349799" cy="1100987"/>
+          </a:xfrm>
+          <a:prstGeom prst="rect">
+            <a:avLst/>
+          </a:prstGeom>
+          <a:ln>
+            <a:noFill/>
+          </a:ln>
+          <a:effectLst>
+            <a:outerShdw blurRad="292100" dist="139700" dir="2700000" algn="tl" rotWithShape="0">
+              <a:srgbClr val="333333">
+                <a:alpha val="65000"/>
+              </a:srgbClr>
+            </a:outerShdw>
+          </a:effectLst>
+        </p:spPr>
+      </p:pic>
+    </p:spTree>
+    <p:extLst>
+      <p:ext uri="{BB962C8B-B14F-4D97-AF65-F5344CB8AC3E}">
+        <p14:creationId xmlns:p14="http://schemas.microsoft.com/office/powerpoint/2010/main" val="1633807375"/>
+      </p:ext>
+    </p:extLst>
+  </p:cSld>
+  <p:clrMapOvr>
+    <a:masterClrMapping/>
+  </p:clrMapOvr>
+</p:sld>
+</file>
+
+<file path=ppt/slides/slide5.xml><?xml version="1.0" encoding="utf-8"?>
+<p:sld xmlns:a="http://schemas.openxmlformats.org/drawingml/2006/main" xmlns:r="http://schemas.openxmlformats.org/officeDocument/2006/relationships" xmlns:p="http://schemas.openxmlformats.org/presentationml/2006/main">
+  <p:cSld>
+    <p:bg>
+      <p:bgPr>
+        <a:blipFill dpi="0" rotWithShape="1">
+          <a:blip r:embed="rId2">
+            <a:lum/>
+          </a:blip>
+          <a:srcRect/>
+          <a:stretch>
+            <a:fillRect l="-10000" r="-10000"/>
+          </a:stretch>
+        </a:blipFill>
+        <a:effectLst/>
+      </p:bgPr>
+    </p:bg>
+    <p:spTree>
+      <p:nvGrpSpPr>
+        <p:cNvPr id="1" name=""/>
+        <p:cNvGrpSpPr/>
+        <p:nvPr/>
+      </p:nvGrpSpPr>
+      <p:grpSpPr>
+        <a:xfrm>
+          <a:off x="0" y="0"/>
+          <a:ext cx="0" cy="0"/>
+          <a:chOff x="0" y="0"/>
+          <a:chExt cx="0" cy="0"/>
+        </a:xfrm>
+      </p:grpSpPr>
+      <p:sp>
+        <p:nvSpPr>
+          <p:cNvPr id="9" name="Rectangle 8">
+            <a:extLst>
+              <a:ext uri="{FF2B5EF4-FFF2-40B4-BE49-F238E27FC236}">
+                <a16:creationId xmlns:a16="http://schemas.microsoft.com/office/drawing/2014/main" id="{96649079-2919-42D1-BE35-C91A1B8F8194}"/>
+              </a:ext>
+            </a:extLst>
+          </p:cNvPr>
+          <p:cNvSpPr/>
+          <p:nvPr/>
+        </p:nvSpPr>
+        <p:spPr>
+          <a:xfrm>
+            <a:off x="1494875" y="3992117"/>
+            <a:ext cx="6512112" cy="1631216"/>
+          </a:xfrm>
+          <a:prstGeom prst="rect">
+            <a:avLst/>
+          </a:prstGeom>
+          <a:noFill/>
+        </p:spPr>
+        <p:txBody>
+          <a:bodyPr wrap="square" lIns="91440" tIns="45720" rIns="91440" bIns="45720">
+            <a:spAutoFit/>
+          </a:bodyPr>
+          <a:lstStyle/>
+          <a:p>
+            <a:pPr algn="ctr"/>
+            <a:r>
+              <a:rPr lang="en-US" sz="2000" b="1" dirty="0">
+                <a:ln w="0"/>
+                <a:solidFill>
+                  <a:schemeClr val="bg1"/>
+                </a:solidFill>
+                <a:effectLst>
+                  <a:outerShdw blurRad="38100" dist="19050" dir="2700000" algn="tl" rotWithShape="0">
+                    <a:schemeClr val="dk1">
+                      <a:alpha val="40000"/>
+                    </a:schemeClr>
+                  </a:outerShdw>
+                </a:effectLst>
+              </a:rPr>
+              <a:t>Interactive</a:t>
+            </a:r>
+          </a:p>
+          <a:p>
+            <a:pPr algn="ctr"/>
+            <a:r>
+              <a:rPr lang="en-US" sz="2800" b="1" dirty="0">
+                <a:ln w="0"/>
+                <a:solidFill>
+                  <a:schemeClr val="bg1"/>
+                </a:solidFill>
+                <a:effectLst>
+                  <a:outerShdw blurRad="38100" dist="19050" dir="2700000" algn="tl" rotWithShape="0">
+                    <a:schemeClr val="dk1">
+                      <a:alpha val="40000"/>
+                    </a:schemeClr>
+                  </a:outerShdw>
+                </a:effectLst>
+              </a:rPr>
+              <a:t>Microservices </a:t>
+            </a:r>
+          </a:p>
+          <a:p>
+            <a:pPr algn="ctr"/>
+            <a:r>
+              <a:rPr lang="en-US" sz="2000" b="1" dirty="0">
+                <a:ln w="0"/>
+                <a:solidFill>
+                  <a:schemeClr val="bg1"/>
+                </a:solidFill>
+                <a:effectLst>
+                  <a:outerShdw blurRad="38100" dist="19050" dir="2700000" algn="tl" rotWithShape="0">
+                    <a:schemeClr val="dk1">
+                      <a:alpha val="40000"/>
+                    </a:schemeClr>
+                  </a:outerShdw>
+                </a:effectLst>
+              </a:rPr>
+              <a:t>System for student services</a:t>
+            </a:r>
+          </a:p>
+          <a:p>
+            <a:pPr algn="ctr"/>
+            <a:r>
+              <a:rPr lang="en-US" sz="3200" b="0" cap="none" spc="0" dirty="0">
+                <a:ln w="0"/>
+                <a:solidFill>
+                  <a:schemeClr val="tx1"/>
+                </a:solidFill>
+                <a:effectLst>
+                  <a:outerShdw blurRad="38100" dist="19050" dir="2700000" algn="tl" rotWithShape="0">
+                    <a:schemeClr val="dk1">
+                      <a:alpha val="40000"/>
+                    </a:schemeClr>
+                  </a:outerShdw>
+                </a:effectLst>
+              </a:rPr>
+              <a:t> </a:t>
+            </a:r>
+          </a:p>
+        </p:txBody>
+      </p:sp>
+      <p:pic>
+        <p:nvPicPr>
+          <p:cNvPr id="8" name="Picture 7">
+            <a:extLst>
+              <a:ext uri="{FF2B5EF4-FFF2-40B4-BE49-F238E27FC236}">
+                <a16:creationId xmlns:a16="http://schemas.microsoft.com/office/drawing/2014/main" id="{1A423CD4-BE45-46E8-8A0C-FF92638B0CED}"/>
+              </a:ext>
+            </a:extLst>
+          </p:cNvPr>
+          <p:cNvPicPr>
+            <a:picLocks noChangeAspect="1"/>
+          </p:cNvPicPr>
+          <p:nvPr/>
+        </p:nvPicPr>
+        <p:blipFill>
+          <a:blip r:embed="rId3">
+            <a:extLst>
+              <a:ext uri="{BEBA8EAE-BF5A-486C-A8C5-ECC9F3942E4B}">
+                <a14:imgProps xmlns:a14="http://schemas.microsoft.com/office/drawing/2010/main">
+                  <a14:imgLayer r:embed="rId4">
+                    <a14:imgEffect>
+                      <a14:backgroundRemoval t="4036" b="93274" l="5310" r="95575">
+                        <a14:foregroundMark x1="34513" y1="20628" x2="34513" y2="20628"/>
+                        <a14:foregroundMark x1="34513" y1="21525" x2="34513" y2="21525"/>
+                        <a14:foregroundMark x1="34513" y1="21525" x2="34513" y2="21525"/>
+                        <a14:foregroundMark x1="23009" y1="31390" x2="33628" y2="26009"/>
+                        <a14:foregroundMark x1="46903" y1="10762" x2="21681" y2="35874"/>
+                        <a14:foregroundMark x1="67257" y1="9865" x2="38053" y2="10314"/>
+                        <a14:foregroundMark x1="38053" y1="10314" x2="16814" y2="21076"/>
+                        <a14:foregroundMark x1="16814" y1="21076" x2="14602" y2="37668"/>
+                        <a14:foregroundMark x1="14159" y1="30942" x2="9292" y2="59641"/>
+                        <a14:foregroundMark x1="9292" y1="59641" x2="14602" y2="68610"/>
+                        <a14:foregroundMark x1="15929" y1="53812" x2="16814" y2="79821"/>
+                        <a14:foregroundMark x1="16814" y1="79821" x2="44248" y2="86547"/>
+                        <a14:foregroundMark x1="69027" y1="88341" x2="83186" y2="66368"/>
+                        <a14:foregroundMark x1="83186" y1="66368" x2="86726" y2="39910"/>
+                        <a14:foregroundMark x1="73451" y1="85202" x2="28319" y2="85202"/>
+                        <a14:foregroundMark x1="30973" y1="88789" x2="58850" y2="93274"/>
+                        <a14:foregroundMark x1="87611" y1="29148" x2="90708" y2="52915"/>
+                        <a14:foregroundMark x1="90708" y1="52915" x2="87168" y2="75336"/>
+                        <a14:foregroundMark x1="87168" y1="75336" x2="68142" y2="89238"/>
+                        <a14:foregroundMark x1="68142" y1="89238" x2="44248" y2="93274"/>
+                        <a14:foregroundMark x1="92035" y1="64574" x2="92035" y2="37668"/>
+                        <a14:foregroundMark x1="28761" y1="77578" x2="13717" y2="59641"/>
+                        <a14:foregroundMark x1="13717" y1="59641" x2="13274" y2="58296"/>
+                        <a14:foregroundMark x1="6195" y1="60090" x2="5752" y2="47534"/>
+                        <a14:foregroundMark x1="48673" y1="4484" x2="48673" y2="4484"/>
+                        <a14:foregroundMark x1="88496" y1="61435" x2="84956" y2="61435"/>
+                        <a14:foregroundMark x1="94690" y1="44395" x2="95575" y2="51570"/>
+                        <a14:backgroundMark x1="14602" y1="9865" x2="14602" y2="9865"/>
+                        <a14:backgroundMark x1="14602" y1="9865" x2="14602" y2="9865"/>
+                        <a14:backgroundMark x1="14602" y1="9865" x2="14602" y2="9865"/>
+                        <a14:backgroundMark x1="14602" y1="9865" x2="9292" y2="14798"/>
+                        <a14:backgroundMark x1="11504" y1="9417" x2="11504" y2="9417"/>
+                        <a14:backgroundMark x1="11504" y1="9417" x2="8061" y2="19885"/>
+                      </a14:backgroundRemoval>
+                    </a14:imgEffect>
+                  </a14:imgLayer>
+                </a14:imgProps>
+              </a:ext>
+              <a:ext uri="{28A0092B-C50C-407E-A947-70E740481C1C}">
+                <a14:useLocalDpi xmlns:a14="http://schemas.microsoft.com/office/drawing/2010/main" val="0"/>
+              </a:ext>
+            </a:extLst>
+          </a:blip>
+          <a:stretch>
+            <a:fillRect/>
+          </a:stretch>
+        </p:blipFill>
+        <p:spPr>
+          <a:xfrm>
+            <a:off x="280521" y="294493"/>
+            <a:ext cx="1065091" cy="1050952"/>
+          </a:xfrm>
+          <a:prstGeom prst="rect">
+            <a:avLst/>
+          </a:prstGeom>
+        </p:spPr>
+      </p:pic>
+      <p:sp>
+        <p:nvSpPr>
+          <p:cNvPr id="15" name="Rectangle 14">
+            <a:extLst>
+              <a:ext uri="{FF2B5EF4-FFF2-40B4-BE49-F238E27FC236}">
+                <a16:creationId xmlns:a16="http://schemas.microsoft.com/office/drawing/2014/main" id="{72C76AE4-A2D7-407A-8EFE-187C405A4B82}"/>
+              </a:ext>
+            </a:extLst>
+          </p:cNvPr>
+          <p:cNvSpPr/>
+          <p:nvPr/>
+        </p:nvSpPr>
+        <p:spPr>
+          <a:xfrm>
+            <a:off x="2892024" y="6553438"/>
+            <a:ext cx="3717814" cy="892552"/>
+          </a:xfrm>
+          <a:prstGeom prst="rect">
+            <a:avLst/>
+          </a:prstGeom>
+          <a:noFill/>
+        </p:spPr>
+        <p:txBody>
+          <a:bodyPr wrap="none" lIns="91440" tIns="45720" rIns="91440" bIns="45720">
+            <a:spAutoFit/>
+          </a:bodyPr>
+          <a:lstStyle/>
+          <a:p>
+            <a:pPr algn="ctr"/>
+            <a:r>
+              <a:rPr lang="en-US" sz="2000" b="1" dirty="0">
+                <a:ln w="0"/>
+                <a:solidFill>
+                  <a:schemeClr val="bg1"/>
+                </a:solidFill>
+                <a:effectLst>
+                  <a:outerShdw blurRad="38100" dist="19050" dir="2700000" algn="tl" rotWithShape="0">
+                    <a:schemeClr val="dk1">
+                      <a:alpha val="40000"/>
+                    </a:schemeClr>
+                  </a:outerShdw>
+                </a:effectLst>
+              </a:rPr>
+              <a:t>Supervised by</a:t>
+            </a:r>
+          </a:p>
+          <a:p>
+            <a:pPr algn="ctr"/>
+            <a:r>
+              <a:rPr lang="en-US" sz="3200" b="1" dirty="0">
+                <a:ln w="0"/>
+                <a:solidFill>
+                  <a:schemeClr val="bg1"/>
+                </a:solidFill>
+                <a:effectLst>
+                  <a:outerShdw blurRad="38100" dist="19050" dir="2700000" algn="tl" rotWithShape="0">
+                    <a:schemeClr val="dk1">
+                      <a:alpha val="40000"/>
+                    </a:schemeClr>
+                  </a:outerShdw>
+                </a:effectLst>
+              </a:rPr>
+              <a:t>Dr. Samir </a:t>
+            </a:r>
+            <a:r>
+              <a:rPr lang="en-US" sz="3200" b="1" dirty="0" err="1">
+                <a:ln w="0"/>
+                <a:solidFill>
+                  <a:schemeClr val="bg1"/>
+                </a:solidFill>
+                <a:effectLst>
+                  <a:outerShdw blurRad="38100" dist="19050" dir="2700000" algn="tl" rotWithShape="0">
+                    <a:schemeClr val="dk1">
+                      <a:alpha val="40000"/>
+                    </a:schemeClr>
+                  </a:outerShdw>
+                </a:effectLst>
+              </a:rPr>
+              <a:t>Abdelrazek</a:t>
+            </a:r>
+            <a:endParaRPr lang="en-US" sz="3200" b="1" dirty="0">
+              <a:ln w="0"/>
+              <a:solidFill>
+                <a:schemeClr val="bg1"/>
+              </a:solidFill>
+              <a:effectLst>
+                <a:outerShdw blurRad="38100" dist="19050" dir="2700000" algn="tl" rotWithShape="0">
+                  <a:schemeClr val="dk1">
+                    <a:alpha val="40000"/>
+                  </a:schemeClr>
+                </a:outerShdw>
+              </a:effectLst>
+            </a:endParaRPr>
+          </a:p>
+        </p:txBody>
+      </p:sp>
+      <p:pic>
+        <p:nvPicPr>
+          <p:cNvPr id="18" name="Picture 4">
+            <a:extLst>
+              <a:ext uri="{FF2B5EF4-FFF2-40B4-BE49-F238E27FC236}">
+                <a16:creationId xmlns:a16="http://schemas.microsoft.com/office/drawing/2014/main" id="{1665245D-2668-465B-A0A4-B171D7248462}"/>
+              </a:ext>
+            </a:extLst>
+          </p:cNvPr>
+          <p:cNvPicPr>
+            <a:picLocks noChangeAspect="1" noChangeArrowheads="1"/>
+          </p:cNvPicPr>
+          <p:nvPr/>
+        </p:nvPicPr>
+        <p:blipFill rotWithShape="1">
+          <a:blip r:embed="rId5">
+            <a:extLst>
+              <a:ext uri="{28A0092B-C50C-407E-A947-70E740481C1C}">
+                <a14:useLocalDpi xmlns:a14="http://schemas.microsoft.com/office/drawing/2010/main" val="0"/>
+              </a:ext>
+            </a:extLst>
+          </a:blip>
+          <a:srcRect b="18222"/>
+          <a:stretch/>
+        </p:blipFill>
+        <p:spPr bwMode="auto">
+          <a:xfrm>
+            <a:off x="4946437" y="228224"/>
+            <a:ext cx="2280862" cy="1183491"/>
+          </a:xfrm>
+          <a:prstGeom prst="rect">
+            <a:avLst/>
+          </a:prstGeom>
+          <a:noFill/>
+          <a:effectLst>
+            <a:glow rad="228600">
+              <a:schemeClr val="accent5">
+                <a:satMod val="175000"/>
+                <a:alpha val="40000"/>
+              </a:schemeClr>
+            </a:glow>
+          </a:effectLst>
+          <a:extLst>
+            <a:ext uri="{909E8E84-426E-40DD-AFC4-6F175D3DCCD1}">
+              <a14:hiddenFill xmlns:a14="http://schemas.microsoft.com/office/drawing/2010/main">
+                <a:solidFill>
+                  <a:srgbClr val="FFFFFF"/>
+                </a:solidFill>
+              </a14:hiddenFill>
+            </a:ext>
+          </a:extLst>
+        </p:spPr>
+      </p:pic>
+      <p:pic>
+        <p:nvPicPr>
+          <p:cNvPr id="3" name="Picture 2" descr="A close up of a logo&#10;&#10;Description automatically generated">
+            <a:extLst>
+              <a:ext uri="{FF2B5EF4-FFF2-40B4-BE49-F238E27FC236}">
+                <a16:creationId xmlns:a16="http://schemas.microsoft.com/office/drawing/2014/main" id="{A206C6D7-680E-4B01-B7AA-95408D6F608E}"/>
+              </a:ext>
+            </a:extLst>
+          </p:cNvPr>
+          <p:cNvPicPr>
+            <a:picLocks noChangeAspect="1"/>
+          </p:cNvPicPr>
+          <p:nvPr/>
+        </p:nvPicPr>
+        <p:blipFill>
+          <a:blip r:embed="rId6">
+            <a:extLst>
+              <a:ext uri="{28A0092B-C50C-407E-A947-70E740481C1C}">
+                <a14:useLocalDpi xmlns:a14="http://schemas.microsoft.com/office/drawing/2010/main" val="0"/>
+              </a:ext>
+            </a:extLst>
+          </a:blip>
+          <a:stretch>
+            <a:fillRect/>
+          </a:stretch>
+        </p:blipFill>
+        <p:spPr>
+          <a:xfrm>
+            <a:off x="2892024" y="5062558"/>
+            <a:ext cx="3526310" cy="892552"/>
+          </a:xfrm>
+          <a:prstGeom prst="rect">
+            <a:avLst/>
+          </a:prstGeom>
+          <a:ln>
+            <a:noFill/>
+          </a:ln>
+          <a:effectLst>
+            <a:outerShdw blurRad="292100" dist="139700" dir="6600000" algn="tl" rotWithShape="0">
+              <a:srgbClr val="333333">
+                <a:alpha val="65000"/>
+              </a:srgbClr>
+            </a:outerShdw>
+          </a:effectLst>
+        </p:spPr>
+      </p:pic>
+    </p:spTree>
+    <p:extLst>
+      <p:ext uri="{BB962C8B-B14F-4D97-AF65-F5344CB8AC3E}">
+        <p14:creationId xmlns:p14="http://schemas.microsoft.com/office/powerpoint/2010/main" val="3609625731"/>
+      </p:ext>
+    </p:extLst>
+  </p:cSld>
+  <p:clrMapOvr>
+    <a:masterClrMapping/>
+  </p:clrMapOvr>
+</p:sld>
+</file>
+
+<file path=ppt/slides/slide6.xml><?xml version="1.0" encoding="utf-8"?>
+<p:sld xmlns:a="http://schemas.openxmlformats.org/drawingml/2006/main" xmlns:r="http://schemas.openxmlformats.org/officeDocument/2006/relationships" xmlns:p="http://schemas.openxmlformats.org/presentationml/2006/main">
+  <p:cSld>
+    <p:bg>
+      <p:bgPr>
+        <a:blipFill dpi="0" rotWithShape="1">
+          <a:blip r:embed="rId2">
+            <a:alphaModFix amt="24000"/>
+            <a:lum/>
+          </a:blip>
+          <a:srcRect/>
+          <a:stretch>
+            <a:fillRect l="-22000" r="-22000"/>
+          </a:stretch>
+        </a:blipFill>
+        <a:effectLst/>
+      </p:bgPr>
+    </p:bg>
+    <p:spTree>
+      <p:nvGrpSpPr>
+        <p:cNvPr id="1" name=""/>
+        <p:cNvGrpSpPr/>
+        <p:nvPr/>
+      </p:nvGrpSpPr>
+      <p:grpSpPr>
+        <a:xfrm>
+          <a:off x="0" y="0"/>
+          <a:ext cx="0" cy="0"/>
+          <a:chOff x="0" y="0"/>
+          <a:chExt cx="0" cy="0"/>
+        </a:xfrm>
+      </p:grpSpPr>
+      <p:pic>
+        <p:nvPicPr>
+          <p:cNvPr id="8" name="Picture 7">
+            <a:extLst>
+              <a:ext uri="{FF2B5EF4-FFF2-40B4-BE49-F238E27FC236}">
+                <a16:creationId xmlns:a16="http://schemas.microsoft.com/office/drawing/2014/main" id="{1A423CD4-BE45-46E8-8A0C-FF92638B0CED}"/>
+              </a:ext>
+            </a:extLst>
+          </p:cNvPr>
+          <p:cNvPicPr>
+            <a:picLocks noChangeAspect="1"/>
+          </p:cNvPicPr>
+          <p:nvPr/>
+        </p:nvPicPr>
+        <p:blipFill>
+          <a:blip r:embed="rId3">
+            <a:extLst>
+              <a:ext uri="{BEBA8EAE-BF5A-486C-A8C5-ECC9F3942E4B}">
+                <a14:imgProps xmlns:a14="http://schemas.microsoft.com/office/drawing/2010/main">
+                  <a14:imgLayer r:embed="rId4">
+                    <a14:imgEffect>
+                      <a14:backgroundRemoval t="4036" b="93274" l="5310" r="95575">
+                        <a14:foregroundMark x1="34513" y1="20628" x2="34513" y2="20628"/>
+                        <a14:foregroundMark x1="34513" y1="21525" x2="34513" y2="21525"/>
+                        <a14:foregroundMark x1="34513" y1="21525" x2="34513" y2="21525"/>
+                        <a14:foregroundMark x1="23009" y1="31390" x2="33628" y2="26009"/>
+                        <a14:foregroundMark x1="46903" y1="10762" x2="21681" y2="35874"/>
+                        <a14:foregroundMark x1="67257" y1="9865" x2="38053" y2="10314"/>
+                        <a14:foregroundMark x1="38053" y1="10314" x2="16814" y2="21076"/>
+                        <a14:foregroundMark x1="16814" y1="21076" x2="14602" y2="37668"/>
+                        <a14:foregroundMark x1="14159" y1="30942" x2="9292" y2="59641"/>
+                        <a14:foregroundMark x1="9292" y1="59641" x2="14602" y2="68610"/>
+                        <a14:foregroundMark x1="15929" y1="53812" x2="16814" y2="79821"/>
+                        <a14:foregroundMark x1="16814" y1="79821" x2="44248" y2="86547"/>
+                        <a14:foregroundMark x1="69027" y1="88341" x2="83186" y2="66368"/>
+                        <a14:foregroundMark x1="83186" y1="66368" x2="86726" y2="39910"/>
+                        <a14:foregroundMark x1="73451" y1="85202" x2="28319" y2="85202"/>
+                        <a14:foregroundMark x1="30973" y1="88789" x2="58850" y2="93274"/>
+                        <a14:foregroundMark x1="87611" y1="29148" x2="90708" y2="52915"/>
+                        <a14:foregroundMark x1="90708" y1="52915" x2="87168" y2="75336"/>
+                        <a14:foregroundMark x1="87168" y1="75336" x2="68142" y2="89238"/>
+                        <a14:foregroundMark x1="68142" y1="89238" x2="44248" y2="93274"/>
+                        <a14:foregroundMark x1="92035" y1="64574" x2="92035" y2="37668"/>
+                        <a14:foregroundMark x1="28761" y1="77578" x2="13717" y2="59641"/>
+                        <a14:foregroundMark x1="13717" y1="59641" x2="13274" y2="58296"/>
+                        <a14:foregroundMark x1="6195" y1="60090" x2="5752" y2="47534"/>
+                        <a14:foregroundMark x1="48673" y1="4484" x2="48673" y2="4484"/>
+                        <a14:foregroundMark x1="88496" y1="61435" x2="84956" y2="61435"/>
+                        <a14:foregroundMark x1="94690" y1="44395" x2="95575" y2="51570"/>
+                        <a14:backgroundMark x1="14602" y1="9865" x2="14602" y2="9865"/>
+                        <a14:backgroundMark x1="14602" y1="9865" x2="14602" y2="9865"/>
+                        <a14:backgroundMark x1="14602" y1="9865" x2="14602" y2="9865"/>
+                        <a14:backgroundMark x1="14602" y1="9865" x2="9292" y2="14798"/>
+                        <a14:backgroundMark x1="11504" y1="9417" x2="11504" y2="9417"/>
+                        <a14:backgroundMark x1="11504" y1="9417" x2="8061" y2="19885"/>
+                      </a14:backgroundRemoval>
+                    </a14:imgEffect>
+                  </a14:imgLayer>
+                </a14:imgProps>
+              </a:ext>
+              <a:ext uri="{28A0092B-C50C-407E-A947-70E740481C1C}">
+                <a14:useLocalDpi xmlns:a14="http://schemas.microsoft.com/office/drawing/2010/main" val="0"/>
+              </a:ext>
+            </a:extLst>
+          </a:blip>
+          <a:stretch>
+            <a:fillRect/>
+          </a:stretch>
+        </p:blipFill>
+        <p:spPr>
+          <a:xfrm>
+            <a:off x="280521" y="294493"/>
+            <a:ext cx="1065091" cy="1050952"/>
+          </a:xfrm>
+          <a:prstGeom prst="rect">
+            <a:avLst/>
+          </a:prstGeom>
+        </p:spPr>
+      </p:pic>
+      <p:sp>
+        <p:nvSpPr>
+          <p:cNvPr id="15" name="Rectangle 14">
+            <a:extLst>
+              <a:ext uri="{FF2B5EF4-FFF2-40B4-BE49-F238E27FC236}">
+                <a16:creationId xmlns:a16="http://schemas.microsoft.com/office/drawing/2014/main" id="{72C76AE4-A2D7-407A-8EFE-187C405A4B82}"/>
+              </a:ext>
+            </a:extLst>
+          </p:cNvPr>
+          <p:cNvSpPr/>
+          <p:nvPr/>
+        </p:nvSpPr>
+        <p:spPr>
+          <a:xfrm>
+            <a:off x="161364" y="8571038"/>
+            <a:ext cx="3717814" cy="892552"/>
+          </a:xfrm>
+          <a:prstGeom prst="rect">
+            <a:avLst/>
+          </a:prstGeom>
+          <a:solidFill>
+            <a:schemeClr val="tx1">
+              <a:alpha val="37000"/>
+            </a:schemeClr>
+          </a:solidFill>
+        </p:spPr>
+        <p:txBody>
+          <a:bodyPr wrap="none" lIns="91440" tIns="45720" rIns="91440" bIns="45720">
+            <a:spAutoFit/>
+          </a:bodyPr>
+          <a:lstStyle/>
+          <a:p>
+            <a:pPr algn="ctr"/>
+            <a:r>
+              <a:rPr lang="en-US" sz="2000" b="1" dirty="0">
+                <a:ln w="0"/>
+                <a:solidFill>
+                  <a:schemeClr val="bg1"/>
+                </a:solidFill>
+                <a:effectLst>
+                  <a:outerShdw blurRad="38100" dist="19050" dir="2700000" algn="tl" rotWithShape="0">
+                    <a:schemeClr val="dk1">
+                      <a:alpha val="40000"/>
+                    </a:schemeClr>
+                  </a:outerShdw>
+                </a:effectLst>
+              </a:rPr>
+              <a:t>Supervised by</a:t>
+            </a:r>
+          </a:p>
+          <a:p>
+            <a:pPr algn="ctr"/>
+            <a:r>
+              <a:rPr lang="en-US" sz="3200" b="1" dirty="0">
+                <a:ln w="0"/>
+                <a:solidFill>
+                  <a:schemeClr val="bg1"/>
+                </a:solidFill>
+                <a:effectLst>
+                  <a:outerShdw blurRad="38100" dist="19050" dir="2700000" algn="tl" rotWithShape="0">
+                    <a:schemeClr val="dk1">
+                      <a:alpha val="40000"/>
+                    </a:schemeClr>
+                  </a:outerShdw>
+                </a:effectLst>
+              </a:rPr>
+              <a:t>Dr. Samir </a:t>
+            </a:r>
+            <a:r>
+              <a:rPr lang="en-US" sz="3200" b="1" dirty="0" err="1">
+                <a:ln w="0"/>
+                <a:solidFill>
+                  <a:schemeClr val="bg1"/>
+                </a:solidFill>
+                <a:effectLst>
+                  <a:outerShdw blurRad="38100" dist="19050" dir="2700000" algn="tl" rotWithShape="0">
+                    <a:schemeClr val="dk1">
+                      <a:alpha val="40000"/>
+                    </a:schemeClr>
+                  </a:outerShdw>
+                </a:effectLst>
+              </a:rPr>
+              <a:t>Abdelrazek</a:t>
+            </a:r>
+            <a:endParaRPr lang="en-US" sz="3200" b="1" dirty="0">
+              <a:ln w="0"/>
+              <a:solidFill>
+                <a:schemeClr val="bg1"/>
+              </a:solidFill>
+              <a:effectLst>
+                <a:outerShdw blurRad="38100" dist="19050" dir="2700000" algn="tl" rotWithShape="0">
+                  <a:schemeClr val="dk1">
+                    <a:alpha val="40000"/>
+                  </a:schemeClr>
+                </a:outerShdw>
+              </a:effectLst>
+            </a:endParaRPr>
+          </a:p>
+        </p:txBody>
+      </p:sp>
+      <p:pic>
+        <p:nvPicPr>
+          <p:cNvPr id="18" name="Picture 4">
+            <a:extLst>
+              <a:ext uri="{FF2B5EF4-FFF2-40B4-BE49-F238E27FC236}">
+                <a16:creationId xmlns:a16="http://schemas.microsoft.com/office/drawing/2014/main" id="{1665245D-2668-465B-A0A4-B171D7248462}"/>
+              </a:ext>
+            </a:extLst>
+          </p:cNvPr>
+          <p:cNvPicPr>
+            <a:picLocks noChangeAspect="1" noChangeArrowheads="1"/>
+          </p:cNvPicPr>
+          <p:nvPr/>
+        </p:nvPicPr>
+        <p:blipFill rotWithShape="1">
+          <a:blip r:embed="rId5">
+            <a:extLst>
+              <a:ext uri="{28A0092B-C50C-407E-A947-70E740481C1C}">
+                <a14:useLocalDpi xmlns:a14="http://schemas.microsoft.com/office/drawing/2010/main" val="0"/>
+              </a:ext>
+            </a:extLst>
+          </a:blip>
+          <a:srcRect b="18222"/>
+          <a:stretch/>
+        </p:blipFill>
+        <p:spPr bwMode="auto">
+          <a:xfrm>
+            <a:off x="4946437" y="228224"/>
+            <a:ext cx="2280862" cy="1183491"/>
+          </a:xfrm>
+          <a:prstGeom prst="rect">
+            <a:avLst/>
+          </a:prstGeom>
+          <a:noFill/>
+          <a:effectLst>
+            <a:glow rad="228600">
+              <a:schemeClr val="accent5">
+                <a:satMod val="175000"/>
+                <a:alpha val="40000"/>
+              </a:schemeClr>
+            </a:glow>
+          </a:effectLst>
+          <a:extLst>
+            <a:ext uri="{909E8E84-426E-40DD-AFC4-6F175D3DCCD1}">
+              <a14:hiddenFill xmlns:a14="http://schemas.microsoft.com/office/drawing/2010/main">
+                <a:solidFill>
+                  <a:srgbClr val="FFFFFF"/>
+                </a:solidFill>
+              </a14:hiddenFill>
+            </a:ext>
+          </a:extLst>
+        </p:spPr>
+      </p:pic>
+      <p:pic>
+        <p:nvPicPr>
+          <p:cNvPr id="3" name="Picture 2" descr="A close up of a logo&#10;&#10;Description automatically generated">
+            <a:extLst>
+              <a:ext uri="{FF2B5EF4-FFF2-40B4-BE49-F238E27FC236}">
+                <a16:creationId xmlns:a16="http://schemas.microsoft.com/office/drawing/2014/main" id="{A206C6D7-680E-4B01-B7AA-95408D6F608E}"/>
+              </a:ext>
+            </a:extLst>
+          </p:cNvPr>
+          <p:cNvPicPr>
+            <a:picLocks noChangeAspect="1"/>
+          </p:cNvPicPr>
+          <p:nvPr/>
+        </p:nvPicPr>
+        <p:blipFill>
+          <a:blip r:embed="rId6">
+            <a:extLst>
+              <a:ext uri="{28A0092B-C50C-407E-A947-70E740481C1C}">
+                <a14:useLocalDpi xmlns:a14="http://schemas.microsoft.com/office/drawing/2010/main" val="0"/>
+              </a:ext>
+            </a:extLst>
+          </a:blip>
+          <a:stretch>
+            <a:fillRect/>
+          </a:stretch>
+        </p:blipFill>
+        <p:spPr>
+          <a:xfrm>
+            <a:off x="589035" y="4484334"/>
+            <a:ext cx="5890195" cy="1490880"/>
+          </a:xfrm>
+          <a:prstGeom prst="rect">
+            <a:avLst/>
+          </a:prstGeom>
+          <a:ln>
+            <a:noFill/>
+          </a:ln>
+          <a:effectLst>
+            <a:outerShdw blurRad="292100" dist="139700" dir="6600000" algn="tl" rotWithShape="0">
+              <a:srgbClr val="333333">
+                <a:alpha val="65000"/>
+              </a:srgbClr>
+            </a:outerShdw>
+          </a:effectLst>
+        </p:spPr>
+      </p:pic>
+      <p:sp>
+        <p:nvSpPr>
+          <p:cNvPr id="7" name="Rectangle 6">
+            <a:extLst>
+              <a:ext uri="{FF2B5EF4-FFF2-40B4-BE49-F238E27FC236}">
+                <a16:creationId xmlns:a16="http://schemas.microsoft.com/office/drawing/2014/main" id="{AD83B322-1078-44E4-A859-8FAC53B3E16C}"/>
+              </a:ext>
+            </a:extLst>
+          </p:cNvPr>
+          <p:cNvSpPr/>
+          <p:nvPr/>
+        </p:nvSpPr>
+        <p:spPr>
+          <a:xfrm>
+            <a:off x="270067" y="4017954"/>
+            <a:ext cx="6317866" cy="400110"/>
+          </a:xfrm>
+          <a:prstGeom prst="rect">
+            <a:avLst/>
+          </a:prstGeom>
+          <a:solidFill>
+            <a:schemeClr val="tx1">
+              <a:alpha val="52000"/>
+            </a:schemeClr>
+          </a:solidFill>
+        </p:spPr>
+        <p:txBody>
+          <a:bodyPr wrap="square" lIns="91440" tIns="45720" rIns="91440" bIns="45720">
+            <a:spAutoFit/>
+          </a:bodyPr>
+          <a:lstStyle/>
+          <a:p>
+            <a:pPr algn="ctr"/>
+            <a:r>
+              <a:rPr lang="en-US" sz="2000" b="1" dirty="0">
+                <a:ln w="0"/>
+                <a:solidFill>
+                  <a:schemeClr val="bg1"/>
+                </a:solidFill>
+                <a:effectLst>
+                  <a:outerShdw blurRad="38100" dist="19050" dir="2700000" algn="tl" rotWithShape="0">
+                    <a:schemeClr val="dk1">
+                      <a:alpha val="40000"/>
+                    </a:schemeClr>
+                  </a:outerShdw>
+                </a:effectLst>
+              </a:rPr>
+              <a:t>Interactive Microservices System for student services</a:t>
+            </a:r>
+          </a:p>
+        </p:txBody>
+      </p:sp>
+    </p:spTree>
+    <p:extLst>
+      <p:ext uri="{BB962C8B-B14F-4D97-AF65-F5344CB8AC3E}">
+        <p14:creationId xmlns:p14="http://schemas.microsoft.com/office/powerpoint/2010/main" val="3228646662"/>
+      </p:ext>
+    </p:extLst>
+  </p:cSld>
+  <p:clrMapOvr>
+    <a:masterClrMapping/>
+  </p:clrMapOvr>
+</p:sld>
+</file>
+
+<file path=ppt/slides/slide7.xml><?xml version="1.0" encoding="utf-8"?>
+<p:sld xmlns:a="http://schemas.openxmlformats.org/drawingml/2006/main" xmlns:r="http://schemas.openxmlformats.org/officeDocument/2006/relationships" xmlns:p="http://schemas.openxmlformats.org/presentationml/2006/main">
+  <p:cSld>
+    <p:bg>
+      <p:bgPr>
+        <a:blipFill dpi="0" rotWithShape="1">
+          <a:blip r:embed="rId2">
+            <a:alphaModFix amt="24000"/>
+            <a:lum/>
+          </a:blip>
+          <a:srcRect/>
+          <a:stretch>
+            <a:fillRect l="-22000" r="-22000"/>
+          </a:stretch>
+        </a:blipFill>
+        <a:effectLst/>
+      </p:bgPr>
+    </p:bg>
+    <p:spTree>
+      <p:nvGrpSpPr>
+        <p:cNvPr id="1" name=""/>
+        <p:cNvGrpSpPr/>
+        <p:nvPr/>
+      </p:nvGrpSpPr>
+      <p:grpSpPr>
+        <a:xfrm>
+          <a:off x="0" y="0"/>
+          <a:ext cx="0" cy="0"/>
+          <a:chOff x="0" y="0"/>
+          <a:chExt cx="0" cy="0"/>
+        </a:xfrm>
+      </p:grpSpPr>
+      <p:pic>
+        <p:nvPicPr>
+          <p:cNvPr id="8" name="Picture 7">
+            <a:extLst>
+              <a:ext uri="{FF2B5EF4-FFF2-40B4-BE49-F238E27FC236}">
+                <a16:creationId xmlns:a16="http://schemas.microsoft.com/office/drawing/2014/main" id="{1A423CD4-BE45-46E8-8A0C-FF92638B0CED}"/>
+              </a:ext>
+            </a:extLst>
+          </p:cNvPr>
+          <p:cNvPicPr>
+            <a:picLocks noChangeAspect="1"/>
+          </p:cNvPicPr>
+          <p:nvPr/>
+        </p:nvPicPr>
+        <p:blipFill>
+          <a:blip r:embed="rId3">
+            <a:extLst>
+              <a:ext uri="{BEBA8EAE-BF5A-486C-A8C5-ECC9F3942E4B}">
+                <a14:imgProps xmlns:a14="http://schemas.microsoft.com/office/drawing/2010/main">
+                  <a14:imgLayer r:embed="rId4">
+                    <a14:imgEffect>
+                      <a14:backgroundRemoval t="4036" b="93274" l="5310" r="95575">
+                        <a14:foregroundMark x1="34513" y1="20628" x2="34513" y2="20628"/>
+                        <a14:foregroundMark x1="34513" y1="21525" x2="34513" y2="21525"/>
+                        <a14:foregroundMark x1="34513" y1="21525" x2="34513" y2="21525"/>
+                        <a14:foregroundMark x1="23009" y1="31390" x2="33628" y2="26009"/>
+                        <a14:foregroundMark x1="46903" y1="10762" x2="21681" y2="35874"/>
+                        <a14:foregroundMark x1="67257" y1="9865" x2="38053" y2="10314"/>
+                        <a14:foregroundMark x1="38053" y1="10314" x2="16814" y2="21076"/>
+                        <a14:foregroundMark x1="16814" y1="21076" x2="14602" y2="37668"/>
+                        <a14:foregroundMark x1="14159" y1="30942" x2="9292" y2="59641"/>
+                        <a14:foregroundMark x1="9292" y1="59641" x2="14602" y2="68610"/>
+                        <a14:foregroundMark x1="15929" y1="53812" x2="16814" y2="79821"/>
+                        <a14:foregroundMark x1="16814" y1="79821" x2="44248" y2="86547"/>
+                        <a14:foregroundMark x1="69027" y1="88341" x2="83186" y2="66368"/>
+                        <a14:foregroundMark x1="83186" y1="66368" x2="86726" y2="39910"/>
+                        <a14:foregroundMark x1="73451" y1="85202" x2="28319" y2="85202"/>
+                        <a14:foregroundMark x1="30973" y1="88789" x2="58850" y2="93274"/>
+                        <a14:foregroundMark x1="87611" y1="29148" x2="90708" y2="52915"/>
+                        <a14:foregroundMark x1="90708" y1="52915" x2="87168" y2="75336"/>
+                        <a14:foregroundMark x1="87168" y1="75336" x2="68142" y2="89238"/>
+                        <a14:foregroundMark x1="68142" y1="89238" x2="44248" y2="93274"/>
+                        <a14:foregroundMark x1="92035" y1="64574" x2="92035" y2="37668"/>
+                        <a14:foregroundMark x1="28761" y1="77578" x2="13717" y2="59641"/>
+                        <a14:foregroundMark x1="13717" y1="59641" x2="13274" y2="58296"/>
+                        <a14:foregroundMark x1="6195" y1="60090" x2="5752" y2="47534"/>
+                        <a14:foregroundMark x1="48673" y1="4484" x2="48673" y2="4484"/>
+                        <a14:foregroundMark x1="88496" y1="61435" x2="84956" y2="61435"/>
+                        <a14:foregroundMark x1="94690" y1="44395" x2="95575" y2="51570"/>
+                        <a14:backgroundMark x1="14602" y1="9865" x2="14602" y2="9865"/>
+                        <a14:backgroundMark x1="14602" y1="9865" x2="14602" y2="9865"/>
+                        <a14:backgroundMark x1="14602" y1="9865" x2="14602" y2="9865"/>
+                        <a14:backgroundMark x1="14602" y1="9865" x2="9292" y2="14798"/>
+                        <a14:backgroundMark x1="11504" y1="9417" x2="11504" y2="9417"/>
+                        <a14:backgroundMark x1="11504" y1="9417" x2="8061" y2="19885"/>
+                      </a14:backgroundRemoval>
+                    </a14:imgEffect>
+                  </a14:imgLayer>
+                </a14:imgProps>
+              </a:ext>
+              <a:ext uri="{28A0092B-C50C-407E-A947-70E740481C1C}">
+                <a14:useLocalDpi xmlns:a14="http://schemas.microsoft.com/office/drawing/2010/main" val="0"/>
+              </a:ext>
+            </a:extLst>
+          </a:blip>
+          <a:stretch>
+            <a:fillRect/>
+          </a:stretch>
+        </p:blipFill>
+        <p:spPr>
+          <a:xfrm>
+            <a:off x="280521" y="294493"/>
+            <a:ext cx="1065091" cy="1050952"/>
+          </a:xfrm>
+          <a:prstGeom prst="rect">
+            <a:avLst/>
+          </a:prstGeom>
+        </p:spPr>
+      </p:pic>
+      <p:sp>
+        <p:nvSpPr>
+          <p:cNvPr id="15" name="Rectangle 14">
+            <a:extLst>
+              <a:ext uri="{FF2B5EF4-FFF2-40B4-BE49-F238E27FC236}">
+                <a16:creationId xmlns:a16="http://schemas.microsoft.com/office/drawing/2014/main" id="{72C76AE4-A2D7-407A-8EFE-187C405A4B82}"/>
+              </a:ext>
+            </a:extLst>
+          </p:cNvPr>
+          <p:cNvSpPr/>
+          <p:nvPr/>
+        </p:nvSpPr>
+        <p:spPr>
+          <a:xfrm>
+            <a:off x="340169" y="8571038"/>
+            <a:ext cx="3360215" cy="892552"/>
+          </a:xfrm>
+          <a:prstGeom prst="rect">
+            <a:avLst/>
+          </a:prstGeom>
+          <a:solidFill>
+            <a:schemeClr val="tx1">
+              <a:alpha val="37000"/>
+            </a:schemeClr>
+          </a:solidFill>
+        </p:spPr>
+        <p:txBody>
+          <a:bodyPr wrap="none" lIns="91440" tIns="45720" rIns="91440" bIns="45720">
+            <a:spAutoFit/>
+          </a:bodyPr>
+          <a:lstStyle/>
+          <a:p>
+            <a:pPr algn="ctr"/>
+            <a:r>
+              <a:rPr lang="ar-EG" sz="2000" b="1" dirty="0">
+                <a:ln w="0"/>
+                <a:solidFill>
+                  <a:schemeClr val="bg1"/>
+                </a:solidFill>
+                <a:effectLst>
+                  <a:outerShdw blurRad="38100" dist="19050" dir="2700000" algn="tl" rotWithShape="0">
+                    <a:schemeClr val="dk1">
+                      <a:alpha val="40000"/>
+                    </a:schemeClr>
+                  </a:outerShdw>
+                </a:effectLst>
+              </a:rPr>
+              <a:t>الاشراف</a:t>
+            </a:r>
+            <a:endParaRPr lang="en-US" sz="2000" b="1" dirty="0">
+              <a:ln w="0"/>
+              <a:solidFill>
+                <a:schemeClr val="bg1"/>
+              </a:solidFill>
+              <a:effectLst>
+                <a:outerShdw blurRad="38100" dist="19050" dir="2700000" algn="tl" rotWithShape="0">
+                  <a:schemeClr val="dk1">
+                    <a:alpha val="40000"/>
+                  </a:schemeClr>
+                </a:outerShdw>
+              </a:effectLst>
+            </a:endParaRPr>
+          </a:p>
+          <a:p>
+            <a:pPr algn="ctr"/>
+            <a:r>
+              <a:rPr lang="ar-EG" sz="3200" b="1" dirty="0">
+                <a:ln w="0"/>
+                <a:solidFill>
+                  <a:schemeClr val="bg1"/>
+                </a:solidFill>
+                <a:effectLst>
+                  <a:outerShdw blurRad="38100" dist="19050" dir="2700000" algn="tl" rotWithShape="0">
+                    <a:schemeClr val="dk1">
+                      <a:alpha val="40000"/>
+                    </a:schemeClr>
+                  </a:outerShdw>
+                </a:effectLst>
+              </a:rPr>
+              <a:t>دكتور سمير عبد الرازق</a:t>
+            </a:r>
+            <a:endParaRPr lang="en-US" sz="3200" b="1" dirty="0">
+              <a:ln w="0"/>
+              <a:solidFill>
+                <a:schemeClr val="bg1"/>
+              </a:solidFill>
+              <a:effectLst>
+                <a:outerShdw blurRad="38100" dist="19050" dir="2700000" algn="tl" rotWithShape="0">
+                  <a:schemeClr val="dk1">
+                    <a:alpha val="40000"/>
+                  </a:schemeClr>
+                </a:outerShdw>
+              </a:effectLst>
+            </a:endParaRPr>
+          </a:p>
+        </p:txBody>
+      </p:sp>
+      <p:pic>
+        <p:nvPicPr>
+          <p:cNvPr id="18" name="Picture 4">
+            <a:extLst>
+              <a:ext uri="{FF2B5EF4-FFF2-40B4-BE49-F238E27FC236}">
+                <a16:creationId xmlns:a16="http://schemas.microsoft.com/office/drawing/2014/main" id="{1665245D-2668-465B-A0A4-B171D7248462}"/>
+              </a:ext>
+            </a:extLst>
+          </p:cNvPr>
+          <p:cNvPicPr>
+            <a:picLocks noChangeAspect="1" noChangeArrowheads="1"/>
+          </p:cNvPicPr>
+          <p:nvPr/>
+        </p:nvPicPr>
+        <p:blipFill rotWithShape="1">
+          <a:blip r:embed="rId5">
+            <a:extLst>
+              <a:ext uri="{28A0092B-C50C-407E-A947-70E740481C1C}">
+                <a14:useLocalDpi xmlns:a14="http://schemas.microsoft.com/office/drawing/2010/main" val="0"/>
+              </a:ext>
+            </a:extLst>
+          </a:blip>
+          <a:srcRect b="18222"/>
+          <a:stretch/>
+        </p:blipFill>
+        <p:spPr bwMode="auto">
+          <a:xfrm>
+            <a:off x="6577479" y="161954"/>
+            <a:ext cx="2280862" cy="1183491"/>
+          </a:xfrm>
+          <a:prstGeom prst="rect">
+            <a:avLst/>
+          </a:prstGeom>
+          <a:noFill/>
+          <a:effectLst>
+            <a:glow rad="228600">
+              <a:schemeClr val="accent5">
+                <a:satMod val="175000"/>
+                <a:alpha val="40000"/>
+              </a:schemeClr>
+            </a:glow>
+          </a:effectLst>
+          <a:extLst>
+            <a:ext uri="{909E8E84-426E-40DD-AFC4-6F175D3DCCD1}">
+              <a14:hiddenFill xmlns:a14="http://schemas.microsoft.com/office/drawing/2010/main">
+                <a:solidFill>
+                  <a:srgbClr val="FFFFFF"/>
+                </a:solidFill>
+              </a14:hiddenFill>
+            </a:ext>
+          </a:extLst>
+        </p:spPr>
+      </p:pic>
+      <p:pic>
+        <p:nvPicPr>
+          <p:cNvPr id="3" name="Picture 2" descr="A close up of a logo&#10;&#10;Description automatically generated">
+            <a:extLst>
+              <a:ext uri="{FF2B5EF4-FFF2-40B4-BE49-F238E27FC236}">
+                <a16:creationId xmlns:a16="http://schemas.microsoft.com/office/drawing/2014/main" id="{A206C6D7-680E-4B01-B7AA-95408D6F608E}"/>
+              </a:ext>
+            </a:extLst>
+          </p:cNvPr>
+          <p:cNvPicPr>
+            <a:picLocks noChangeAspect="1"/>
+          </p:cNvPicPr>
+          <p:nvPr/>
+        </p:nvPicPr>
+        <p:blipFill>
+          <a:blip r:embed="rId6">
+            <a:extLst>
+              <a:ext uri="{28A0092B-C50C-407E-A947-70E740481C1C}">
+                <a14:useLocalDpi xmlns:a14="http://schemas.microsoft.com/office/drawing/2010/main" val="0"/>
+              </a:ext>
+            </a:extLst>
+          </a:blip>
+          <a:stretch>
+            <a:fillRect/>
+          </a:stretch>
+        </p:blipFill>
+        <p:spPr>
+          <a:xfrm>
+            <a:off x="589035" y="4484334"/>
+            <a:ext cx="5890195" cy="1490880"/>
+          </a:xfrm>
+          <a:prstGeom prst="rect">
+            <a:avLst/>
+          </a:prstGeom>
+          <a:ln>
+            <a:noFill/>
+          </a:ln>
+          <a:effectLst>
+            <a:outerShdw blurRad="292100" dist="139700" dir="6600000" algn="tl" rotWithShape="0">
+              <a:srgbClr val="333333">
+                <a:alpha val="65000"/>
+              </a:srgbClr>
+            </a:outerShdw>
+          </a:effectLst>
+        </p:spPr>
+      </p:pic>
+      <p:sp>
+        <p:nvSpPr>
+          <p:cNvPr id="7" name="Rectangle 6">
+            <a:extLst>
+              <a:ext uri="{FF2B5EF4-FFF2-40B4-BE49-F238E27FC236}">
+                <a16:creationId xmlns:a16="http://schemas.microsoft.com/office/drawing/2014/main" id="{AD83B322-1078-44E4-A859-8FAC53B3E16C}"/>
+              </a:ext>
+            </a:extLst>
+          </p:cNvPr>
+          <p:cNvSpPr/>
+          <p:nvPr/>
+        </p:nvSpPr>
+        <p:spPr>
+          <a:xfrm>
+            <a:off x="375199" y="4017954"/>
+            <a:ext cx="6317866" cy="400110"/>
+          </a:xfrm>
+          <a:prstGeom prst="rect">
+            <a:avLst/>
+          </a:prstGeom>
+          <a:solidFill>
+            <a:schemeClr val="tx1">
+              <a:alpha val="52000"/>
+            </a:schemeClr>
+          </a:solidFill>
+        </p:spPr>
+        <p:txBody>
+          <a:bodyPr wrap="square" lIns="91440" tIns="45720" rIns="91440" bIns="45720">
+            <a:spAutoFit/>
+          </a:bodyPr>
+          <a:lstStyle/>
+          <a:p>
+            <a:pPr algn="ctr"/>
+            <a:r>
+              <a:rPr lang="ar-EG" sz="2000" b="1" dirty="0">
+                <a:ln w="0"/>
+                <a:solidFill>
+                  <a:schemeClr val="bg1"/>
+                </a:solidFill>
+                <a:effectLst>
+                  <a:outerShdw blurRad="38100" dist="19050" dir="2700000" algn="tl" rotWithShape="0">
+                    <a:schemeClr val="dk1">
+                      <a:alpha val="40000"/>
+                    </a:schemeClr>
+                  </a:outerShdw>
+                </a:effectLst>
+              </a:rPr>
+              <a:t>النظام </a:t>
+            </a:r>
+            <a:r>
+              <a:rPr lang="ar-EG" sz="2000" b="1" dirty="0" err="1">
+                <a:ln w="0"/>
+                <a:solidFill>
+                  <a:schemeClr val="bg1"/>
+                </a:solidFill>
+                <a:effectLst>
+                  <a:outerShdw blurRad="38100" dist="19050" dir="2700000" algn="tl" rotWithShape="0">
+                    <a:schemeClr val="dk1">
+                      <a:alpha val="40000"/>
+                    </a:schemeClr>
+                  </a:outerShdw>
+                </a:effectLst>
+              </a:rPr>
+              <a:t>التفاعلى</a:t>
+            </a:r>
+            <a:r>
+              <a:rPr lang="ar-EG" sz="2000" b="1" dirty="0">
+                <a:ln w="0"/>
+                <a:solidFill>
+                  <a:schemeClr val="bg1"/>
+                </a:solidFill>
+                <a:effectLst>
+                  <a:outerShdw blurRad="38100" dist="19050" dir="2700000" algn="tl" rotWithShape="0">
+                    <a:schemeClr val="dk1">
+                      <a:alpha val="40000"/>
+                    </a:schemeClr>
+                  </a:outerShdw>
+                </a:effectLst>
+              </a:rPr>
+              <a:t> </a:t>
+            </a:r>
+            <a:r>
+              <a:rPr lang="ar-EG" sz="2000" b="1" dirty="0" err="1">
+                <a:ln w="0"/>
+                <a:solidFill>
+                  <a:schemeClr val="bg1"/>
+                </a:solidFill>
+                <a:effectLst>
+                  <a:outerShdw blurRad="38100" dist="19050" dir="2700000" algn="tl" rotWithShape="0">
+                    <a:schemeClr val="dk1">
+                      <a:alpha val="40000"/>
+                    </a:schemeClr>
+                  </a:outerShdw>
+                </a:effectLst>
+              </a:rPr>
+              <a:t>التعليمى</a:t>
+            </a:r>
+            <a:r>
+              <a:rPr lang="ar-EG" sz="2000" b="1" dirty="0">
+                <a:ln w="0"/>
+                <a:solidFill>
+                  <a:schemeClr val="bg1"/>
+                </a:solidFill>
+                <a:effectLst>
+                  <a:outerShdw blurRad="38100" dist="19050" dir="2700000" algn="tl" rotWithShape="0">
+                    <a:schemeClr val="dk1">
+                      <a:alpha val="40000"/>
+                    </a:schemeClr>
+                  </a:outerShdw>
+                </a:effectLst>
+              </a:rPr>
+              <a:t> لخدمات الطلاب باستخدام هياكل الخدمات الدقيقة</a:t>
+            </a:r>
+            <a:endParaRPr lang="en-US" sz="2000" b="1" dirty="0">
+              <a:ln w="0"/>
+              <a:solidFill>
+                <a:schemeClr val="bg1"/>
+              </a:solidFill>
+              <a:effectLst>
+                <a:outerShdw blurRad="38100" dist="19050" dir="2700000" algn="tl" rotWithShape="0">
+                  <a:schemeClr val="dk1">
+                    <a:alpha val="40000"/>
+                  </a:schemeClr>
+                </a:outerShdw>
+              </a:effectLst>
+            </a:endParaRPr>
+          </a:p>
+        </p:txBody>
+      </p:sp>
+      <p:pic>
+        <p:nvPicPr>
+          <p:cNvPr id="2050" name="Picture 2">
+            <a:extLst>
+              <a:ext uri="{FF2B5EF4-FFF2-40B4-BE49-F238E27FC236}">
+                <a16:creationId xmlns:a16="http://schemas.microsoft.com/office/drawing/2014/main" id="{92F0D6EE-CE8C-4621-B32E-E6FEB0B2D82A}"/>
+              </a:ext>
+            </a:extLst>
+          </p:cNvPr>
+          <p:cNvPicPr>
+            <a:picLocks noChangeAspect="1" noChangeArrowheads="1"/>
+          </p:cNvPicPr>
+          <p:nvPr/>
+        </p:nvPicPr>
+        <p:blipFill>
+          <a:blip r:embed="rId7">
+            <a:extLst>
+              <a:ext uri="{28A0092B-C50C-407E-A947-70E740481C1C}">
+                <a14:useLocalDpi xmlns:a14="http://schemas.microsoft.com/office/drawing/2010/main" val="0"/>
+              </a:ext>
+            </a:extLst>
+          </a:blip>
+          <a:srcRect/>
+          <a:stretch>
+            <a:fillRect/>
+          </a:stretch>
+        </p:blipFill>
+        <p:spPr bwMode="auto">
+          <a:xfrm>
+            <a:off x="5348106" y="228223"/>
+            <a:ext cx="1131124" cy="1183491"/>
+          </a:xfrm>
+          <a:prstGeom prst="rect">
+            <a:avLst/>
+          </a:prstGeom>
+          <a:noFill/>
+          <a:extLst>
+            <a:ext uri="{909E8E84-426E-40DD-AFC4-6F175D3DCCD1}">
+              <a14:hiddenFill xmlns:a14="http://schemas.microsoft.com/office/drawing/2010/main">
+                <a:solidFill>
+                  <a:srgbClr val="FFFFFF"/>
+                </a:solidFill>
+              </a14:hiddenFill>
+            </a:ext>
+          </a:extLst>
+        </p:spPr>
+      </p:pic>
+    </p:spTree>
+    <p:extLst>
+      <p:ext uri="{BB962C8B-B14F-4D97-AF65-F5344CB8AC3E}">
+        <p14:creationId xmlns:p14="http://schemas.microsoft.com/office/powerpoint/2010/main" val="2895954542"/>
+      </p:ext>
+    </p:extLst>
+  </p:cSld>
+  <p:clrMapOvr>
+    <a:masterClrMapping/>
+  </p:clrMapOvr>
+</p:sld>
+</file>
+
+<file path=ppt/slides/slide8.xml><?xml version="1.0" encoding="utf-8"?>
+<p:sld xmlns:a="http://schemas.openxmlformats.org/drawingml/2006/main" xmlns:r="http://schemas.openxmlformats.org/officeDocument/2006/relationships" xmlns:p="http://schemas.openxmlformats.org/presentationml/2006/main">
+  <p:cSld>
+    <p:bg>
+      <p:bgPr>
+        <a:blipFill dpi="0" rotWithShape="1">
+          <a:blip r:embed="rId2">
+            <a:alphaModFix amt="13000"/>
+            <a:lum/>
+          </a:blip>
+          <a:srcRect/>
+          <a:stretch>
+            <a:fillRect l="-22000" r="-22000"/>
+          </a:stretch>
+        </a:blipFill>
+        <a:effectLst/>
+      </p:bgPr>
+    </p:bg>
+    <p:spTree>
+      <p:nvGrpSpPr>
+        <p:cNvPr id="1" name=""/>
+        <p:cNvGrpSpPr/>
+        <p:nvPr/>
+      </p:nvGrpSpPr>
+      <p:grpSpPr>
+        <a:xfrm>
+          <a:off x="0" y="0"/>
+          <a:ext cx="0" cy="0"/>
+          <a:chOff x="0" y="0"/>
+          <a:chExt cx="0" cy="0"/>
+        </a:xfrm>
+      </p:grpSpPr>
+      <p:pic>
+        <p:nvPicPr>
+          <p:cNvPr id="8" name="Picture 7">
+            <a:extLst>
+              <a:ext uri="{FF2B5EF4-FFF2-40B4-BE49-F238E27FC236}">
+                <a16:creationId xmlns:a16="http://schemas.microsoft.com/office/drawing/2014/main" id="{1A423CD4-BE45-46E8-8A0C-FF92638B0CED}"/>
+              </a:ext>
+            </a:extLst>
+          </p:cNvPr>
+          <p:cNvPicPr>
+            <a:picLocks noChangeAspect="1"/>
+          </p:cNvPicPr>
+          <p:nvPr/>
+        </p:nvPicPr>
+        <p:blipFill>
+          <a:blip r:embed="rId3">
+            <a:extLst>
+              <a:ext uri="{BEBA8EAE-BF5A-486C-A8C5-ECC9F3942E4B}">
+                <a14:imgProps xmlns:a14="http://schemas.microsoft.com/office/drawing/2010/main">
+                  <a14:imgLayer r:embed="rId4">
+                    <a14:imgEffect>
+                      <a14:backgroundRemoval t="4036" b="93274" l="5310" r="95575">
+                        <a14:foregroundMark x1="34513" y1="20628" x2="34513" y2="20628"/>
+                        <a14:foregroundMark x1="34513" y1="21525" x2="34513" y2="21525"/>
+                        <a14:foregroundMark x1="34513" y1="21525" x2="34513" y2="21525"/>
+                        <a14:foregroundMark x1="23009" y1="31390" x2="33628" y2="26009"/>
+                        <a14:foregroundMark x1="46903" y1="10762" x2="21681" y2="35874"/>
+                        <a14:foregroundMark x1="67257" y1="9865" x2="38053" y2="10314"/>
+                        <a14:foregroundMark x1="38053" y1="10314" x2="16814" y2="21076"/>
+                        <a14:foregroundMark x1="16814" y1="21076" x2="14602" y2="37668"/>
+                        <a14:foregroundMark x1="14159" y1="30942" x2="9292" y2="59641"/>
+                        <a14:foregroundMark x1="9292" y1="59641" x2="14602" y2="68610"/>
+                        <a14:foregroundMark x1="15929" y1="53812" x2="16814" y2="79821"/>
+                        <a14:foregroundMark x1="16814" y1="79821" x2="44248" y2="86547"/>
+                        <a14:foregroundMark x1="69027" y1="88341" x2="83186" y2="66368"/>
+                        <a14:foregroundMark x1="83186" y1="66368" x2="86726" y2="39910"/>
+                        <a14:foregroundMark x1="73451" y1="85202" x2="28319" y2="85202"/>
+                        <a14:foregroundMark x1="30973" y1="88789" x2="58850" y2="93274"/>
+                        <a14:foregroundMark x1="87611" y1="29148" x2="90708" y2="52915"/>
+                        <a14:foregroundMark x1="90708" y1="52915" x2="87168" y2="75336"/>
+                        <a14:foregroundMark x1="87168" y1="75336" x2="68142" y2="89238"/>
+                        <a14:foregroundMark x1="68142" y1="89238" x2="44248" y2="93274"/>
+                        <a14:foregroundMark x1="92035" y1="64574" x2="92035" y2="37668"/>
+                        <a14:foregroundMark x1="28761" y1="77578" x2="13717" y2="59641"/>
+                        <a14:foregroundMark x1="13717" y1="59641" x2="13274" y2="58296"/>
+                        <a14:foregroundMark x1="6195" y1="60090" x2="5752" y2="47534"/>
+                        <a14:foregroundMark x1="48673" y1="4484" x2="48673" y2="4484"/>
+                        <a14:foregroundMark x1="88496" y1="61435" x2="84956" y2="61435"/>
+                        <a14:foregroundMark x1="94690" y1="44395" x2="95575" y2="51570"/>
+                        <a14:backgroundMark x1="14602" y1="9865" x2="14602" y2="9865"/>
+                        <a14:backgroundMark x1="14602" y1="9865" x2="14602" y2="9865"/>
+                        <a14:backgroundMark x1="14602" y1="9865" x2="14602" y2="9865"/>
+                        <a14:backgroundMark x1="14602" y1="9865" x2="9292" y2="14798"/>
+                        <a14:backgroundMark x1="11504" y1="9417" x2="11504" y2="9417"/>
+                        <a14:backgroundMark x1="11504" y1="9417" x2="8061" y2="19885"/>
+                      </a14:backgroundRemoval>
+                    </a14:imgEffect>
+                  </a14:imgLayer>
+                </a14:imgProps>
+              </a:ext>
+              <a:ext uri="{28A0092B-C50C-407E-A947-70E740481C1C}">
+                <a14:useLocalDpi xmlns:a14="http://schemas.microsoft.com/office/drawing/2010/main" val="0"/>
+              </a:ext>
+            </a:extLst>
+          </a:blip>
+          <a:stretch>
+            <a:fillRect/>
+          </a:stretch>
+        </p:blipFill>
+        <p:spPr>
+          <a:xfrm>
+            <a:off x="280521" y="294493"/>
+            <a:ext cx="1065091" cy="1050952"/>
+          </a:xfrm>
+          <a:prstGeom prst="rect">
+            <a:avLst/>
+          </a:prstGeom>
+        </p:spPr>
+      </p:pic>
+      <p:sp>
+        <p:nvSpPr>
+          <p:cNvPr id="15" name="Rectangle 14">
+            <a:extLst>
+              <a:ext uri="{FF2B5EF4-FFF2-40B4-BE49-F238E27FC236}">
+                <a16:creationId xmlns:a16="http://schemas.microsoft.com/office/drawing/2014/main" id="{72C76AE4-A2D7-407A-8EFE-187C405A4B82}"/>
+              </a:ext>
+            </a:extLst>
+          </p:cNvPr>
+          <p:cNvSpPr/>
+          <p:nvPr/>
+        </p:nvSpPr>
+        <p:spPr>
+          <a:xfrm>
+            <a:off x="272039" y="8571038"/>
+            <a:ext cx="3496471" cy="892552"/>
+          </a:xfrm>
+          <a:prstGeom prst="rect">
+            <a:avLst/>
+          </a:prstGeom>
+          <a:solidFill>
+            <a:schemeClr val="tx1"/>
+          </a:solidFill>
+        </p:spPr>
+        <p:txBody>
+          <a:bodyPr wrap="none" lIns="91440" tIns="45720" rIns="91440" bIns="45720">
+            <a:spAutoFit/>
+          </a:bodyPr>
+          <a:lstStyle/>
+          <a:p>
+            <a:pPr algn="ctr"/>
+            <a:r>
+              <a:rPr lang="ar-EG" sz="2000" b="1" dirty="0">
+                <a:ln w="0"/>
+                <a:solidFill>
+                  <a:schemeClr val="bg1"/>
+                </a:solidFill>
+                <a:effectLst>
+                  <a:outerShdw blurRad="38100" dist="19050" dir="2700000" algn="tl" rotWithShape="0">
+                    <a:schemeClr val="dk1">
+                      <a:alpha val="40000"/>
+                    </a:schemeClr>
+                  </a:outerShdw>
+                </a:effectLst>
+              </a:rPr>
+              <a:t>الاشراف</a:t>
+            </a:r>
+            <a:endParaRPr lang="en-US" sz="2000" b="1" dirty="0">
+              <a:ln w="0"/>
+              <a:solidFill>
+                <a:schemeClr val="bg1"/>
+              </a:solidFill>
+              <a:effectLst>
+                <a:outerShdw blurRad="38100" dist="19050" dir="2700000" algn="tl" rotWithShape="0">
+                  <a:schemeClr val="dk1">
+                    <a:alpha val="40000"/>
+                  </a:schemeClr>
+                </a:outerShdw>
+              </a:effectLst>
+            </a:endParaRPr>
+          </a:p>
+          <a:p>
+            <a:pPr algn="ctr"/>
+            <a:r>
+              <a:rPr lang="ar-EG" sz="3200" b="1" dirty="0">
+                <a:ln w="0"/>
+                <a:solidFill>
+                  <a:schemeClr val="bg1"/>
+                </a:solidFill>
+                <a:effectLst>
+                  <a:outerShdw blurRad="38100" dist="19050" dir="2700000" algn="tl" rotWithShape="0">
+                    <a:schemeClr val="dk1">
+                      <a:alpha val="40000"/>
+                    </a:schemeClr>
+                  </a:outerShdw>
+                </a:effectLst>
+              </a:rPr>
+              <a:t>دكتور: سمير عبد الرازق</a:t>
+            </a:r>
+            <a:endParaRPr lang="en-US" sz="3200" b="1" dirty="0">
+              <a:ln w="0"/>
+              <a:solidFill>
+                <a:schemeClr val="bg1"/>
+              </a:solidFill>
+              <a:effectLst>
+                <a:outerShdw blurRad="38100" dist="19050" dir="2700000" algn="tl" rotWithShape="0">
+                  <a:schemeClr val="dk1">
+                    <a:alpha val="40000"/>
+                  </a:schemeClr>
+                </a:outerShdw>
+              </a:effectLst>
+            </a:endParaRPr>
+          </a:p>
+        </p:txBody>
+      </p:sp>
+      <p:pic>
+        <p:nvPicPr>
+          <p:cNvPr id="18" name="Picture 4">
+            <a:extLst>
+              <a:ext uri="{FF2B5EF4-FFF2-40B4-BE49-F238E27FC236}">
+                <a16:creationId xmlns:a16="http://schemas.microsoft.com/office/drawing/2014/main" id="{1665245D-2668-465B-A0A4-B171D7248462}"/>
+              </a:ext>
+            </a:extLst>
+          </p:cNvPr>
+          <p:cNvPicPr>
+            <a:picLocks noChangeAspect="1" noChangeArrowheads="1"/>
+          </p:cNvPicPr>
+          <p:nvPr/>
+        </p:nvPicPr>
+        <p:blipFill rotWithShape="1">
+          <a:blip r:embed="rId5">
+            <a:extLst>
+              <a:ext uri="{28A0092B-C50C-407E-A947-70E740481C1C}">
+                <a14:useLocalDpi xmlns:a14="http://schemas.microsoft.com/office/drawing/2010/main" val="0"/>
+              </a:ext>
+            </a:extLst>
+          </a:blip>
+          <a:srcRect b="18222"/>
+          <a:stretch/>
+        </p:blipFill>
+        <p:spPr bwMode="auto">
+          <a:xfrm>
+            <a:off x="4946437" y="228224"/>
+            <a:ext cx="2280862" cy="1183491"/>
+          </a:xfrm>
+          <a:prstGeom prst="rect">
+            <a:avLst/>
+          </a:prstGeom>
+          <a:noFill/>
+          <a:effectLst>
+            <a:glow rad="228600">
+              <a:schemeClr val="accent5">
+                <a:satMod val="175000"/>
+                <a:alpha val="40000"/>
+              </a:schemeClr>
+            </a:glow>
+          </a:effectLst>
+          <a:extLst>
+            <a:ext uri="{909E8E84-426E-40DD-AFC4-6F175D3DCCD1}">
+              <a14:hiddenFill xmlns:a14="http://schemas.microsoft.com/office/drawing/2010/main">
+                <a:solidFill>
+                  <a:srgbClr val="FFFFFF"/>
+                </a:solidFill>
+              </a14:hiddenFill>
+            </a:ext>
+          </a:extLst>
+        </p:spPr>
+      </p:pic>
+      <p:pic>
+        <p:nvPicPr>
+          <p:cNvPr id="3" name="Picture 2" descr="A close up of a logo&#10;&#10;Description automatically generated">
+            <a:extLst>
+              <a:ext uri="{FF2B5EF4-FFF2-40B4-BE49-F238E27FC236}">
+                <a16:creationId xmlns:a16="http://schemas.microsoft.com/office/drawing/2014/main" id="{A206C6D7-680E-4B01-B7AA-95408D6F608E}"/>
+              </a:ext>
+            </a:extLst>
+          </p:cNvPr>
+          <p:cNvPicPr>
+            <a:picLocks noChangeAspect="1"/>
+          </p:cNvPicPr>
+          <p:nvPr/>
+        </p:nvPicPr>
+        <p:blipFill>
+          <a:blip r:embed="rId6">
+            <a:extLst>
+              <a:ext uri="{28A0092B-C50C-407E-A947-70E740481C1C}">
+                <a14:useLocalDpi xmlns:a14="http://schemas.microsoft.com/office/drawing/2010/main" val="0"/>
+              </a:ext>
+            </a:extLst>
+          </a:blip>
+          <a:stretch>
+            <a:fillRect/>
+          </a:stretch>
+        </p:blipFill>
+        <p:spPr>
+          <a:xfrm>
+            <a:off x="540134" y="4551570"/>
+            <a:ext cx="5890195" cy="1490880"/>
+          </a:xfrm>
+          <a:prstGeom prst="rect">
+            <a:avLst/>
+          </a:prstGeom>
+          <a:ln>
+            <a:noFill/>
+          </a:ln>
+          <a:effectLst>
+            <a:outerShdw blurRad="292100" dist="139700" dir="6600000" algn="tl" rotWithShape="0">
+              <a:srgbClr val="333333">
+                <a:alpha val="65000"/>
+              </a:srgbClr>
+            </a:outerShdw>
+          </a:effectLst>
+        </p:spPr>
+      </p:pic>
+      <p:sp>
+        <p:nvSpPr>
+          <p:cNvPr id="7" name="Rectangle 6">
+            <a:extLst>
+              <a:ext uri="{FF2B5EF4-FFF2-40B4-BE49-F238E27FC236}">
+                <a16:creationId xmlns:a16="http://schemas.microsoft.com/office/drawing/2014/main" id="{7417863D-362B-4987-9570-823782A0F9AF}"/>
+              </a:ext>
+            </a:extLst>
+          </p:cNvPr>
+          <p:cNvSpPr/>
+          <p:nvPr/>
+        </p:nvSpPr>
+        <p:spPr>
+          <a:xfrm>
+            <a:off x="427671" y="4151460"/>
+            <a:ext cx="6223737" cy="400110"/>
+          </a:xfrm>
+          <a:prstGeom prst="rect">
+            <a:avLst/>
+          </a:prstGeom>
+          <a:solidFill>
+            <a:schemeClr val="tx1"/>
+          </a:solidFill>
+        </p:spPr>
+        <p:txBody>
+          <a:bodyPr wrap="square" lIns="91440" tIns="45720" rIns="91440" bIns="45720">
+            <a:spAutoFit/>
+          </a:bodyPr>
+          <a:lstStyle/>
+          <a:p>
+            <a:pPr algn="ctr"/>
+            <a:r>
+              <a:rPr lang="ar-EG" sz="2000" b="1" dirty="0">
+                <a:solidFill>
+                  <a:schemeClr val="bg1"/>
+                </a:solidFill>
+              </a:rPr>
+              <a:t>النظام التفاعلي التعليمي لخدمات الطلاب باستخدام هياكل الخدمات الدقيقة</a:t>
+            </a:r>
+            <a:endParaRPr lang="en-US" sz="2000" dirty="0">
+              <a:ln w="0"/>
+              <a:solidFill>
+                <a:schemeClr val="bg1"/>
+              </a:solidFill>
+              <a:effectLst>
+                <a:outerShdw blurRad="38100" dist="19050" dir="2700000" algn="tl" rotWithShape="0">
+                  <a:schemeClr val="dk1">
+                    <a:alpha val="40000"/>
+                  </a:schemeClr>
+                </a:outerShdw>
+              </a:effectLst>
+            </a:endParaRPr>
+          </a:p>
+        </p:txBody>
+      </p:sp>
+    </p:spTree>
+    <p:extLst>
+      <p:ext uri="{BB962C8B-B14F-4D97-AF65-F5344CB8AC3E}">
+        <p14:creationId xmlns:p14="http://schemas.microsoft.com/office/powerpoint/2010/main" val="483174277"/>
+      </p:ext>
+    </p:extLst>
+  </p:cSld>
+  <p:clrMapOvr>
+    <a:masterClrMapping/>
+  </p:clrMapOvr>
+</p:sld>
+</file>
+
+<file path=ppt/slides/slide9.xml><?xml version="1.0" encoding="utf-8"?>
+<p:sld xmlns:a="http://schemas.openxmlformats.org/drawingml/2006/main" xmlns:r="http://schemas.openxmlformats.org/officeDocument/2006/relationships" xmlns:p="http://schemas.openxmlformats.org/presentationml/2006/main">
+  <p:cSld>
+    <p:bg>
+      <p:bgPr>
+        <a:gradFill flip="none" rotWithShape="1">
+          <a:gsLst>
+            <a:gs pos="0">
+              <a:schemeClr val="accent1">
+                <a:lumMod val="5000"/>
+                <a:lumOff val="95000"/>
+              </a:schemeClr>
+            </a:gs>
+            <a:gs pos="28000">
+              <a:srgbClr val="0070C0"/>
+            </a:gs>
+            <a:gs pos="65296">
+              <a:schemeClr val="accent1">
+                <a:lumMod val="75000"/>
+              </a:schemeClr>
+            </a:gs>
+            <a:gs pos="100000">
+              <a:srgbClr val="002060"/>
+            </a:gs>
+          </a:gsLst>
+          <a:lin ang="8100000" scaled="1"/>
+          <a:tileRect/>
+        </a:gradFill>
+        <a:effectLst/>
+      </p:bgPr>
+    </p:bg>
+    <p:spTree>
+      <p:nvGrpSpPr>
+        <p:cNvPr id="1" name=""/>
+        <p:cNvGrpSpPr/>
+        <p:nvPr/>
+      </p:nvGrpSpPr>
+      <p:grpSpPr>
+        <a:xfrm>
+          <a:off x="0" y="0"/>
+          <a:ext cx="0" cy="0"/>
+          <a:chOff x="0" y="0"/>
+          <a:chExt cx="0" cy="0"/>
+        </a:xfrm>
+      </p:grpSpPr>
+      <p:sp>
+        <p:nvSpPr>
+          <p:cNvPr id="9" name="Rectangle 8">
+            <a:extLst>
+              <a:ext uri="{FF2B5EF4-FFF2-40B4-BE49-F238E27FC236}">
+                <a16:creationId xmlns:a16="http://schemas.microsoft.com/office/drawing/2014/main" id="{96649079-2919-42D1-BE35-C91A1B8F8194}"/>
+              </a:ext>
+            </a:extLst>
+          </p:cNvPr>
+          <p:cNvSpPr/>
+          <p:nvPr/>
+        </p:nvSpPr>
+        <p:spPr>
+          <a:xfrm>
+            <a:off x="232753" y="2460010"/>
+            <a:ext cx="6512112" cy="2585323"/>
+          </a:xfrm>
+          <a:prstGeom prst="rect">
+            <a:avLst/>
+          </a:prstGeom>
+          <a:noFill/>
+        </p:spPr>
+        <p:txBody>
+          <a:bodyPr wrap="square" lIns="91440" tIns="45720" rIns="91440" bIns="45720">
+            <a:spAutoFit/>
+          </a:bodyPr>
+          <a:lstStyle/>
+          <a:p>
+            <a:r>
+              <a:rPr lang="en-US" sz="4000" b="1" dirty="0">
+                <a:ln w="0"/>
+                <a:effectLst>
+                  <a:outerShdw blurRad="38100" dist="19050" dir="2700000" algn="tl" rotWithShape="0">
+                    <a:schemeClr val="dk1">
+                      <a:alpha val="40000"/>
+                    </a:schemeClr>
+                  </a:outerShdw>
+                </a:effectLst>
+              </a:rPr>
+              <a:t>Interactive</a:t>
+            </a:r>
+          </a:p>
+          <a:p>
+            <a:r>
+              <a:rPr lang="en-US" sz="5400" b="1" dirty="0">
+                <a:ln w="0"/>
+                <a:effectLst>
+                  <a:outerShdw blurRad="38100" dist="19050" dir="2700000" algn="tl" rotWithShape="0">
+                    <a:schemeClr val="dk1">
+                      <a:alpha val="40000"/>
+                    </a:schemeClr>
+                  </a:outerShdw>
+                </a:effectLst>
+              </a:rPr>
+              <a:t>Microservices</a:t>
+            </a:r>
+            <a:r>
+              <a:rPr lang="en-US" sz="3200" b="1" dirty="0">
+                <a:ln w="0"/>
+                <a:effectLst>
+                  <a:outerShdw blurRad="38100" dist="19050" dir="2700000" algn="tl" rotWithShape="0">
+                    <a:schemeClr val="dk1">
+                      <a:alpha val="40000"/>
+                    </a:schemeClr>
+                  </a:outerShdw>
+                </a:effectLst>
+              </a:rPr>
+              <a:t> </a:t>
+            </a:r>
+          </a:p>
+          <a:p>
+            <a:r>
+              <a:rPr lang="en-US" sz="3200" b="1" dirty="0">
+                <a:ln w="0"/>
+                <a:effectLst>
+                  <a:outerShdw blurRad="38100" dist="19050" dir="2700000" algn="tl" rotWithShape="0">
+                    <a:schemeClr val="dk1">
+                      <a:alpha val="40000"/>
+                    </a:schemeClr>
+                  </a:outerShdw>
+                </a:effectLst>
+              </a:rPr>
+              <a:t>System for </a:t>
+            </a:r>
+            <a:r>
+              <a:rPr lang="en-US" sz="3600" b="1" dirty="0">
+                <a:ln w="0"/>
+                <a:effectLst>
+                  <a:outerShdw blurRad="38100" dist="19050" dir="2700000" algn="tl" rotWithShape="0">
+                    <a:schemeClr val="dk1">
+                      <a:alpha val="40000"/>
+                    </a:schemeClr>
+                  </a:outerShdw>
+                </a:effectLst>
+              </a:rPr>
+              <a:t>student services</a:t>
+            </a:r>
+          </a:p>
+          <a:p>
+            <a:pPr algn="ctr"/>
+            <a:r>
+              <a:rPr lang="en-US" sz="3200" b="0" cap="none" spc="0" dirty="0">
+                <a:ln w="0"/>
+                <a:solidFill>
+                  <a:schemeClr val="tx1"/>
+                </a:solidFill>
+                <a:effectLst>
+                  <a:outerShdw blurRad="38100" dist="19050" dir="2700000" algn="tl" rotWithShape="0">
+                    <a:schemeClr val="dk1">
+                      <a:alpha val="40000"/>
+                    </a:schemeClr>
+                  </a:outerShdw>
+                </a:effectLst>
+              </a:rPr>
+              <a:t> </a:t>
+            </a:r>
+          </a:p>
+        </p:txBody>
+      </p:sp>
+      <p:pic>
+        <p:nvPicPr>
+          <p:cNvPr id="8" name="Picture 7">
+            <a:extLst>
+              <a:ext uri="{FF2B5EF4-FFF2-40B4-BE49-F238E27FC236}">
+                <a16:creationId xmlns:a16="http://schemas.microsoft.com/office/drawing/2014/main" id="{1A423CD4-BE45-46E8-8A0C-FF92638B0CED}"/>
+              </a:ext>
+            </a:extLst>
+          </p:cNvPr>
+          <p:cNvPicPr>
+            <a:picLocks noChangeAspect="1"/>
+          </p:cNvPicPr>
+          <p:nvPr/>
+        </p:nvPicPr>
+        <p:blipFill>
+          <a:blip r:embed="rId2">
+            <a:extLst>
+              <a:ext uri="{BEBA8EAE-BF5A-486C-A8C5-ECC9F3942E4B}">
+                <a14:imgProps xmlns:a14="http://schemas.microsoft.com/office/drawing/2010/main">
+                  <a14:imgLayer r:embed="rId3">
+                    <a14:imgEffect>
+                      <a14:backgroundRemoval t="4036" b="93274" l="5310" r="95575">
+                        <a14:foregroundMark x1="34513" y1="20628" x2="34513" y2="20628"/>
+                        <a14:foregroundMark x1="34513" y1="21525" x2="34513" y2="21525"/>
+                        <a14:foregroundMark x1="34513" y1="21525" x2="34513" y2="21525"/>
+                        <a14:foregroundMark x1="23009" y1="31390" x2="33628" y2="26009"/>
+                        <a14:foregroundMark x1="46903" y1="10762" x2="21681" y2="35874"/>
+                        <a14:foregroundMark x1="67257" y1="9865" x2="38053" y2="10314"/>
+                        <a14:foregroundMark x1="38053" y1="10314" x2="16814" y2="21076"/>
+                        <a14:foregroundMark x1="16814" y1="21076" x2="14602" y2="37668"/>
+                        <a14:foregroundMark x1="14159" y1="30942" x2="9292" y2="59641"/>
+                        <a14:foregroundMark x1="9292" y1="59641" x2="14602" y2="68610"/>
+                        <a14:foregroundMark x1="15929" y1="53812" x2="16814" y2="79821"/>
+                        <a14:foregroundMark x1="16814" y1="79821" x2="44248" y2="86547"/>
+                        <a14:foregroundMark x1="69027" y1="88341" x2="83186" y2="66368"/>
+                        <a14:foregroundMark x1="83186" y1="66368" x2="86726" y2="39910"/>
+                        <a14:foregroundMark x1="73451" y1="85202" x2="28319" y2="85202"/>
+                        <a14:foregroundMark x1="30973" y1="88789" x2="58850" y2="93274"/>
+                        <a14:foregroundMark x1="87611" y1="29148" x2="90708" y2="52915"/>
+                        <a14:foregroundMark x1="90708" y1="52915" x2="87168" y2="75336"/>
+                        <a14:foregroundMark x1="87168" y1="75336" x2="68142" y2="89238"/>
+                        <a14:foregroundMark x1="68142" y1="89238" x2="44248" y2="93274"/>
+                        <a14:foregroundMark x1="92035" y1="64574" x2="92035" y2="37668"/>
+                        <a14:foregroundMark x1="28761" y1="77578" x2="13717" y2="59641"/>
+                        <a14:foregroundMark x1="13717" y1="59641" x2="13274" y2="58296"/>
+                        <a14:foregroundMark x1="6195" y1="60090" x2="5752" y2="47534"/>
+                        <a14:foregroundMark x1="48673" y1="4484" x2="48673" y2="4484"/>
+                        <a14:foregroundMark x1="88496" y1="61435" x2="84956" y2="61435"/>
+                        <a14:foregroundMark x1="94690" y1="44395" x2="95575" y2="51570"/>
+                        <a14:backgroundMark x1="14602" y1="9865" x2="14602" y2="9865"/>
+                        <a14:backgroundMark x1="14602" y1="9865" x2="14602" y2="9865"/>
+                        <a14:backgroundMark x1="14602" y1="9865" x2="14602" y2="9865"/>
+                        <a14:backgroundMark x1="14602" y1="9865" x2="9292" y2="14798"/>
+                        <a14:backgroundMark x1="11504" y1="9417" x2="11504" y2="9417"/>
+                        <a14:backgroundMark x1="11504" y1="9417" x2="8061" y2="19885"/>
+                      </a14:backgroundRemoval>
+                    </a14:imgEffect>
+                  </a14:imgLayer>
+                </a14:imgProps>
+              </a:ext>
+              <a:ext uri="{28A0092B-C50C-407E-A947-70E740481C1C}">
+                <a14:useLocalDpi xmlns:a14="http://schemas.microsoft.com/office/drawing/2010/main" val="0"/>
+              </a:ext>
+            </a:extLst>
+          </a:blip>
+          <a:stretch>
+            <a:fillRect/>
+          </a:stretch>
+        </p:blipFill>
+        <p:spPr>
+          <a:xfrm>
+            <a:off x="280521" y="294493"/>
+            <a:ext cx="1065091" cy="1050952"/>
+          </a:xfrm>
+          <a:prstGeom prst="rect">
+            <a:avLst/>
+          </a:prstGeom>
+        </p:spPr>
+      </p:pic>
+      <p:sp>
+        <p:nvSpPr>
+          <p:cNvPr id="15" name="Rectangle 14">
+            <a:extLst>
+              <a:ext uri="{FF2B5EF4-FFF2-40B4-BE49-F238E27FC236}">
+                <a16:creationId xmlns:a16="http://schemas.microsoft.com/office/drawing/2014/main" id="{72C76AE4-A2D7-407A-8EFE-187C405A4B82}"/>
+              </a:ext>
+            </a:extLst>
+          </p:cNvPr>
+          <p:cNvSpPr/>
+          <p:nvPr/>
+        </p:nvSpPr>
+        <p:spPr>
+          <a:xfrm>
+            <a:off x="1629902" y="7535233"/>
+            <a:ext cx="3717814" cy="892552"/>
+          </a:xfrm>
+          <a:prstGeom prst="rect">
+            <a:avLst/>
+          </a:prstGeom>
+          <a:noFill/>
+        </p:spPr>
+        <p:txBody>
+          <a:bodyPr wrap="none" lIns="91440" tIns="45720" rIns="91440" bIns="45720">
+            <a:spAutoFit/>
+          </a:bodyPr>
+          <a:lstStyle/>
+          <a:p>
+            <a:pPr algn="ctr"/>
+            <a:r>
+              <a:rPr lang="en-US" sz="2000" b="1" dirty="0">
+                <a:ln w="0"/>
+                <a:effectLst>
+                  <a:outerShdw blurRad="38100" dist="19050" dir="2700000" algn="tl" rotWithShape="0">
+                    <a:schemeClr val="dk1">
+                      <a:alpha val="40000"/>
+                    </a:schemeClr>
+                  </a:outerShdw>
+                </a:effectLst>
+              </a:rPr>
+              <a:t>Supervised by</a:t>
+            </a:r>
+          </a:p>
+          <a:p>
+            <a:pPr algn="ctr"/>
+            <a:r>
+              <a:rPr lang="en-US" sz="3200" b="1" dirty="0">
+                <a:ln w="0"/>
+                <a:effectLst>
+                  <a:outerShdw blurRad="38100" dist="19050" dir="2700000" algn="tl" rotWithShape="0">
+                    <a:schemeClr val="dk1">
+                      <a:alpha val="40000"/>
+                    </a:schemeClr>
+                  </a:outerShdw>
+                </a:effectLst>
+              </a:rPr>
+              <a:t>Dr. Samir </a:t>
+            </a:r>
+            <a:r>
+              <a:rPr lang="en-US" sz="3200" b="1" dirty="0" err="1">
+                <a:ln w="0"/>
+                <a:effectLst>
+                  <a:outerShdw blurRad="38100" dist="19050" dir="2700000" algn="tl" rotWithShape="0">
+                    <a:schemeClr val="dk1">
+                      <a:alpha val="40000"/>
+                    </a:schemeClr>
+                  </a:outerShdw>
+                </a:effectLst>
+              </a:rPr>
+              <a:t>Abdelrazek</a:t>
+            </a:r>
+            <a:endParaRPr lang="en-US" sz="3200" b="1" dirty="0">
+              <a:ln w="0"/>
+              <a:effectLst>
+                <a:outerShdw blurRad="38100" dist="19050" dir="2700000" algn="tl" rotWithShape="0">
+                  <a:schemeClr val="dk1">
+                    <a:alpha val="40000"/>
+                  </a:schemeClr>
+                </a:outerShdw>
+              </a:effectLst>
+            </a:endParaRPr>
+          </a:p>
+        </p:txBody>
+      </p:sp>
+      <p:pic>
+        <p:nvPicPr>
+          <p:cNvPr id="18" name="Picture 4">
+            <a:extLst>
+              <a:ext uri="{FF2B5EF4-FFF2-40B4-BE49-F238E27FC236}">
+                <a16:creationId xmlns:a16="http://schemas.microsoft.com/office/drawing/2014/main" id="{1665245D-2668-465B-A0A4-B171D7248462}"/>
+              </a:ext>
+            </a:extLst>
+          </p:cNvPr>
+          <p:cNvPicPr>
+            <a:picLocks noChangeAspect="1" noChangeArrowheads="1"/>
+          </p:cNvPicPr>
+          <p:nvPr/>
+        </p:nvPicPr>
+        <p:blipFill rotWithShape="1">
+          <a:blip r:embed="rId4">
+            <a:extLst>
+              <a:ext uri="{28A0092B-C50C-407E-A947-70E740481C1C}">
+                <a14:useLocalDpi xmlns:a14="http://schemas.microsoft.com/office/drawing/2010/main" val="0"/>
+              </a:ext>
+            </a:extLst>
+          </a:blip>
+          <a:srcRect b="18222"/>
+          <a:stretch/>
+        </p:blipFill>
+        <p:spPr bwMode="auto">
+          <a:xfrm>
+            <a:off x="4946437" y="228224"/>
+            <a:ext cx="2280862" cy="1183491"/>
+          </a:xfrm>
+          <a:prstGeom prst="rect">
+            <a:avLst/>
+          </a:prstGeom>
+          <a:noFill/>
+          <a:effectLst>
+            <a:glow rad="228600">
+              <a:schemeClr val="accent5">
+                <a:satMod val="175000"/>
+                <a:alpha val="40000"/>
+              </a:schemeClr>
+            </a:glow>
+          </a:effectLst>
+          <a:extLst>
+            <a:ext uri="{909E8E84-426E-40DD-AFC4-6F175D3DCCD1}">
+              <a14:hiddenFill xmlns:a14="http://schemas.microsoft.com/office/drawing/2010/main">
+                <a:solidFill>
+                  <a:srgbClr val="FFFFFF"/>
+                </a:solidFill>
+              </a14:hiddenFill>
+            </a:ext>
+          </a:extLst>
+        </p:spPr>
+      </p:pic>
+      <p:pic>
+        <p:nvPicPr>
+          <p:cNvPr id="3" name="Picture 2" descr="A close up of a logo&#10;&#10;Description automatically generated">
+            <a:extLst>
+              <a:ext uri="{FF2B5EF4-FFF2-40B4-BE49-F238E27FC236}">
+                <a16:creationId xmlns:a16="http://schemas.microsoft.com/office/drawing/2014/main" id="{A206C6D7-680E-4B01-B7AA-95408D6F608E}"/>
+              </a:ext>
+            </a:extLst>
+          </p:cNvPr>
+          <p:cNvPicPr>
+            <a:picLocks noChangeAspect="1"/>
+          </p:cNvPicPr>
+          <p:nvPr/>
+        </p:nvPicPr>
+        <p:blipFill>
+          <a:blip r:embed="rId5">
+            <a:extLst>
+              <a:ext uri="{28A0092B-C50C-407E-A947-70E740481C1C}">
+                <a14:useLocalDpi xmlns:a14="http://schemas.microsoft.com/office/drawing/2010/main" val="0"/>
+              </a:ext>
+            </a:extLst>
+          </a:blip>
+          <a:stretch>
+            <a:fillRect/>
+          </a:stretch>
+        </p:blipFill>
+        <p:spPr>
+          <a:xfrm>
+            <a:off x="280521" y="4670266"/>
+            <a:ext cx="4349799" cy="1100987"/>
+          </a:xfrm>
+          <a:prstGeom prst="rect">
+            <a:avLst/>
+          </a:prstGeom>
+        </p:spPr>
+      </p:pic>
+    </p:spTree>
+    <p:extLst>
+      <p:ext uri="{BB962C8B-B14F-4D97-AF65-F5344CB8AC3E}">
+        <p14:creationId xmlns:p14="http://schemas.microsoft.com/office/powerpoint/2010/main" val="2897925952"/>
       </p:ext>
     </p:extLst>
   </p:cSld>
